--- a/DS01_프로세스정의서_v1.0.pptx
+++ b/DS01_프로세스정의서_v1.0.pptx
@@ -22,23 +22,46 @@
   <p:notesSz cx="6797675" cy="9926638"/>
   <p:embeddedFontLst>
     <p:embeddedFont>
-      <p:font typeface="Noto Sans Symbols" panose="020B0502040504020204" pitchFamily="50" charset="-127"/>
+      <p:font typeface="Batang" panose="02030600000101010101" pitchFamily="18" charset="-127"/>
       <p:regular r:id="rId12"/>
     </p:embeddedFont>
     <p:embeddedFont>
-      <p:font typeface="Malgun Gothic" panose="020B0503020000020004" pitchFamily="50" charset="-127"/>
+      <p:font typeface="Dotum" panose="020B0600000101010101" pitchFamily="34" charset="-127"/>
       <p:regular r:id="rId13"/>
-      <p:bold r:id="rId14"/>
     </p:embeddedFont>
     <p:embeddedFont>
-      <p:font typeface="Malgun Gothic" panose="020B0503020000020004" pitchFamily="50" charset="-127"/>
-      <p:regular r:id="rId13"/>
-      <p:bold r:id="rId14"/>
+      <p:font typeface="Dotumche" panose="020B0609000101010101" pitchFamily="49" charset="-127"/>
+      <p:regular r:id="rId14"/>
+    </p:embeddedFont>
+    <p:embeddedFont>
+      <p:font typeface="Gulimche" panose="020B0609000101010101" pitchFamily="49" charset="-127"/>
+      <p:regular r:id="rId15"/>
+    </p:embeddedFont>
+    <p:embeddedFont>
+      <p:font typeface="Noto Sans Symbols" panose="020B0604020202020204" charset="-128"/>
+      <p:regular r:id="rId16"/>
+    </p:embeddedFont>
+    <p:embeddedFont>
+      <p:font typeface="Calibri" panose="020F0502020204030204" pitchFamily="34" charset="0"/>
+      <p:regular r:id="rId17"/>
+      <p:bold r:id="rId18"/>
+      <p:italic r:id="rId19"/>
+      <p:boldItalic r:id="rId20"/>
+    </p:embeddedFont>
+    <p:embeddedFont>
+      <p:font typeface="Malgun Gothic" panose="020B0503020000020004" pitchFamily="34" charset="-127"/>
+      <p:regular r:id="rId21"/>
+      <p:bold r:id="rId22"/>
+    </p:embeddedFont>
+    <p:embeddedFont>
+      <p:font typeface="Malgun Gothic" panose="020B0503020000020004" pitchFamily="34" charset="-127"/>
+      <p:regular r:id="rId21"/>
+      <p:bold r:id="rId22"/>
     </p:embeddedFont>
     <p:embeddedFont>
       <p:font typeface="Tahoma" panose="020B0604030504040204" pitchFamily="34" charset="0"/>
-      <p:regular r:id="rId15"/>
-      <p:bold r:id="rId16"/>
+      <p:regular r:id="rId23"/>
+      <p:bold r:id="rId24"/>
     </p:embeddedFont>
   </p:embeddedFontLst>
   <p:defaultTextStyle>
@@ -287,6 +310,173 @@
     </p:ext>
   </p:extLst>
 </p:presentation>
+</file>
+
+<file path=ppt/revisionInfo.xml><?xml version="1.0" encoding="utf-8"?>
+<p1510:revInfo xmlns:a="http://schemas.openxmlformats.org/drawingml/2006/main" xmlns:r="http://schemas.openxmlformats.org/officeDocument/2006/relationships" xmlns:p1510="http://schemas.microsoft.com/office/powerpoint/2015/10/main">
+  <p1510:revLst>
+    <p1510:client id="{53FC6435-CF2B-83C4-F19A-D68246438B19}" v="287" dt="2021-05-07T00:25:20.776"/>
+  </p1510:revLst>
+</p1510:revInfo>
+</file>
+
+<file path=ppt/changesInfos/changesInfo1.xml><?xml version="1.0" encoding="utf-8"?>
+<pc:chgInfo xmlns:a="http://schemas.openxmlformats.org/drawingml/2006/main" xmlns:r="http://schemas.openxmlformats.org/officeDocument/2006/relationships" xmlns:ac="http://schemas.microsoft.com/office/drawing/2013/main/command" xmlns:pc="http://schemas.microsoft.com/office/powerpoint/2013/main/command">
+  <pc:docChgLst>
+    <pc:chgData name="이규태" userId="S::gtlee@idino.co.kr::1a73e528-11b4-4ae5-8012-e2f6ac72d46e" providerId="AD" clId="Web-{53FC6435-CF2B-83C4-F19A-D68246438B19}"/>
+    <pc:docChg chg="addSld delSld modSld sldOrd">
+      <pc:chgData name="이규태" userId="S::gtlee@idino.co.kr::1a73e528-11b4-4ae5-8012-e2f6ac72d46e" providerId="AD" clId="Web-{53FC6435-CF2B-83C4-F19A-D68246438B19}" dt="2021-05-07T00:25:20.776" v="236"/>
+      <pc:docMkLst>
+        <pc:docMk/>
+      </pc:docMkLst>
+      <pc:sldChg chg="modSp">
+        <pc:chgData name="이규태" userId="S::gtlee@idino.co.kr::1a73e528-11b4-4ae5-8012-e2f6ac72d46e" providerId="AD" clId="Web-{53FC6435-CF2B-83C4-F19A-D68246438B19}" dt="2021-05-07T00:20:04.284" v="58"/>
+        <pc:sldMkLst>
+          <pc:docMk/>
+          <pc:sldMk cId="0" sldId="256"/>
+        </pc:sldMkLst>
+        <pc:spChg chg="mod">
+          <ac:chgData name="이규태" userId="S::gtlee@idino.co.kr::1a73e528-11b4-4ae5-8012-e2f6ac72d46e" providerId="AD" clId="Web-{53FC6435-CF2B-83C4-F19A-D68246438B19}" dt="2021-05-07T00:19:32.955" v="2" actId="20577"/>
+          <ac:spMkLst>
+            <pc:docMk/>
+            <pc:sldMk cId="0" sldId="256"/>
+            <ac:spMk id="54" creationId="{00000000-0000-0000-0000-000000000000}"/>
+          </ac:spMkLst>
+        </pc:spChg>
+        <pc:spChg chg="mod">
+          <ac:chgData name="이규태" userId="S::gtlee@idino.co.kr::1a73e528-11b4-4ae5-8012-e2f6ac72d46e" providerId="AD" clId="Web-{53FC6435-CF2B-83C4-F19A-D68246438B19}" dt="2021-05-07T00:19:44.284" v="4" actId="20577"/>
+          <ac:spMkLst>
+            <pc:docMk/>
+            <pc:sldMk cId="0" sldId="256"/>
+            <ac:spMk id="55" creationId="{00000000-0000-0000-0000-000000000000}"/>
+          </ac:spMkLst>
+        </pc:spChg>
+        <pc:graphicFrameChg chg="mod modGraphic">
+          <ac:chgData name="이규태" userId="S::gtlee@idino.co.kr::1a73e528-11b4-4ae5-8012-e2f6ac72d46e" providerId="AD" clId="Web-{53FC6435-CF2B-83C4-F19A-D68246438B19}" dt="2021-05-07T00:20:04.284" v="58"/>
+          <ac:graphicFrameMkLst>
+            <pc:docMk/>
+            <pc:sldMk cId="0" sldId="256"/>
+            <ac:graphicFrameMk id="51" creationId="{00000000-0000-0000-0000-000000000000}"/>
+          </ac:graphicFrameMkLst>
+        </pc:graphicFrameChg>
+      </pc:sldChg>
+      <pc:sldChg chg="modSp">
+        <pc:chgData name="이규태" userId="S::gtlee@idino.co.kr::1a73e528-11b4-4ae5-8012-e2f6ac72d46e" providerId="AD" clId="Web-{53FC6435-CF2B-83C4-F19A-D68246438B19}" dt="2021-05-07T00:20:56.504" v="188"/>
+        <pc:sldMkLst>
+          <pc:docMk/>
+          <pc:sldMk cId="0" sldId="258"/>
+        </pc:sldMkLst>
+        <pc:graphicFrameChg chg="mod modGraphic">
+          <ac:chgData name="이규태" userId="S::gtlee@idino.co.kr::1a73e528-11b4-4ae5-8012-e2f6ac72d46e" providerId="AD" clId="Web-{53FC6435-CF2B-83C4-F19A-D68246438B19}" dt="2021-05-07T00:20:56.504" v="188"/>
+          <ac:graphicFrameMkLst>
+            <pc:docMk/>
+            <pc:sldMk cId="0" sldId="258"/>
+            <ac:graphicFrameMk id="70" creationId="{00000000-0000-0000-0000-000000000000}"/>
+          </ac:graphicFrameMkLst>
+        </pc:graphicFrameChg>
+      </pc:sldChg>
+      <pc:sldChg chg="modSp">
+        <pc:chgData name="이규태" userId="S::gtlee@idino.co.kr::1a73e528-11b4-4ae5-8012-e2f6ac72d46e" providerId="AD" clId="Web-{53FC6435-CF2B-83C4-F19A-D68246438B19}" dt="2021-05-07T00:24:34.759" v="213" actId="20577"/>
+        <pc:sldMkLst>
+          <pc:docMk/>
+          <pc:sldMk cId="0" sldId="260"/>
+        </pc:sldMkLst>
+        <pc:spChg chg="mod">
+          <ac:chgData name="이규태" userId="S::gtlee@idino.co.kr::1a73e528-11b4-4ae5-8012-e2f6ac72d46e" providerId="AD" clId="Web-{53FC6435-CF2B-83C4-F19A-D68246438B19}" dt="2021-05-07T00:24:34.759" v="213" actId="20577"/>
+          <ac:spMkLst>
+            <pc:docMk/>
+            <pc:sldMk cId="0" sldId="260"/>
+            <ac:spMk id="105" creationId="{00000000-0000-0000-0000-000000000000}"/>
+          </ac:spMkLst>
+        </pc:spChg>
+      </pc:sldChg>
+      <pc:sldChg chg="addSp delSp modSp">
+        <pc:chgData name="이규태" userId="S::gtlee@idino.co.kr::1a73e528-11b4-4ae5-8012-e2f6ac72d46e" providerId="AD" clId="Web-{53FC6435-CF2B-83C4-F19A-D68246438B19}" dt="2021-05-07T00:24:59.978" v="226"/>
+        <pc:sldMkLst>
+          <pc:docMk/>
+          <pc:sldMk cId="0" sldId="261"/>
+        </pc:sldMkLst>
+        <pc:spChg chg="add">
+          <ac:chgData name="이규태" userId="S::gtlee@idino.co.kr::1a73e528-11b4-4ae5-8012-e2f6ac72d46e" providerId="AD" clId="Web-{53FC6435-CF2B-83C4-F19A-D68246438B19}" dt="2021-05-07T00:24:59.978" v="226"/>
+          <ac:spMkLst>
+            <pc:docMk/>
+            <pc:sldMk cId="0" sldId="261"/>
+            <ac:spMk id="2" creationId="{AC3496A4-B40C-4307-B7BD-271FF2D69994}"/>
+          </ac:spMkLst>
+        </pc:spChg>
+        <pc:spChg chg="del mod">
+          <ac:chgData name="이규태" userId="S::gtlee@idino.co.kr::1a73e528-11b4-4ae5-8012-e2f6ac72d46e" providerId="AD" clId="Web-{53FC6435-CF2B-83C4-F19A-D68246438B19}" dt="2021-05-07T00:24:59.588" v="225"/>
+          <ac:spMkLst>
+            <pc:docMk/>
+            <pc:sldMk cId="0" sldId="261"/>
+            <ac:spMk id="127" creationId="{00000000-0000-0000-0000-000000000000}"/>
+          </ac:spMkLst>
+        </pc:spChg>
+      </pc:sldChg>
+      <pc:sldChg chg="addSp delSp modSp">
+        <pc:chgData name="이규태" userId="S::gtlee@idino.co.kr::1a73e528-11b4-4ae5-8012-e2f6ac72d46e" providerId="AD" clId="Web-{53FC6435-CF2B-83C4-F19A-D68246438B19}" dt="2021-05-07T00:25:17.479" v="234" actId="20577"/>
+        <pc:sldMkLst>
+          <pc:docMk/>
+          <pc:sldMk cId="0" sldId="262"/>
+        </pc:sldMkLst>
+        <pc:spChg chg="add mod">
+          <ac:chgData name="이규태" userId="S::gtlee@idino.co.kr::1a73e528-11b4-4ae5-8012-e2f6ac72d46e" providerId="AD" clId="Web-{53FC6435-CF2B-83C4-F19A-D68246438B19}" dt="2021-05-07T00:25:17.479" v="234" actId="20577"/>
+          <ac:spMkLst>
+            <pc:docMk/>
+            <pc:sldMk cId="0" sldId="262"/>
+            <ac:spMk id="2" creationId="{BB9304BC-4C91-431D-AD37-715FD5EFD408}"/>
+          </ac:spMkLst>
+        </pc:spChg>
+        <pc:spChg chg="del">
+          <ac:chgData name="이규태" userId="S::gtlee@idino.co.kr::1a73e528-11b4-4ae5-8012-e2f6ac72d46e" providerId="AD" clId="Web-{53FC6435-CF2B-83C4-F19A-D68246438B19}" dt="2021-05-07T00:25:08.869" v="227"/>
+          <ac:spMkLst>
+            <pc:docMk/>
+            <pc:sldMk cId="0" sldId="262"/>
+            <ac:spMk id="148" creationId="{00000000-0000-0000-0000-000000000000}"/>
+          </ac:spMkLst>
+        </pc:spChg>
+      </pc:sldChg>
+      <pc:sldChg chg="addSp delSp">
+        <pc:chgData name="이규태" userId="S::gtlee@idino.co.kr::1a73e528-11b4-4ae5-8012-e2f6ac72d46e" providerId="AD" clId="Web-{53FC6435-CF2B-83C4-F19A-D68246438B19}" dt="2021-05-07T00:25:20.776" v="236"/>
+        <pc:sldMkLst>
+          <pc:docMk/>
+          <pc:sldMk cId="3565639595" sldId="263"/>
+        </pc:sldMkLst>
+        <pc:spChg chg="add">
+          <ac:chgData name="이규태" userId="S::gtlee@idino.co.kr::1a73e528-11b4-4ae5-8012-e2f6ac72d46e" providerId="AD" clId="Web-{53FC6435-CF2B-83C4-F19A-D68246438B19}" dt="2021-05-07T00:25:20.776" v="236"/>
+          <ac:spMkLst>
+            <pc:docMk/>
+            <pc:sldMk cId="3565639595" sldId="263"/>
+            <ac:spMk id="2" creationId="{56CB637B-DA97-4874-9CD5-055D6F13BD41}"/>
+          </ac:spMkLst>
+        </pc:spChg>
+        <pc:spChg chg="del">
+          <ac:chgData name="이규태" userId="S::gtlee@idino.co.kr::1a73e528-11b4-4ae5-8012-e2f6ac72d46e" providerId="AD" clId="Web-{53FC6435-CF2B-83C4-F19A-D68246438B19}" dt="2021-05-07T00:25:20.385" v="235"/>
+          <ac:spMkLst>
+            <pc:docMk/>
+            <pc:sldMk cId="3565639595" sldId="263"/>
+            <ac:spMk id="148" creationId="{00000000-0000-0000-0000-000000000000}"/>
+          </ac:spMkLst>
+        </pc:spChg>
+      </pc:sldChg>
+      <pc:sldChg chg="modSp add del ord replId">
+        <pc:chgData name="이규태" userId="S::gtlee@idino.co.kr::1a73e528-11b4-4ae5-8012-e2f6ac72d46e" providerId="AD" clId="Web-{53FC6435-CF2B-83C4-F19A-D68246438B19}" dt="2021-05-07T00:23:13.242" v="197"/>
+        <pc:sldMkLst>
+          <pc:docMk/>
+          <pc:sldMk cId="2098074113" sldId="264"/>
+        </pc:sldMkLst>
+        <pc:spChg chg="mod">
+          <ac:chgData name="이규태" userId="S::gtlee@idino.co.kr::1a73e528-11b4-4ae5-8012-e2f6ac72d46e" providerId="AD" clId="Web-{53FC6435-CF2B-83C4-F19A-D68246438B19}" dt="2021-05-07T00:21:16.067" v="196" actId="20577"/>
+          <ac:spMkLst>
+            <pc:docMk/>
+            <pc:sldMk cId="2098074113" sldId="264"/>
+            <ac:spMk id="148" creationId="{00000000-0000-0000-0000-000000000000}"/>
+          </ac:spMkLst>
+        </pc:spChg>
+      </pc:sldChg>
+    </pc:docChg>
+  </pc:docChgLst>
+</pc:chgInfo>
 </file>
 
 <file path=ppt/notesMasters/notesMaster1.xml><?xml version="1.0" encoding="utf-8"?>
@@ -6955,7 +7145,7 @@
           <p:nvPr>
             <p:extLst>
               <p:ext uri="{D42A27DB-BD31-4B8C-83A1-F6EECF244321}">
-                <p14:modId xmlns:p14="http://schemas.microsoft.com/office/powerpoint/2010/main" val="475244600"/>
+                <p14:modId xmlns:p14="http://schemas.microsoft.com/office/powerpoint/2010/main" val="4011312831"/>
               </p:ext>
             </p:extLst>
           </p:nvPr>
@@ -7124,12 +7314,9 @@
                           </a:solidFill>
                           <a:latin typeface="Malgun Gothic"/>
                           <a:ea typeface="Malgun Gothic"/>
-                          <a:cs typeface="Malgun Gothic"/>
-                          <a:sym typeface="Malgun Gothic"/>
                         </a:rPr>
-                        <a:t>전자약정 및 웹서비스 통합플랫폼 구축 </a:t>
+                        <a:t>모바일 출석체크 시스템</a:t>
                       </a:r>
-                      <a:endParaRPr dirty="0"/>
                     </a:p>
                   </a:txBody>
                   <a:tcPr marL="97500" marR="97500" marT="46800" marB="46800" anchor="ctr">
@@ -7241,7 +7428,7 @@
                         <a:buNone/>
                       </a:pPr>
                       <a:r>
-                        <a:rPr lang="ko-KR" sz="1000" b="0" i="0" u="none" strike="noStrike" cap="none">
+                        <a:rPr lang="ko-KR" sz="1000" b="0" i="0" u="none" strike="noStrike" cap="none" dirty="0">
                           <a:solidFill>
                             <a:schemeClr val="dk1"/>
                           </a:solidFill>
@@ -7252,7 +7439,7 @@
                         </a:rPr>
                         <a:t>문 서 번 호</a:t>
                       </a:r>
-                      <a:endParaRPr/>
+                      <a:endParaRPr dirty="0"/>
                     </a:p>
                   </a:txBody>
                   <a:tcPr marL="97500" marR="97500" marT="46800" marB="46800" anchor="ctr">
@@ -7302,7 +7489,7 @@
                     <a:bodyPr/>
                     <a:lstStyle/>
                     <a:p>
-                      <a:pPr marL="0" marR="0" lvl="0" indent="0" algn="ctr" rtl="0">
+                      <a:pPr marL="0" marR="0" lvl="0" indent="0" algn="ctr">
                         <a:lnSpc>
                           <a:spcPct val="100000"/>
                         </a:lnSpc>
@@ -7312,29 +7499,55 @@
                         <a:spcAft>
                           <a:spcPts val="0"/>
                         </a:spcAft>
-                        <a:buClr>
-                          <a:schemeClr val="dk1"/>
-                        </a:buClr>
-                        <a:buSzPts val="1000"/>
-                        <a:buFont typeface="Malgun Gothic"/>
                         <a:buNone/>
                       </a:pPr>
                       <a:r>
-                        <a:rPr lang="ko-KR" sz="1000" b="1" u="none" strike="noStrike" cap="none" dirty="0">
-                          <a:latin typeface="Malgun Gothic"/>
+                        <a:rPr lang="en-US" altLang="ko-KR" sz="1000" b="1" i="0" u="none" strike="noStrike" cap="none" noProof="0" dirty="0">
+                          <a:solidFill>
+                            <a:schemeClr val="dk1"/>
+                          </a:solidFill>
+                          <a:latin typeface="Calibri"/>
                           <a:ea typeface="Malgun Gothic"/>
-                          <a:cs typeface="Malgun Gothic"/>
+                        </a:rPr>
+                        <a:t>CHECK</a:t>
+                      </a:r>
+                      <a:r>
+                        <a:rPr lang="ko-KR" sz="1000" b="1" i="0" u="none" strike="noStrike" cap="none" noProof="0" dirty="0">
+                          <a:solidFill>
+                            <a:schemeClr val="dk1"/>
+                          </a:solidFill>
+                          <a:latin typeface="Calibri"/>
+                          <a:ea typeface="Malgun Gothic"/>
                           <a:sym typeface="Malgun Gothic"/>
                         </a:rPr>
-                        <a:t>IDINO_PLM_DS01</a:t>
+                        <a:t>_</a:t>
                       </a:r>
-                      <a:endParaRPr sz="1000" b="0" i="0" u="none" strike="noStrike" cap="none" dirty="0">
+                      <a:r>
+                        <a:rPr lang="en-US" altLang="ko-KR" sz="1000" b="1" i="0" u="none" strike="noStrike" cap="none" noProof="0" dirty="0">
+                          <a:solidFill>
+                            <a:schemeClr val="dk1"/>
+                          </a:solidFill>
+                          <a:latin typeface="Calibri"/>
+                          <a:ea typeface="Malgun Gothic"/>
+                        </a:rPr>
+                        <a:t>ATTEND</a:t>
+                      </a:r>
+                      <a:r>
+                        <a:rPr lang="ko-KR" sz="1000" b="1" i="0" u="none" strike="noStrike" cap="none" noProof="0" dirty="0">
+                          <a:solidFill>
+                            <a:schemeClr val="dk1"/>
+                          </a:solidFill>
+                          <a:latin typeface="Calibri"/>
+                          <a:ea typeface="Malgun Gothic"/>
+                          <a:sym typeface="Malgun Gothic"/>
+                        </a:rPr>
+                        <a:t>_DS01</a:t>
+                      </a:r>
+                      <a:endParaRPr i="0" noProof="0" dirty="0">
                         <a:solidFill>
                           <a:schemeClr val="dk1"/>
                         </a:solidFill>
-                        <a:latin typeface="Malgun Gothic"/>
-                        <a:ea typeface="Malgun Gothic"/>
-                        <a:cs typeface="Malgun Gothic"/>
+                        <a:latin typeface="Calibri"/>
                         <a:sym typeface="Malgun Gothic"/>
                       </a:endParaRPr>
                     </a:p>
@@ -7401,7 +7614,7 @@
                         <a:buNone/>
                       </a:pPr>
                       <a:r>
-                        <a:rPr lang="ko-KR" sz="1000" b="0" i="0" u="none" strike="noStrike" cap="none">
+                        <a:rPr lang="ko-KR" sz="1000" b="0" i="0" u="none" strike="noStrike" cap="none" dirty="0">
                           <a:solidFill>
                             <a:schemeClr val="dk1"/>
                           </a:solidFill>
@@ -7412,7 +7625,7 @@
                         </a:rPr>
                         <a:t>파 일 명</a:t>
                       </a:r>
-                      <a:endParaRPr/>
+                      <a:endParaRPr dirty="0"/>
                     </a:p>
                   </a:txBody>
                   <a:tcPr marL="97500" marR="97500" marT="46800" marB="46800" anchor="ctr">
@@ -7583,7 +7796,7 @@
                         <a:buNone/>
                       </a:pPr>
                       <a:r>
-                        <a:rPr lang="ko-KR" sz="1000" b="0" i="0" u="none" strike="noStrike" cap="none">
+                        <a:rPr lang="ko-KR" sz="1000" b="0" i="0" u="none" strike="noStrike" cap="none" dirty="0">
                           <a:solidFill>
                             <a:schemeClr val="dk1"/>
                           </a:solidFill>
@@ -7592,9 +7805,55 @@
                           <a:cs typeface="Malgun Gothic"/>
                           <a:sym typeface="Malgun Gothic"/>
                         </a:rPr>
-                        <a:t>문   서   명</a:t>
+                        <a:t>문</a:t>
                       </a:r>
-                      <a:endParaRPr/>
+                      <a:r>
+                        <a:rPr lang="ko-KR" altLang="en-US" sz="1000" b="0" i="0" u="none" strike="noStrike" cap="none" dirty="0">
+                          <a:solidFill>
+                            <a:schemeClr val="dk1"/>
+                          </a:solidFill>
+                          <a:latin typeface="Malgun Gothic"/>
+                          <a:ea typeface="Malgun Gothic"/>
+                          <a:cs typeface="Malgun Gothic"/>
+                        </a:rPr>
+                        <a:t>  </a:t>
+                      </a:r>
+                      <a:r>
+                        <a:rPr lang="ko-KR" sz="1000" b="0" i="0" u="none" strike="noStrike" cap="none" dirty="0">
+                          <a:solidFill>
+                            <a:schemeClr val="dk1"/>
+                          </a:solidFill>
+                          <a:latin typeface="Malgun Gothic"/>
+                          <a:ea typeface="Malgun Gothic"/>
+                          <a:cs typeface="Malgun Gothic"/>
+                          <a:sym typeface="Malgun Gothic"/>
+                        </a:rPr>
+                        <a:t> 서</a:t>
+                      </a:r>
+                      <a:r>
+                        <a:rPr lang="ko-KR" altLang="en-US" sz="1000" b="0" i="0" u="none" strike="noStrike" cap="none" dirty="0">
+                          <a:solidFill>
+                            <a:schemeClr val="dk1"/>
+                          </a:solidFill>
+                          <a:latin typeface="Malgun Gothic"/>
+                          <a:ea typeface="Malgun Gothic"/>
+                          <a:cs typeface="Malgun Gothic"/>
+                        </a:rPr>
+                        <a:t>  </a:t>
+                      </a:r>
+                      <a:r>
+                        <a:rPr lang="ko-KR" sz="1000" b="0" i="0" u="none" strike="noStrike" cap="none" dirty="0">
+                          <a:solidFill>
+                            <a:schemeClr val="dk1"/>
+                          </a:solidFill>
+                          <a:latin typeface="Malgun Gothic"/>
+                          <a:ea typeface="Malgun Gothic"/>
+                          <a:cs typeface="Malgun Gothic"/>
+                          <a:sym typeface="Malgun Gothic"/>
+                        </a:rPr>
+                        <a:t> 명</a:t>
+                      </a:r>
+                      <a:endParaRPr dirty="0"/>
                     </a:p>
                   </a:txBody>
                   <a:tcPr marL="97500" marR="97500" marT="46800" marB="46800" anchor="ctr">
@@ -7825,18 +8084,17 @@
                         <a:buNone/>
                       </a:pPr>
                       <a:r>
-                        <a:rPr lang="ko-KR" sz="1000" b="0" i="0" u="none" strike="noStrike" cap="none" dirty="0">
+                        <a:rPr lang="ko-KR" sz="1000" b="0" i="0" u="none" strike="noStrike" cap="none" dirty="0" err="1">
                           <a:solidFill>
                             <a:schemeClr val="dk1"/>
                           </a:solidFill>
                           <a:latin typeface="Malgun Gothic"/>
                           <a:ea typeface="Malgun Gothic"/>
                           <a:cs typeface="Malgun Gothic"/>
-                          <a:sym typeface="Malgun Gothic"/>
                         </a:rPr>
-                        <a:t>최원석</a:t>
+                        <a:t>이규태</a:t>
                       </a:r>
-                      <a:endParaRPr sz="1000" b="0" i="0" u="none" strike="noStrike" cap="none" dirty="0">
+                      <a:endParaRPr sz="1000" b="0" i="0" u="none" strike="noStrike" cap="none" dirty="0" err="1">
                         <a:solidFill>
                           <a:schemeClr val="dk1"/>
                         </a:solidFill>
@@ -8071,7 +8329,7 @@
                         <a:buNone/>
                       </a:pPr>
                       <a:r>
-                        <a:rPr lang="ko-KR" sz="1000" b="0" i="0" u="none" strike="noStrike" cap="none">
+                        <a:rPr lang="ko-KR" sz="1000" b="0" i="0" u="none" strike="noStrike" cap="none" dirty="0">
                           <a:solidFill>
                             <a:schemeClr val="dk1"/>
                           </a:solidFill>
@@ -8080,9 +8338,32 @@
                           <a:cs typeface="Malgun Gothic"/>
                           <a:sym typeface="Malgun Gothic"/>
                         </a:rPr>
-                        <a:t>구         분</a:t>
+                        <a:t>구</a:t>
                       </a:r>
-                      <a:endParaRPr/>
+                      <a:r>
+                        <a:rPr lang="ko-KR" altLang="en-US" sz="1000" b="0" i="0" u="none" strike="noStrike" cap="none" dirty="0">
+                          <a:solidFill>
+                            <a:schemeClr val="dk1"/>
+                          </a:solidFill>
+                          <a:latin typeface="Malgun Gothic"/>
+                          <a:ea typeface="Malgun Gothic"/>
+                          <a:cs typeface="Malgun Gothic"/>
+                        </a:rPr>
+                        <a:t>        </a:t>
+                      </a:r>
+                      <a:r>
+                        <a:rPr lang="ko-KR" sz="1000" b="0" i="0" u="none" strike="noStrike" cap="none" dirty="0">
+                          <a:solidFill>
+                            <a:schemeClr val="dk1"/>
+                          </a:solidFill>
+                          <a:latin typeface="Malgun Gothic"/>
+                          <a:ea typeface="Malgun Gothic"/>
+                          <a:cs typeface="Malgun Gothic"/>
+                          <a:sym typeface="Malgun Gothic"/>
+                        </a:rPr>
+                        <a:t> 분</a:t>
+                      </a:r>
+                      <a:endParaRPr dirty="0"/>
                     </a:p>
                   </a:txBody>
                   <a:tcPr marL="97500" marR="97500" marT="46800" marB="46800" anchor="ctr">
@@ -8385,7 +8666,7 @@
                         <a:buNone/>
                       </a:pPr>
                       <a:r>
-                        <a:rPr lang="ko-KR" sz="1000" b="0" i="0" u="none" strike="noStrike" cap="none">
+                        <a:rPr lang="ko-KR" sz="1000" b="0" i="0" u="none" strike="noStrike" cap="none" dirty="0">
                           <a:solidFill>
                             <a:schemeClr val="dk1"/>
                           </a:solidFill>
@@ -8396,7 +8677,7 @@
                         </a:rPr>
                         <a:t>승 인 일</a:t>
                       </a:r>
-                      <a:endParaRPr/>
+                      <a:endParaRPr dirty="0"/>
                     </a:p>
                   </a:txBody>
                   <a:tcPr marL="97500" marR="97500" marT="46800" marB="46800" anchor="ctr">
@@ -8572,7 +8853,7 @@
           <p:spPr>
             <a:xfrm>
               <a:off x="1264" y="856"/>
-              <a:ext cx="4440" cy="252"/>
+              <a:ext cx="4440" cy="446"/>
             </a:xfrm>
             <a:prstGeom prst="rect">
               <a:avLst/>
@@ -8588,7 +8869,50 @@
             </a:bodyPr>
             <a:lstStyle/>
             <a:p>
-              <a:pPr marL="0" marR="0" lvl="0" indent="0" algn="r" rtl="0">
+              <a:pPr algn="r"/>
+              <a:r>
+                <a:rPr lang="ko-KR" altLang="en-US" sz="2000" b="1" dirty="0">
+                  <a:solidFill>
+                    <a:schemeClr val="dk1"/>
+                  </a:solidFill>
+                  <a:highlight>
+                    <a:srgbClr val="FFFFFF"/>
+                  </a:highlight>
+                  <a:latin typeface="Malgun Gothic"/>
+                  <a:ea typeface="Malgun Gothic"/>
+                  <a:cs typeface="Malgun Gothic"/>
+                  <a:sym typeface="Malgun Gothic"/>
+                </a:rPr>
+                <a:t>모바일 출석체크 </a:t>
+              </a:r>
+              <a:r>
+                <a:rPr lang="ko-KR" sz="2000" b="1" i="0" u="none" strike="noStrike" cap="none" dirty="0">
+                  <a:solidFill>
+                    <a:schemeClr val="dk1"/>
+                  </a:solidFill>
+                  <a:highlight>
+                    <a:srgbClr val="FFFFFF"/>
+                  </a:highlight>
+                  <a:latin typeface="Malgun Gothic"/>
+                  <a:ea typeface="Malgun Gothic"/>
+                  <a:cs typeface="Malgun Gothic"/>
+                  <a:sym typeface="Malgun Gothic"/>
+                </a:rPr>
+                <a:t>시스템</a:t>
+              </a:r>
+              <a:endParaRPr lang="ko-KR" altLang="en-US" sz="2000" dirty="0">
+                <a:solidFill>
+                  <a:schemeClr val="dk1"/>
+                </a:solidFill>
+                <a:highlight>
+                  <a:srgbClr val="FFFFFF"/>
+                </a:highlight>
+                <a:ea typeface="Malgun Gothic"/>
+                <a:sym typeface="Malgun Gothic"/>
+              </a:endParaRPr>
+            </a:p>
+            <a:p>
+              <a:pPr marL="0" marR="0" lvl="0" indent="0" algn="r">
                 <a:spcBef>
                   <a:spcPts val="0"/>
                 </a:spcBef>
@@ -8597,19 +8921,13 @@
                 </a:spcAft>
                 <a:buNone/>
               </a:pPr>
-              <a:r>
-                <a:rPr lang="ko-KR" sz="2000" b="1" i="0" u="none" strike="noStrike" cap="none" dirty="0">
-                  <a:solidFill>
-                    <a:schemeClr val="dk1"/>
-                  </a:solidFill>
-                  <a:latin typeface="Malgun Gothic"/>
-                  <a:ea typeface="Malgun Gothic"/>
-                  <a:cs typeface="Malgun Gothic"/>
-                  <a:sym typeface="Malgun Gothic"/>
-                </a:rPr>
-                <a:t>아이디노 현장실습 시스템 구축</a:t>
-              </a:r>
-              <a:endParaRPr dirty="0"/>
+              <a:endParaRPr lang="ko-KR" altLang="en-US" sz="2000" b="1" dirty="0">
+                <a:solidFill>
+                  <a:schemeClr val="dk1"/>
+                </a:solidFill>
+                <a:latin typeface="Malgun Gothic"/>
+                <a:ea typeface="Malgun Gothic"/>
+              </a:endParaRPr>
             </a:p>
           </p:txBody>
         </p:sp>
@@ -8657,15 +8975,63 @@
                   <a:cs typeface="Malgun Gothic"/>
                   <a:sym typeface="Malgun Gothic"/>
                 </a:rPr>
-                <a:t>문서번호 : 	IDINO_PLM_DS01</a:t>
+                <a:t>문서번호 : 	</a:t>
+              </a:r>
+              <a:r>
+                <a:rPr lang="en-US" altLang="ko-KR" sz="1200" b="1" dirty="0">
+                  <a:solidFill>
+                    <a:schemeClr val="dk1"/>
+                  </a:solidFill>
+                  <a:latin typeface="Calibri"/>
+                  <a:ea typeface="Malgun Gothic"/>
+                  <a:cs typeface="Calibri"/>
+                  <a:sym typeface="Malgun Gothic"/>
+                </a:rPr>
+                <a:t>CHECK</a:t>
+              </a:r>
+              <a:r>
+                <a:rPr lang="ko-KR" sz="1200" b="1" i="0" u="none" strike="noStrike" cap="none" dirty="0">
+                  <a:solidFill>
+                    <a:schemeClr val="dk1"/>
+                  </a:solidFill>
+                  <a:latin typeface="Calibri"/>
+                  <a:ea typeface="Malgun Gothic"/>
+                  <a:cs typeface="Calibri"/>
+                  <a:sym typeface="Malgun Gothic"/>
+                </a:rPr>
+                <a:t>_</a:t>
+              </a:r>
+              <a:r>
+                <a:rPr lang="en-US" altLang="ko-KR" sz="1200" b="1" dirty="0">
+                  <a:solidFill>
+                    <a:schemeClr val="dk1"/>
+                  </a:solidFill>
+                  <a:latin typeface="Calibri"/>
+                  <a:ea typeface="Malgun Gothic"/>
+                  <a:cs typeface="Calibri"/>
+                  <a:sym typeface="Malgun Gothic"/>
+                </a:rPr>
+                <a:t>ATTEND</a:t>
+              </a:r>
+              <a:r>
+                <a:rPr lang="ko-KR" sz="1200" b="1" i="0" u="none" strike="noStrike" cap="none" dirty="0">
+                  <a:solidFill>
+                    <a:schemeClr val="dk1"/>
+                  </a:solidFill>
+                  <a:latin typeface="Calibri"/>
+                  <a:ea typeface="Malgun Gothic"/>
+                  <a:cs typeface="Calibri"/>
+                  <a:sym typeface="Malgun Gothic"/>
+                </a:rPr>
+                <a:t>_DS01</a:t>
               </a:r>
               <a:endParaRPr sz="1200" b="1" i="0" u="none" strike="noStrike" cap="none" dirty="0">
                 <a:solidFill>
                   <a:schemeClr val="dk1"/>
                 </a:solidFill>
-                <a:latin typeface="Malgun Gothic"/>
+                <a:latin typeface="Calibri"/>
                 <a:ea typeface="Malgun Gothic"/>
-                <a:cs typeface="Malgun Gothic"/>
+                <a:cs typeface="Calibri"/>
                 <a:sym typeface="Malgun Gothic"/>
               </a:endParaRPr>
             </a:p>
@@ -13752,7 +14118,13 @@
         <p:nvGraphicFramePr>
           <p:cNvPr id="70" name="Google Shape;70;p10"/>
           <p:cNvGraphicFramePr/>
-          <p:nvPr/>
+          <p:nvPr>
+            <p:extLst>
+              <p:ext uri="{D42A27DB-BD31-4B8C-83A1-F6EECF244321}">
+                <p14:modId xmlns:p14="http://schemas.microsoft.com/office/powerpoint/2010/main" val="2681244886"/>
+              </p:ext>
+            </p:extLst>
+          </p:nvPr>
         </p:nvGraphicFramePr>
         <p:xfrm>
           <a:off x="344488" y="877888"/>
@@ -13804,7 +14176,7 @@
                         <a:buNone/>
                       </a:pPr>
                       <a:r>
-                        <a:rPr lang="ko-KR" sz="1100" b="0" u="none" strike="noStrike" cap="none">
+                        <a:rPr lang="ko-KR" sz="1100" b="0" u="none" strike="noStrike" cap="none" dirty="0" err="1">
                           <a:solidFill>
                             <a:schemeClr val="lt1"/>
                           </a:solidFill>
@@ -13813,9 +14185,21 @@
                           <a:cs typeface="Malgun Gothic"/>
                           <a:sym typeface="Malgun Gothic"/>
                         </a:rPr>
-                        <a:t>No.</a:t>
+                        <a:t>No</a:t>
                       </a:r>
-                      <a:endParaRPr/>
+                      <a:r>
+                        <a:rPr lang="ko-KR" sz="1100" b="0" u="none" strike="noStrike" cap="none" dirty="0">
+                          <a:solidFill>
+                            <a:schemeClr val="lt1"/>
+                          </a:solidFill>
+                          <a:latin typeface="Malgun Gothic"/>
+                          <a:ea typeface="Malgun Gothic"/>
+                          <a:cs typeface="Malgun Gothic"/>
+                          <a:sym typeface="Malgun Gothic"/>
+                        </a:rPr>
+                        <a:t>.</a:t>
+                      </a:r>
+                      <a:endParaRPr dirty="0"/>
                     </a:p>
                   </a:txBody>
                   <a:tcPr marL="82300" marR="82300" marT="82275" marB="82275" anchor="ctr">
@@ -13881,7 +14265,7 @@
                         <a:buNone/>
                       </a:pPr>
                       <a:r>
-                        <a:rPr lang="ko-KR" sz="1100" u="none" strike="noStrike" cap="none">
+                        <a:rPr lang="ko-KR" sz="1100" u="none" strike="noStrike" cap="none" dirty="0">
                           <a:solidFill>
                             <a:schemeClr val="lt1"/>
                           </a:solidFill>
@@ -13892,7 +14276,7 @@
                         </a:rPr>
                         <a:t>프로세스명</a:t>
                       </a:r>
-                      <a:endParaRPr sz="1100" u="none" strike="noStrike" cap="none">
+                      <a:endParaRPr sz="1100" u="none" strike="noStrike" cap="none" dirty="0">
                         <a:solidFill>
                           <a:schemeClr val="lt1"/>
                         </a:solidFill>
@@ -13966,7 +14350,7 @@
                         <a:buNone/>
                       </a:pPr>
                       <a:r>
-                        <a:rPr lang="ko-KR" sz="1100" b="0" u="none" strike="noStrike" cap="none">
+                        <a:rPr lang="ko-KR" sz="1100" b="0" u="none" strike="noStrike" cap="none" dirty="0" err="1">
                           <a:solidFill>
                             <a:schemeClr val="lt1"/>
                           </a:solidFill>
@@ -13977,7 +14361,7 @@
                         </a:rPr>
                         <a:t>Page</a:t>
                       </a:r>
-                      <a:endParaRPr/>
+                      <a:endParaRPr dirty="0" err="1"/>
                     </a:p>
                   </a:txBody>
                   <a:tcPr marL="82300" marR="82300" marT="82275" marB="82275" anchor="ctr">
@@ -14050,7 +14434,7 @@
                         <a:buNone/>
                       </a:pPr>
                       <a:r>
-                        <a:rPr lang="ko-KR" sz="1100" b="0" u="none" strike="noStrike" cap="none">
+                        <a:rPr lang="ko-KR" sz="1100" b="0" u="none" strike="noStrike" cap="none" dirty="0">
                           <a:solidFill>
                             <a:srgbClr val="5F5F5F"/>
                           </a:solidFill>
@@ -14061,7 +14445,7 @@
                         </a:rPr>
                         <a:t>1</a:t>
                       </a:r>
-                      <a:endParaRPr/>
+                      <a:endParaRPr dirty="0"/>
                     </a:p>
                   </a:txBody>
                   <a:tcPr marL="82300" marR="82300" marT="82275" marB="82275" anchor="ctr">
@@ -14122,7 +14506,7 @@
                         <a:buNone/>
                       </a:pPr>
                       <a:r>
-                        <a:rPr lang="ko-KR" sz="1100" b="0" i="0" u="none" strike="noStrike" cap="none">
+                        <a:rPr lang="ko-KR" sz="1100" b="0" i="0" u="none" strike="noStrike" cap="none" dirty="0">
                           <a:solidFill>
                             <a:srgbClr val="404040"/>
                           </a:solidFill>
@@ -14133,7 +14517,7 @@
                         </a:rPr>
                         <a:t>공통화면 &gt; 회원가입</a:t>
                       </a:r>
-                      <a:endParaRPr/>
+                      <a:endParaRPr dirty="0"/>
                     </a:p>
                   </a:txBody>
                   <a:tcPr marL="142900" marR="9525" marT="9525" marB="0" anchor="ctr">
@@ -14275,7 +14659,7 @@
                         <a:buNone/>
                       </a:pPr>
                       <a:r>
-                        <a:rPr lang="ko-KR" sz="1100" b="0" u="none" strike="noStrike" cap="none">
+                        <a:rPr lang="ko-KR" sz="1100" b="0" u="none" strike="noStrike" cap="none" dirty="0">
                           <a:solidFill>
                             <a:srgbClr val="5F5F5F"/>
                           </a:solidFill>
@@ -14286,7 +14670,762 @@
                         </a:rPr>
                         <a:t>2</a:t>
                       </a:r>
-                      <a:endParaRPr/>
+                      <a:endParaRPr dirty="0"/>
+                    </a:p>
+                  </a:txBody>
+                  <a:tcPr marL="82300" marR="82300" marT="82275" marB="82275" anchor="ctr">
+                    <a:lnL w="9525" cap="flat" cmpd="sng">
+                      <a:solidFill>
+                        <a:srgbClr val="000000">
+                          <a:alpha val="0"/>
+                        </a:srgbClr>
+                      </a:solidFill>
+                      <a:prstDash val="solid"/>
+                      <a:round/>
+                      <a:headEnd type="none" w="sm" len="sm"/>
+                      <a:tailEnd type="none" w="sm" len="sm"/>
+                    </a:lnL>
+                    <a:lnR w="9525" cap="flat" cmpd="sng">
+                      <a:solidFill>
+                        <a:srgbClr val="000000">
+                          <a:alpha val="0"/>
+                        </a:srgbClr>
+                      </a:solidFill>
+                      <a:prstDash val="solid"/>
+                      <a:round/>
+                      <a:headEnd type="none" w="sm" len="sm"/>
+                      <a:tailEnd type="none" w="sm" len="sm"/>
+                    </a:lnR>
+                    <a:lnT w="9525" cap="flat" cmpd="sng">
+                      <a:solidFill>
+                        <a:srgbClr val="808080"/>
+                      </a:solidFill>
+                      <a:prstDash val="solid"/>
+                      <a:round/>
+                      <a:headEnd type="none" w="sm" len="sm"/>
+                      <a:tailEnd type="none" w="sm" len="sm"/>
+                    </a:lnT>
+                    <a:lnB w="9525" cap="flat" cmpd="sng">
+                      <a:solidFill>
+                        <a:srgbClr val="808080"/>
+                      </a:solidFill>
+                      <a:prstDash val="solid"/>
+                      <a:round/>
+                      <a:headEnd type="none" w="sm" len="sm"/>
+                      <a:tailEnd type="none" w="sm" len="sm"/>
+                    </a:lnB>
+                  </a:tcPr>
+                </a:tc>
+                <a:tc>
+                  <a:txBody>
+                    <a:bodyPr/>
+                    <a:lstStyle/>
+                    <a:p>
+                      <a:pPr marL="0" marR="0" lvl="0" indent="0" algn="l" rtl="0">
+                        <a:lnSpc>
+                          <a:spcPct val="100000"/>
+                        </a:lnSpc>
+                        <a:spcBef>
+                          <a:spcPts val="0"/>
+                        </a:spcBef>
+                        <a:spcAft>
+                          <a:spcPts val="0"/>
+                        </a:spcAft>
+                        <a:buClr>
+                          <a:schemeClr val="dk1"/>
+                        </a:buClr>
+                        <a:buSzPts val="1100"/>
+                        <a:buFont typeface="Malgun Gothic"/>
+                        <a:buNone/>
+                      </a:pPr>
+                      <a:r>
+                        <a:rPr lang="ko-KR" altLang="en-US" sz="1100" b="0" i="0" u="none" strike="noStrike" cap="none" dirty="0">
+                          <a:solidFill>
+                            <a:srgbClr val="000000"/>
+                          </a:solidFill>
+                          <a:latin typeface="Malgun Gothic"/>
+                          <a:ea typeface="Malgun Gothic"/>
+                          <a:cs typeface="Malgun Gothic"/>
+                        </a:rPr>
+                        <a:t>공통화면 &gt; 로그인</a:t>
+                      </a:r>
+                    </a:p>
+                  </a:txBody>
+                  <a:tcPr marL="142900" marR="9525" marT="9525" marB="0" anchor="ctr">
+                    <a:lnL w="9525" cap="flat" cmpd="sng">
+                      <a:solidFill>
+                        <a:srgbClr val="000000">
+                          <a:alpha val="0"/>
+                        </a:srgbClr>
+                      </a:solidFill>
+                      <a:prstDash val="solid"/>
+                      <a:round/>
+                      <a:headEnd type="none" w="sm" len="sm"/>
+                      <a:tailEnd type="none" w="sm" len="sm"/>
+                    </a:lnL>
+                    <a:lnR w="9525" cap="flat" cmpd="sng">
+                      <a:solidFill>
+                        <a:srgbClr val="000000">
+                          <a:alpha val="0"/>
+                        </a:srgbClr>
+                      </a:solidFill>
+                      <a:prstDash val="solid"/>
+                      <a:round/>
+                      <a:headEnd type="none" w="sm" len="sm"/>
+                      <a:tailEnd type="none" w="sm" len="sm"/>
+                    </a:lnR>
+                    <a:lnT w="9525" cap="flat" cmpd="sng">
+                      <a:solidFill>
+                        <a:srgbClr val="808080"/>
+                      </a:solidFill>
+                      <a:prstDash val="solid"/>
+                      <a:round/>
+                      <a:headEnd type="none" w="sm" len="sm"/>
+                      <a:tailEnd type="none" w="sm" len="sm"/>
+                    </a:lnT>
+                    <a:lnB w="9525" cap="flat" cmpd="sng">
+                      <a:solidFill>
+                        <a:srgbClr val="808080"/>
+                      </a:solidFill>
+                      <a:prstDash val="solid"/>
+                      <a:round/>
+                      <a:headEnd type="none" w="sm" len="sm"/>
+                      <a:tailEnd type="none" w="sm" len="sm"/>
+                    </a:lnB>
+                    <a:solidFill>
+                      <a:srgbClr val="F7F7F8"/>
+                    </a:solidFill>
+                  </a:tcPr>
+                </a:tc>
+                <a:tc>
+                  <a:txBody>
+                    <a:bodyPr/>
+                    <a:lstStyle/>
+                    <a:p>
+                      <a:pPr marL="0" marR="0" lvl="0" indent="0" algn="ctr" rtl="0">
+                        <a:spcBef>
+                          <a:spcPts val="0"/>
+                        </a:spcBef>
+                        <a:spcAft>
+                          <a:spcPts val="0"/>
+                        </a:spcAft>
+                        <a:buNone/>
+                      </a:pPr>
+                      <a:endParaRPr sz="1100" b="0" i="0" u="none" strike="noStrike" cap="none">
+                        <a:solidFill>
+                          <a:srgbClr val="000000"/>
+                        </a:solidFill>
+                        <a:latin typeface="Malgun Gothic"/>
+                        <a:ea typeface="Malgun Gothic"/>
+                        <a:cs typeface="Malgun Gothic"/>
+                        <a:sym typeface="Malgun Gothic"/>
+                      </a:endParaRPr>
+                    </a:p>
+                  </a:txBody>
+                  <a:tcPr marL="9525" marR="9525" marT="9525" marB="0" anchor="ctr">
+                    <a:lnL w="9525" cap="flat" cmpd="sng">
+                      <a:solidFill>
+                        <a:srgbClr val="000000">
+                          <a:alpha val="0"/>
+                        </a:srgbClr>
+                      </a:solidFill>
+                      <a:prstDash val="solid"/>
+                      <a:round/>
+                      <a:headEnd type="none" w="sm" len="sm"/>
+                      <a:tailEnd type="none" w="sm" len="sm"/>
+                    </a:lnL>
+                    <a:lnR w="9525" cap="flat" cmpd="sng">
+                      <a:solidFill>
+                        <a:srgbClr val="000000">
+                          <a:alpha val="0"/>
+                        </a:srgbClr>
+                      </a:solidFill>
+                      <a:prstDash val="solid"/>
+                      <a:round/>
+                      <a:headEnd type="none" w="sm" len="sm"/>
+                      <a:tailEnd type="none" w="sm" len="sm"/>
+                    </a:lnR>
+                    <a:lnT w="9525" cap="flat" cmpd="sng">
+                      <a:solidFill>
+                        <a:srgbClr val="808080"/>
+                      </a:solidFill>
+                      <a:prstDash val="solid"/>
+                      <a:round/>
+                      <a:headEnd type="none" w="sm" len="sm"/>
+                      <a:tailEnd type="none" w="sm" len="sm"/>
+                    </a:lnT>
+                    <a:lnB w="9525" cap="flat" cmpd="sng">
+                      <a:solidFill>
+                        <a:srgbClr val="808080"/>
+                      </a:solidFill>
+                      <a:prstDash val="solid"/>
+                      <a:round/>
+                      <a:headEnd type="none" w="sm" len="sm"/>
+                      <a:tailEnd type="none" w="sm" len="sm"/>
+                    </a:lnB>
+                    <a:solidFill>
+                      <a:schemeClr val="lt1"/>
+                    </a:solidFill>
+                  </a:tcPr>
+                </a:tc>
+                <a:extLst>
+                  <a:ext uri="{0D108BD9-81ED-4DB2-BD59-A6C34878D82A}">
+                    <a16:rowId xmlns:a16="http://schemas.microsoft.com/office/drawing/2014/main" val="10002"/>
+                  </a:ext>
+                </a:extLst>
+              </a:tr>
+              <a:tr h="332175">
+                <a:tc>
+                  <a:txBody>
+                    <a:bodyPr/>
+                    <a:lstStyle/>
+                    <a:p>
+                      <a:pPr marL="0" marR="0" lvl="0" indent="0" algn="ctr" rtl="0">
+                        <a:spcBef>
+                          <a:spcPts val="0"/>
+                        </a:spcBef>
+                        <a:spcAft>
+                          <a:spcPts val="0"/>
+                        </a:spcAft>
+                        <a:buNone/>
+                      </a:pPr>
+                      <a:r>
+                        <a:rPr lang="ko-KR" sz="1100" b="0" u="none" strike="noStrike" cap="none" dirty="0">
+                          <a:solidFill>
+                            <a:srgbClr val="5F5F5F"/>
+                          </a:solidFill>
+                          <a:latin typeface="Malgun Gothic"/>
+                          <a:ea typeface="Malgun Gothic"/>
+                          <a:cs typeface="Malgun Gothic"/>
+                          <a:sym typeface="Malgun Gothic"/>
+                        </a:rPr>
+                        <a:t>3</a:t>
+                      </a:r>
+                      <a:endParaRPr dirty="0"/>
+                    </a:p>
+                  </a:txBody>
+                  <a:tcPr marL="82300" marR="82300" marT="82275" marB="82275" anchor="ctr">
+                    <a:lnL w="9525" cap="flat" cmpd="sng">
+                      <a:solidFill>
+                        <a:srgbClr val="000000">
+                          <a:alpha val="0"/>
+                        </a:srgbClr>
+                      </a:solidFill>
+                      <a:prstDash val="solid"/>
+                      <a:round/>
+                      <a:headEnd type="none" w="sm" len="sm"/>
+                      <a:tailEnd type="none" w="sm" len="sm"/>
+                    </a:lnL>
+                    <a:lnR w="9525" cap="flat" cmpd="sng">
+                      <a:solidFill>
+                        <a:srgbClr val="000000">
+                          <a:alpha val="0"/>
+                        </a:srgbClr>
+                      </a:solidFill>
+                      <a:prstDash val="solid"/>
+                      <a:round/>
+                      <a:headEnd type="none" w="sm" len="sm"/>
+                      <a:tailEnd type="none" w="sm" len="sm"/>
+                    </a:lnR>
+                    <a:lnT w="9525" cap="flat" cmpd="sng">
+                      <a:solidFill>
+                        <a:srgbClr val="808080"/>
+                      </a:solidFill>
+                      <a:prstDash val="solid"/>
+                      <a:round/>
+                      <a:headEnd type="none" w="sm" len="sm"/>
+                      <a:tailEnd type="none" w="sm" len="sm"/>
+                    </a:lnT>
+                    <a:lnB w="9525" cap="flat" cmpd="sng">
+                      <a:solidFill>
+                        <a:srgbClr val="808080"/>
+                      </a:solidFill>
+                      <a:prstDash val="solid"/>
+                      <a:round/>
+                      <a:headEnd type="none" w="sm" len="sm"/>
+                      <a:tailEnd type="none" w="sm" len="sm"/>
+                    </a:lnB>
+                  </a:tcPr>
+                </a:tc>
+                <a:tc>
+                  <a:txBody>
+                    <a:bodyPr/>
+                    <a:lstStyle/>
+                    <a:p>
+                      <a:pPr marL="0" marR="0" lvl="0" indent="0" algn="l" rtl="0">
+                        <a:lnSpc>
+                          <a:spcPct val="100000"/>
+                        </a:lnSpc>
+                        <a:spcBef>
+                          <a:spcPts val="0"/>
+                        </a:spcBef>
+                        <a:spcAft>
+                          <a:spcPts val="0"/>
+                        </a:spcAft>
+                        <a:buClr>
+                          <a:schemeClr val="dk1"/>
+                        </a:buClr>
+                        <a:buSzPts val="1100"/>
+                        <a:buFont typeface="Malgun Gothic"/>
+                        <a:buNone/>
+                      </a:pPr>
+                      <a:r>
+                        <a:rPr lang="ko-KR" sz="1100" b="0" i="0" u="none" strike="noStrike" cap="none" dirty="0">
+                          <a:solidFill>
+                            <a:srgbClr val="000000"/>
+                          </a:solidFill>
+                          <a:latin typeface="Malgun Gothic"/>
+                          <a:ea typeface="Malgun Gothic"/>
+                          <a:cs typeface="Malgun Gothic"/>
+                        </a:rPr>
+                        <a:t>학생화면 </a:t>
+                      </a:r>
+                      <a:r>
+                        <a:rPr lang="en-US" sz="1100" b="0" i="0" u="none" strike="noStrike" cap="none" dirty="0">
+                          <a:solidFill>
+                            <a:srgbClr val="000000"/>
+                          </a:solidFill>
+                          <a:latin typeface="Malgun Gothic"/>
+                          <a:ea typeface="Malgun Gothic"/>
+                          <a:cs typeface="Malgun Gothic"/>
+                        </a:rPr>
+                        <a:t>&gt; </a:t>
+                      </a:r>
+                      <a:r>
+                        <a:rPr lang="ko-KR" sz="1100" b="0" i="0" u="none" strike="noStrike" cap="none" dirty="0">
+                          <a:solidFill>
+                            <a:srgbClr val="000000"/>
+                          </a:solidFill>
+                          <a:latin typeface="Malgun Gothic"/>
+                          <a:ea typeface="Malgun Gothic"/>
+                          <a:cs typeface="Malgun Gothic"/>
+                        </a:rPr>
+                        <a:t>출석체크</a:t>
+                      </a:r>
+                      <a:endParaRPr sz="1100" b="0" i="0" u="none" strike="noStrike" cap="none" dirty="0">
+                        <a:solidFill>
+                          <a:srgbClr val="000000"/>
+                        </a:solidFill>
+                        <a:latin typeface="Malgun Gothic"/>
+                        <a:ea typeface="Malgun Gothic"/>
+                        <a:cs typeface="Malgun Gothic"/>
+                        <a:sym typeface="Malgun Gothic"/>
+                      </a:endParaRPr>
+                    </a:p>
+                  </a:txBody>
+                  <a:tcPr marL="142900" marR="9525" marT="9525" marB="0" anchor="ctr">
+                    <a:lnL w="9525" cap="flat" cmpd="sng">
+                      <a:solidFill>
+                        <a:srgbClr val="000000">
+                          <a:alpha val="0"/>
+                        </a:srgbClr>
+                      </a:solidFill>
+                      <a:prstDash val="solid"/>
+                      <a:round/>
+                      <a:headEnd type="none" w="sm" len="sm"/>
+                      <a:tailEnd type="none" w="sm" len="sm"/>
+                    </a:lnL>
+                    <a:lnR w="9525" cap="flat" cmpd="sng">
+                      <a:solidFill>
+                        <a:srgbClr val="000000">
+                          <a:alpha val="0"/>
+                        </a:srgbClr>
+                      </a:solidFill>
+                      <a:prstDash val="solid"/>
+                      <a:round/>
+                      <a:headEnd type="none" w="sm" len="sm"/>
+                      <a:tailEnd type="none" w="sm" len="sm"/>
+                    </a:lnR>
+                    <a:lnT w="9525" cap="flat" cmpd="sng">
+                      <a:solidFill>
+                        <a:srgbClr val="808080"/>
+                      </a:solidFill>
+                      <a:prstDash val="solid"/>
+                      <a:round/>
+                      <a:headEnd type="none" w="sm" len="sm"/>
+                      <a:tailEnd type="none" w="sm" len="sm"/>
+                    </a:lnT>
+                    <a:lnB w="9525" cap="flat" cmpd="sng">
+                      <a:solidFill>
+                        <a:srgbClr val="808080"/>
+                      </a:solidFill>
+                      <a:prstDash val="solid"/>
+                      <a:round/>
+                      <a:headEnd type="none" w="sm" len="sm"/>
+                      <a:tailEnd type="none" w="sm" len="sm"/>
+                    </a:lnB>
+                    <a:solidFill>
+                      <a:srgbClr val="F7F7F8"/>
+                    </a:solidFill>
+                  </a:tcPr>
+                </a:tc>
+                <a:tc>
+                  <a:txBody>
+                    <a:bodyPr/>
+                    <a:lstStyle/>
+                    <a:p>
+                      <a:pPr marL="0" marR="0" lvl="0" indent="0" algn="ctr" rtl="0">
+                        <a:spcBef>
+                          <a:spcPts val="0"/>
+                        </a:spcBef>
+                        <a:spcAft>
+                          <a:spcPts val="0"/>
+                        </a:spcAft>
+                        <a:buNone/>
+                      </a:pPr>
+                      <a:endParaRPr sz="1100" b="0" i="0" u="none" strike="noStrike" cap="none">
+                        <a:solidFill>
+                          <a:srgbClr val="000000"/>
+                        </a:solidFill>
+                        <a:latin typeface="Malgun Gothic"/>
+                        <a:ea typeface="Malgun Gothic"/>
+                        <a:cs typeface="Malgun Gothic"/>
+                        <a:sym typeface="Malgun Gothic"/>
+                      </a:endParaRPr>
+                    </a:p>
+                  </a:txBody>
+                  <a:tcPr marL="9525" marR="9525" marT="9525" marB="0" anchor="ctr">
+                    <a:lnL w="9525" cap="flat" cmpd="sng">
+                      <a:solidFill>
+                        <a:srgbClr val="000000">
+                          <a:alpha val="0"/>
+                        </a:srgbClr>
+                      </a:solidFill>
+                      <a:prstDash val="solid"/>
+                      <a:round/>
+                      <a:headEnd type="none" w="sm" len="sm"/>
+                      <a:tailEnd type="none" w="sm" len="sm"/>
+                    </a:lnL>
+                    <a:lnR w="9525" cap="flat" cmpd="sng">
+                      <a:solidFill>
+                        <a:srgbClr val="000000">
+                          <a:alpha val="0"/>
+                        </a:srgbClr>
+                      </a:solidFill>
+                      <a:prstDash val="solid"/>
+                      <a:round/>
+                      <a:headEnd type="none" w="sm" len="sm"/>
+                      <a:tailEnd type="none" w="sm" len="sm"/>
+                    </a:lnR>
+                    <a:lnT w="9525" cap="flat" cmpd="sng">
+                      <a:solidFill>
+                        <a:srgbClr val="808080"/>
+                      </a:solidFill>
+                      <a:prstDash val="solid"/>
+                      <a:round/>
+                      <a:headEnd type="none" w="sm" len="sm"/>
+                      <a:tailEnd type="none" w="sm" len="sm"/>
+                    </a:lnT>
+                    <a:lnB w="9525" cap="flat" cmpd="sng">
+                      <a:solidFill>
+                        <a:srgbClr val="808080"/>
+                      </a:solidFill>
+                      <a:prstDash val="solid"/>
+                      <a:round/>
+                      <a:headEnd type="none" w="sm" len="sm"/>
+                      <a:tailEnd type="none" w="sm" len="sm"/>
+                    </a:lnB>
+                    <a:solidFill>
+                      <a:schemeClr val="lt1"/>
+                    </a:solidFill>
+                  </a:tcPr>
+                </a:tc>
+                <a:extLst>
+                  <a:ext uri="{0D108BD9-81ED-4DB2-BD59-A6C34878D82A}">
+                    <a16:rowId xmlns:a16="http://schemas.microsoft.com/office/drawing/2014/main" val="10003"/>
+                  </a:ext>
+                </a:extLst>
+              </a:tr>
+              <a:tr h="332175">
+                <a:tc>
+                  <a:txBody>
+                    <a:bodyPr/>
+                    <a:lstStyle/>
+                    <a:p>
+                      <a:pPr marL="0" marR="0" lvl="0" indent="0" algn="ctr" rtl="0">
+                        <a:spcBef>
+                          <a:spcPts val="0"/>
+                        </a:spcBef>
+                        <a:spcAft>
+                          <a:spcPts val="0"/>
+                        </a:spcAft>
+                        <a:buNone/>
+                      </a:pPr>
+                      <a:r>
+                        <a:rPr lang="ko-KR" sz="1100" b="0" u="none" strike="noStrike" cap="none" dirty="0">
+                          <a:solidFill>
+                            <a:srgbClr val="5F5F5F"/>
+                          </a:solidFill>
+                          <a:latin typeface="Malgun Gothic"/>
+                          <a:ea typeface="Malgun Gothic"/>
+                          <a:cs typeface="Malgun Gothic"/>
+                          <a:sym typeface="Malgun Gothic"/>
+                        </a:rPr>
+                        <a:t>4</a:t>
+                      </a:r>
+                      <a:endParaRPr dirty="0"/>
+                    </a:p>
+                  </a:txBody>
+                  <a:tcPr marL="82300" marR="82300" marT="82275" marB="82275" anchor="ctr">
+                    <a:lnL w="9525" cap="flat" cmpd="sng">
+                      <a:solidFill>
+                        <a:srgbClr val="000000">
+                          <a:alpha val="0"/>
+                        </a:srgbClr>
+                      </a:solidFill>
+                      <a:prstDash val="solid"/>
+                      <a:round/>
+                      <a:headEnd type="none" w="sm" len="sm"/>
+                      <a:tailEnd type="none" w="sm" len="sm"/>
+                    </a:lnL>
+                    <a:lnR w="9525" cap="flat" cmpd="sng">
+                      <a:solidFill>
+                        <a:srgbClr val="000000">
+                          <a:alpha val="0"/>
+                        </a:srgbClr>
+                      </a:solidFill>
+                      <a:prstDash val="solid"/>
+                      <a:round/>
+                      <a:headEnd type="none" w="sm" len="sm"/>
+                      <a:tailEnd type="none" w="sm" len="sm"/>
+                    </a:lnR>
+                    <a:lnT w="9525" cap="flat" cmpd="sng">
+                      <a:solidFill>
+                        <a:srgbClr val="808080"/>
+                      </a:solidFill>
+                      <a:prstDash val="solid"/>
+                      <a:round/>
+                      <a:headEnd type="none" w="sm" len="sm"/>
+                      <a:tailEnd type="none" w="sm" len="sm"/>
+                    </a:lnT>
+                    <a:lnB w="9525" cap="flat" cmpd="sng">
+                      <a:solidFill>
+                        <a:srgbClr val="808080"/>
+                      </a:solidFill>
+                      <a:prstDash val="solid"/>
+                      <a:round/>
+                      <a:headEnd type="none" w="sm" len="sm"/>
+                      <a:tailEnd type="none" w="sm" len="sm"/>
+                    </a:lnB>
+                  </a:tcPr>
+                </a:tc>
+                <a:tc>
+                  <a:txBody>
+                    <a:bodyPr/>
+                    <a:lstStyle/>
+                    <a:p>
+                      <a:pPr marL="0" marR="0" lvl="0" indent="0" algn="l" rtl="0">
+                        <a:lnSpc>
+                          <a:spcPct val="100000"/>
+                        </a:lnSpc>
+                        <a:spcBef>
+                          <a:spcPts val="0"/>
+                        </a:spcBef>
+                        <a:spcAft>
+                          <a:spcPts val="0"/>
+                        </a:spcAft>
+                        <a:buClr>
+                          <a:schemeClr val="dk1"/>
+                        </a:buClr>
+                        <a:buSzPts val="1100"/>
+                        <a:buFont typeface="Malgun Gothic"/>
+                        <a:buNone/>
+                      </a:pPr>
+                      <a:r>
+                        <a:rPr lang="ko-KR" sz="1100" b="0" i="0" u="none" strike="noStrike" cap="none" dirty="0">
+                          <a:solidFill>
+                            <a:srgbClr val="000000"/>
+                          </a:solidFill>
+                          <a:latin typeface="Malgun Gothic"/>
+                          <a:ea typeface="Malgun Gothic"/>
+                          <a:cs typeface="Malgun Gothic"/>
+                        </a:rPr>
+                        <a:t>학생화면 </a:t>
+                      </a:r>
+                      <a:r>
+                        <a:rPr lang="en-US" sz="1100" b="0" i="0" u="none" strike="noStrike" cap="none" dirty="0">
+                          <a:solidFill>
+                            <a:srgbClr val="000000"/>
+                          </a:solidFill>
+                          <a:latin typeface="Malgun Gothic"/>
+                          <a:ea typeface="Malgun Gothic"/>
+                          <a:cs typeface="Malgun Gothic"/>
+                        </a:rPr>
+                        <a:t>&gt; </a:t>
+                      </a:r>
+                      <a:r>
+                        <a:rPr lang="ko-KR" altLang="en-US" sz="1100" b="0" i="0" u="none" strike="noStrike" cap="none" dirty="0">
+                          <a:solidFill>
+                            <a:srgbClr val="000000"/>
+                          </a:solidFill>
+                          <a:latin typeface="Malgun Gothic"/>
+                          <a:ea typeface="Malgun Gothic"/>
+                          <a:cs typeface="Malgun Gothic"/>
+                        </a:rPr>
+                        <a:t>낙제처리</a:t>
+                      </a:r>
+                      <a:endParaRPr lang="en-US" sz="1100" b="0" i="0" u="none" strike="noStrike" cap="none" dirty="0">
+                        <a:solidFill>
+                          <a:srgbClr val="000000"/>
+                        </a:solidFill>
+                        <a:latin typeface="Malgun Gothic"/>
+                        <a:ea typeface="Malgun Gothic"/>
+                        <a:cs typeface="Malgun Gothic"/>
+                        <a:sym typeface="Malgun Gothic"/>
+                      </a:endParaRPr>
+                    </a:p>
+                  </a:txBody>
+                  <a:tcPr marL="142900" marR="9525" marT="9525" marB="0" anchor="ctr">
+                    <a:lnL w="9525" cap="flat" cmpd="sng">
+                      <a:solidFill>
+                        <a:srgbClr val="000000">
+                          <a:alpha val="0"/>
+                        </a:srgbClr>
+                      </a:solidFill>
+                      <a:prstDash val="solid"/>
+                      <a:round/>
+                      <a:headEnd type="none" w="sm" len="sm"/>
+                      <a:tailEnd type="none" w="sm" len="sm"/>
+                    </a:lnL>
+                    <a:lnR w="9525" cap="flat" cmpd="sng">
+                      <a:solidFill>
+                        <a:srgbClr val="000000">
+                          <a:alpha val="0"/>
+                        </a:srgbClr>
+                      </a:solidFill>
+                      <a:prstDash val="solid"/>
+                      <a:round/>
+                      <a:headEnd type="none" w="sm" len="sm"/>
+                      <a:tailEnd type="none" w="sm" len="sm"/>
+                    </a:lnR>
+                    <a:lnT w="9525" cap="flat" cmpd="sng">
+                      <a:solidFill>
+                        <a:srgbClr val="808080"/>
+                      </a:solidFill>
+                      <a:prstDash val="solid"/>
+                      <a:round/>
+                      <a:headEnd type="none" w="sm" len="sm"/>
+                      <a:tailEnd type="none" w="sm" len="sm"/>
+                    </a:lnT>
+                    <a:lnB w="9525" cap="flat" cmpd="sng">
+                      <a:solidFill>
+                        <a:srgbClr val="808080"/>
+                      </a:solidFill>
+                      <a:prstDash val="solid"/>
+                      <a:round/>
+                      <a:headEnd type="none" w="sm" len="sm"/>
+                      <a:tailEnd type="none" w="sm" len="sm"/>
+                    </a:lnB>
+                    <a:solidFill>
+                      <a:srgbClr val="F7F7F8"/>
+                    </a:solidFill>
+                  </a:tcPr>
+                </a:tc>
+                <a:tc>
+                  <a:txBody>
+                    <a:bodyPr/>
+                    <a:lstStyle/>
+                    <a:p>
+                      <a:pPr marL="0" marR="0" lvl="0" indent="0" algn="ctr" rtl="0">
+                        <a:spcBef>
+                          <a:spcPts val="0"/>
+                        </a:spcBef>
+                        <a:spcAft>
+                          <a:spcPts val="0"/>
+                        </a:spcAft>
+                        <a:buNone/>
+                      </a:pPr>
+                      <a:endParaRPr sz="1100" b="0" i="0" u="none" strike="noStrike" cap="none">
+                        <a:solidFill>
+                          <a:srgbClr val="000000"/>
+                        </a:solidFill>
+                        <a:latin typeface="Malgun Gothic"/>
+                        <a:ea typeface="Malgun Gothic"/>
+                        <a:cs typeface="Malgun Gothic"/>
+                        <a:sym typeface="Malgun Gothic"/>
+                      </a:endParaRPr>
+                    </a:p>
+                  </a:txBody>
+                  <a:tcPr marL="9525" marR="9525" marT="9525" marB="0" anchor="ctr">
+                    <a:lnL w="9525" cap="flat" cmpd="sng">
+                      <a:solidFill>
+                        <a:srgbClr val="000000">
+                          <a:alpha val="0"/>
+                        </a:srgbClr>
+                      </a:solidFill>
+                      <a:prstDash val="solid"/>
+                      <a:round/>
+                      <a:headEnd type="none" w="sm" len="sm"/>
+                      <a:tailEnd type="none" w="sm" len="sm"/>
+                    </a:lnL>
+                    <a:lnR w="9525" cap="flat" cmpd="sng">
+                      <a:solidFill>
+                        <a:srgbClr val="000000">
+                          <a:alpha val="0"/>
+                        </a:srgbClr>
+                      </a:solidFill>
+                      <a:prstDash val="solid"/>
+                      <a:round/>
+                      <a:headEnd type="none" w="sm" len="sm"/>
+                      <a:tailEnd type="none" w="sm" len="sm"/>
+                    </a:lnR>
+                    <a:lnT w="9525" cap="flat" cmpd="sng">
+                      <a:solidFill>
+                        <a:srgbClr val="808080"/>
+                      </a:solidFill>
+                      <a:prstDash val="solid"/>
+                      <a:round/>
+                      <a:headEnd type="none" w="sm" len="sm"/>
+                      <a:tailEnd type="none" w="sm" len="sm"/>
+                    </a:lnT>
+                    <a:lnB w="9525" cap="flat" cmpd="sng">
+                      <a:solidFill>
+                        <a:srgbClr val="808080"/>
+                      </a:solidFill>
+                      <a:prstDash val="solid"/>
+                      <a:round/>
+                      <a:headEnd type="none" w="sm" len="sm"/>
+                      <a:tailEnd type="none" w="sm" len="sm"/>
+                    </a:lnB>
+                    <a:solidFill>
+                      <a:schemeClr val="lt1"/>
+                    </a:solidFill>
+                  </a:tcPr>
+                </a:tc>
+                <a:extLst>
+                  <a:ext uri="{0D108BD9-81ED-4DB2-BD59-A6C34878D82A}">
+                    <a16:rowId xmlns:a16="http://schemas.microsoft.com/office/drawing/2014/main" val="10004"/>
+                  </a:ext>
+                </a:extLst>
+              </a:tr>
+              <a:tr h="332175">
+                <a:tc>
+                  <a:txBody>
+                    <a:bodyPr/>
+                    <a:lstStyle/>
+                    <a:p>
+                      <a:pPr marL="0" marR="0" lvl="0" indent="0" algn="ctr" rtl="0">
+                        <a:spcBef>
+                          <a:spcPts val="0"/>
+                        </a:spcBef>
+                        <a:spcAft>
+                          <a:spcPts val="0"/>
+                        </a:spcAft>
+                        <a:buNone/>
+                      </a:pPr>
+                      <a:r>
+                        <a:rPr lang="ko-KR" sz="1100" b="0" u="none" strike="noStrike" cap="none" dirty="0">
+                          <a:solidFill>
+                            <a:srgbClr val="5F5F5F"/>
+                          </a:solidFill>
+                          <a:latin typeface="Malgun Gothic"/>
+                          <a:ea typeface="Malgun Gothic"/>
+                          <a:cs typeface="Malgun Gothic"/>
+                          <a:sym typeface="Malgun Gothic"/>
+                        </a:rPr>
+                        <a:t>5</a:t>
+                      </a:r>
+                      <a:endParaRPr dirty="0"/>
                     </a:p>
                   </a:txBody>
                   <a:tcPr marL="82300" marR="82300" marT="82275" marB="82275" anchor="ctr">
@@ -14484,7 +15623,7 @@
                 </a:tc>
                 <a:extLst>
                   <a:ext uri="{0D108BD9-81ED-4DB2-BD59-A6C34878D82A}">
-                    <a16:rowId xmlns:a16="http://schemas.microsoft.com/office/drawing/2014/main" val="10002"/>
+                    <a16:rowId xmlns:a16="http://schemas.microsoft.com/office/drawing/2014/main" val="10005"/>
                   </a:ext>
                 </a:extLst>
               </a:tr>
@@ -14504,7 +15643,7 @@
                         <a:buNone/>
                       </a:pPr>
                       <a:r>
-                        <a:rPr lang="ko-KR" sz="1100" b="0" u="none" strike="noStrike" cap="none">
+                        <a:rPr lang="ko-KR" sz="1100" b="0" u="none" strike="noStrike" cap="none" dirty="0">
                           <a:solidFill>
                             <a:srgbClr val="5F5F5F"/>
                           </a:solidFill>
@@ -14513,9 +15652,238 @@
                           <a:cs typeface="Malgun Gothic"/>
                           <a:sym typeface="Malgun Gothic"/>
                         </a:rPr>
-                        <a:t>3</a:t>
+                        <a:t>6</a:t>
                       </a:r>
-                      <a:endParaRPr/>
+                      <a:endParaRPr dirty="0"/>
+                    </a:p>
+                  </a:txBody>
+                  <a:tcPr marL="82300" marR="82300" marT="82275" marB="82275" anchor="ctr">
+                    <a:lnL w="9525" cap="flat" cmpd="sng">
+                      <a:solidFill>
+                        <a:srgbClr val="000000">
+                          <a:alpha val="0"/>
+                        </a:srgbClr>
+                      </a:solidFill>
+                      <a:prstDash val="solid"/>
+                      <a:round/>
+                      <a:headEnd type="none" w="sm" len="sm"/>
+                      <a:tailEnd type="none" w="sm" len="sm"/>
+                    </a:lnL>
+                    <a:lnR w="9525" cap="flat" cmpd="sng">
+                      <a:solidFill>
+                        <a:srgbClr val="000000">
+                          <a:alpha val="0"/>
+                        </a:srgbClr>
+                      </a:solidFill>
+                      <a:prstDash val="solid"/>
+                      <a:round/>
+                      <a:headEnd type="none" w="sm" len="sm"/>
+                      <a:tailEnd type="none" w="sm" len="sm"/>
+                    </a:lnR>
+                    <a:lnT w="9525" cap="flat" cmpd="sng">
+                      <a:solidFill>
+                        <a:srgbClr val="808080"/>
+                      </a:solidFill>
+                      <a:prstDash val="solid"/>
+                      <a:round/>
+                      <a:headEnd type="none" w="sm" len="sm"/>
+                      <a:tailEnd type="none" w="sm" len="sm"/>
+                    </a:lnT>
+                    <a:lnB w="9525" cap="flat" cmpd="sng">
+                      <a:solidFill>
+                        <a:srgbClr val="808080"/>
+                      </a:solidFill>
+                      <a:prstDash val="solid"/>
+                      <a:round/>
+                      <a:headEnd type="none" w="sm" len="sm"/>
+                      <a:tailEnd type="none" w="sm" len="sm"/>
+                    </a:lnB>
+                  </a:tcPr>
+                </a:tc>
+                <a:tc>
+                  <a:txBody>
+                    <a:bodyPr/>
+                    <a:lstStyle/>
+                    <a:p>
+                      <a:pPr marL="0" marR="0" lvl="0" indent="0" algn="l" rtl="0">
+                        <a:lnSpc>
+                          <a:spcPct val="100000"/>
+                        </a:lnSpc>
+                        <a:spcBef>
+                          <a:spcPts val="0"/>
+                        </a:spcBef>
+                        <a:spcAft>
+                          <a:spcPts val="0"/>
+                        </a:spcAft>
+                        <a:buClr>
+                          <a:schemeClr val="dk1"/>
+                        </a:buClr>
+                        <a:buSzPts val="1100"/>
+                        <a:buFont typeface="Malgun Gothic"/>
+                        <a:buNone/>
+                      </a:pPr>
+                      <a:endParaRPr sz="1100" b="0" i="0" u="none" strike="noStrike" cap="none">
+                        <a:solidFill>
+                          <a:srgbClr val="404040"/>
+                        </a:solidFill>
+                        <a:latin typeface="Malgun Gothic"/>
+                        <a:ea typeface="Malgun Gothic"/>
+                        <a:cs typeface="Malgun Gothic"/>
+                        <a:sym typeface="Malgun Gothic"/>
+                      </a:endParaRPr>
+                    </a:p>
+                  </a:txBody>
+                  <a:tcPr marL="142900" marR="9525" marT="9525" marB="0" anchor="ctr">
+                    <a:lnL w="9525" cap="flat" cmpd="sng">
+                      <a:solidFill>
+                        <a:srgbClr val="000000">
+                          <a:alpha val="0"/>
+                        </a:srgbClr>
+                      </a:solidFill>
+                      <a:prstDash val="solid"/>
+                      <a:round/>
+                      <a:headEnd type="none" w="sm" len="sm"/>
+                      <a:tailEnd type="none" w="sm" len="sm"/>
+                    </a:lnL>
+                    <a:lnR w="9525" cap="flat" cmpd="sng">
+                      <a:solidFill>
+                        <a:srgbClr val="000000">
+                          <a:alpha val="0"/>
+                        </a:srgbClr>
+                      </a:solidFill>
+                      <a:prstDash val="solid"/>
+                      <a:round/>
+                      <a:headEnd type="none" w="sm" len="sm"/>
+                      <a:tailEnd type="none" w="sm" len="sm"/>
+                    </a:lnR>
+                    <a:lnT w="9525" cap="flat" cmpd="sng">
+                      <a:solidFill>
+                        <a:srgbClr val="808080"/>
+                      </a:solidFill>
+                      <a:prstDash val="solid"/>
+                      <a:round/>
+                      <a:headEnd type="none" w="sm" len="sm"/>
+                      <a:tailEnd type="none" w="sm" len="sm"/>
+                    </a:lnT>
+                    <a:lnB w="9525" cap="flat" cmpd="sng">
+                      <a:solidFill>
+                        <a:srgbClr val="808080"/>
+                      </a:solidFill>
+                      <a:prstDash val="solid"/>
+                      <a:round/>
+                      <a:headEnd type="none" w="sm" len="sm"/>
+                      <a:tailEnd type="none" w="sm" len="sm"/>
+                    </a:lnB>
+                    <a:solidFill>
+                      <a:srgbClr val="F7F7F8"/>
+                    </a:solidFill>
+                  </a:tcPr>
+                </a:tc>
+                <a:tc>
+                  <a:txBody>
+                    <a:bodyPr/>
+                    <a:lstStyle/>
+                    <a:p>
+                      <a:pPr marL="0" marR="0" lvl="0" indent="0" algn="ctr" rtl="0">
+                        <a:spcBef>
+                          <a:spcPts val="0"/>
+                        </a:spcBef>
+                        <a:spcAft>
+                          <a:spcPts val="0"/>
+                        </a:spcAft>
+                        <a:buNone/>
+                      </a:pPr>
+                      <a:endParaRPr sz="1100" b="0" i="0" u="none" strike="noStrike" cap="none">
+                        <a:solidFill>
+                          <a:srgbClr val="404040"/>
+                        </a:solidFill>
+                        <a:latin typeface="Malgun Gothic"/>
+                        <a:ea typeface="Malgun Gothic"/>
+                        <a:cs typeface="Malgun Gothic"/>
+                        <a:sym typeface="Malgun Gothic"/>
+                      </a:endParaRPr>
+                    </a:p>
+                  </a:txBody>
+                  <a:tcPr marL="9525" marR="9525" marT="9525" marB="0" anchor="ctr">
+                    <a:lnL w="9525" cap="flat" cmpd="sng">
+                      <a:solidFill>
+                        <a:srgbClr val="000000">
+                          <a:alpha val="0"/>
+                        </a:srgbClr>
+                      </a:solidFill>
+                      <a:prstDash val="solid"/>
+                      <a:round/>
+                      <a:headEnd type="none" w="sm" len="sm"/>
+                      <a:tailEnd type="none" w="sm" len="sm"/>
+                    </a:lnL>
+                    <a:lnR w="9525" cap="flat" cmpd="sng">
+                      <a:solidFill>
+                        <a:srgbClr val="000000">
+                          <a:alpha val="0"/>
+                        </a:srgbClr>
+                      </a:solidFill>
+                      <a:prstDash val="solid"/>
+                      <a:round/>
+                      <a:headEnd type="none" w="sm" len="sm"/>
+                      <a:tailEnd type="none" w="sm" len="sm"/>
+                    </a:lnR>
+                    <a:lnT w="9525" cap="flat" cmpd="sng">
+                      <a:solidFill>
+                        <a:srgbClr val="808080"/>
+                      </a:solidFill>
+                      <a:prstDash val="solid"/>
+                      <a:round/>
+                      <a:headEnd type="none" w="sm" len="sm"/>
+                      <a:tailEnd type="none" w="sm" len="sm"/>
+                    </a:lnT>
+                    <a:lnB w="9525" cap="flat" cmpd="sng">
+                      <a:solidFill>
+                        <a:srgbClr val="808080"/>
+                      </a:solidFill>
+                      <a:prstDash val="solid"/>
+                      <a:round/>
+                      <a:headEnd type="none" w="sm" len="sm"/>
+                      <a:tailEnd type="none" w="sm" len="sm"/>
+                    </a:lnB>
+                    <a:solidFill>
+                      <a:schemeClr val="lt1"/>
+                    </a:solidFill>
+                  </a:tcPr>
+                </a:tc>
+                <a:extLst>
+                  <a:ext uri="{0D108BD9-81ED-4DB2-BD59-A6C34878D82A}">
+                    <a16:rowId xmlns:a16="http://schemas.microsoft.com/office/drawing/2014/main" val="10006"/>
+                  </a:ext>
+                </a:extLst>
+              </a:tr>
+              <a:tr h="332175">
+                <a:tc>
+                  <a:txBody>
+                    <a:bodyPr/>
+                    <a:lstStyle/>
+                    <a:p>
+                      <a:pPr marL="0" marR="0" lvl="0" indent="0" algn="ctr" rtl="0">
+                        <a:spcBef>
+                          <a:spcPts val="0"/>
+                        </a:spcBef>
+                        <a:spcAft>
+                          <a:spcPts val="0"/>
+                        </a:spcAft>
+                        <a:buNone/>
+                      </a:pPr>
+                      <a:r>
+                        <a:rPr lang="ko-KR" sz="1100" b="0" u="none" strike="noStrike" cap="none" dirty="0">
+                          <a:solidFill>
+                            <a:srgbClr val="5F5F5F"/>
+                          </a:solidFill>
+                          <a:latin typeface="Malgun Gothic"/>
+                          <a:ea typeface="Malgun Gothic"/>
+                          <a:cs typeface="Malgun Gothic"/>
+                          <a:sym typeface="Malgun Gothic"/>
+                        </a:rPr>
+                        <a:t>7</a:t>
+                      </a:r>
+                      <a:endParaRPr dirty="0"/>
                     </a:p>
                   </a:txBody>
                   <a:tcPr marL="82300" marR="82300" marT="82275" marB="82275" anchor="ctr">
@@ -14713,7 +16081,7 @@
                 </a:tc>
                 <a:extLst>
                   <a:ext uri="{0D108BD9-81ED-4DB2-BD59-A6C34878D82A}">
-                    <a16:rowId xmlns:a16="http://schemas.microsoft.com/office/drawing/2014/main" val="10003"/>
+                    <a16:rowId xmlns:a16="http://schemas.microsoft.com/office/drawing/2014/main" val="10007"/>
                   </a:ext>
                 </a:extLst>
               </a:tr>
@@ -14733,7 +16101,7 @@
                         <a:buNone/>
                       </a:pPr>
                       <a:r>
-                        <a:rPr lang="ko-KR" sz="1100" b="0" u="none" strike="noStrike" cap="none">
+                        <a:rPr lang="ko-KR" sz="1100" b="0" u="none" strike="noStrike" cap="none" dirty="0">
                           <a:solidFill>
                             <a:srgbClr val="5F5F5F"/>
                           </a:solidFill>
@@ -14742,9 +16110,893 @@
                           <a:cs typeface="Malgun Gothic"/>
                           <a:sym typeface="Malgun Gothic"/>
                         </a:rPr>
-                        <a:t>4</a:t>
+                        <a:t>8</a:t>
                       </a:r>
-                      <a:endParaRPr/>
+                      <a:endParaRPr dirty="0"/>
+                    </a:p>
+                  </a:txBody>
+                  <a:tcPr marL="82300" marR="82300" marT="82275" marB="82275" anchor="ctr">
+                    <a:lnL w="9525" cap="flat" cmpd="sng">
+                      <a:solidFill>
+                        <a:srgbClr val="000000">
+                          <a:alpha val="0"/>
+                        </a:srgbClr>
+                      </a:solidFill>
+                      <a:prstDash val="solid"/>
+                      <a:round/>
+                      <a:headEnd type="none" w="sm" len="sm"/>
+                      <a:tailEnd type="none" w="sm" len="sm"/>
+                    </a:lnL>
+                    <a:lnR w="9525" cap="flat" cmpd="sng">
+                      <a:solidFill>
+                        <a:srgbClr val="000000">
+                          <a:alpha val="0"/>
+                        </a:srgbClr>
+                      </a:solidFill>
+                      <a:prstDash val="solid"/>
+                      <a:round/>
+                      <a:headEnd type="none" w="sm" len="sm"/>
+                      <a:tailEnd type="none" w="sm" len="sm"/>
+                    </a:lnR>
+                    <a:lnT w="9525" cap="flat" cmpd="sng">
+                      <a:solidFill>
+                        <a:srgbClr val="808080"/>
+                      </a:solidFill>
+                      <a:prstDash val="solid"/>
+                      <a:round/>
+                      <a:headEnd type="none" w="sm" len="sm"/>
+                      <a:tailEnd type="none" w="sm" len="sm"/>
+                    </a:lnT>
+                    <a:lnB w="9525" cap="flat" cmpd="sng">
+                      <a:solidFill>
+                        <a:srgbClr val="808080"/>
+                      </a:solidFill>
+                      <a:prstDash val="solid"/>
+                      <a:round/>
+                      <a:headEnd type="none" w="sm" len="sm"/>
+                      <a:tailEnd type="none" w="sm" len="sm"/>
+                    </a:lnB>
+                  </a:tcPr>
+                </a:tc>
+                <a:tc>
+                  <a:txBody>
+                    <a:bodyPr/>
+                    <a:lstStyle/>
+                    <a:p>
+                      <a:pPr marL="0" marR="0" lvl="0" indent="0" algn="l" rtl="0">
+                        <a:spcBef>
+                          <a:spcPts val="0"/>
+                        </a:spcBef>
+                        <a:spcAft>
+                          <a:spcPts val="0"/>
+                        </a:spcAft>
+                        <a:buNone/>
+                      </a:pPr>
+                      <a:endParaRPr sz="1100" b="0" i="0" u="none" strike="noStrike" cap="none">
+                        <a:solidFill>
+                          <a:srgbClr val="000000"/>
+                        </a:solidFill>
+                        <a:latin typeface="Malgun Gothic"/>
+                        <a:ea typeface="Malgun Gothic"/>
+                        <a:cs typeface="Malgun Gothic"/>
+                        <a:sym typeface="Malgun Gothic"/>
+                      </a:endParaRPr>
+                    </a:p>
+                  </a:txBody>
+                  <a:tcPr marL="142900" marR="9525" marT="9525" marB="0" anchor="ctr">
+                    <a:lnL w="9525" cap="flat" cmpd="sng">
+                      <a:solidFill>
+                        <a:srgbClr val="000000">
+                          <a:alpha val="0"/>
+                        </a:srgbClr>
+                      </a:solidFill>
+                      <a:prstDash val="solid"/>
+                      <a:round/>
+                      <a:headEnd type="none" w="sm" len="sm"/>
+                      <a:tailEnd type="none" w="sm" len="sm"/>
+                    </a:lnL>
+                    <a:lnR w="9525" cap="flat" cmpd="sng">
+                      <a:solidFill>
+                        <a:srgbClr val="000000">
+                          <a:alpha val="0"/>
+                        </a:srgbClr>
+                      </a:solidFill>
+                      <a:prstDash val="solid"/>
+                      <a:round/>
+                      <a:headEnd type="none" w="sm" len="sm"/>
+                      <a:tailEnd type="none" w="sm" len="sm"/>
+                    </a:lnR>
+                    <a:lnT w="9525" cap="flat" cmpd="sng">
+                      <a:solidFill>
+                        <a:srgbClr val="808080"/>
+                      </a:solidFill>
+                      <a:prstDash val="solid"/>
+                      <a:round/>
+                      <a:headEnd type="none" w="sm" len="sm"/>
+                      <a:tailEnd type="none" w="sm" len="sm"/>
+                    </a:lnT>
+                    <a:lnB w="9525" cap="flat" cmpd="sng">
+                      <a:solidFill>
+                        <a:srgbClr val="808080"/>
+                      </a:solidFill>
+                      <a:prstDash val="solid"/>
+                      <a:round/>
+                      <a:headEnd type="none" w="sm" len="sm"/>
+                      <a:tailEnd type="none" w="sm" len="sm"/>
+                    </a:lnB>
+                    <a:solidFill>
+                      <a:srgbClr val="F7F7F8"/>
+                    </a:solidFill>
+                  </a:tcPr>
+                </a:tc>
+                <a:tc>
+                  <a:txBody>
+                    <a:bodyPr/>
+                    <a:lstStyle/>
+                    <a:p>
+                      <a:pPr marL="0" marR="0" lvl="0" indent="0" algn="ctr" rtl="0">
+                        <a:spcBef>
+                          <a:spcPts val="0"/>
+                        </a:spcBef>
+                        <a:spcAft>
+                          <a:spcPts val="0"/>
+                        </a:spcAft>
+                        <a:buNone/>
+                      </a:pPr>
+                      <a:endParaRPr sz="1100" b="0" i="0" u="none" strike="noStrike" cap="none">
+                        <a:solidFill>
+                          <a:srgbClr val="000000"/>
+                        </a:solidFill>
+                        <a:latin typeface="Malgun Gothic"/>
+                        <a:ea typeface="Malgun Gothic"/>
+                        <a:cs typeface="Malgun Gothic"/>
+                        <a:sym typeface="Malgun Gothic"/>
+                      </a:endParaRPr>
+                    </a:p>
+                  </a:txBody>
+                  <a:tcPr marL="9525" marR="9525" marT="9525" marB="0" anchor="ctr">
+                    <a:lnL w="9525" cap="flat" cmpd="sng">
+                      <a:solidFill>
+                        <a:srgbClr val="000000">
+                          <a:alpha val="0"/>
+                        </a:srgbClr>
+                      </a:solidFill>
+                      <a:prstDash val="solid"/>
+                      <a:round/>
+                      <a:headEnd type="none" w="sm" len="sm"/>
+                      <a:tailEnd type="none" w="sm" len="sm"/>
+                    </a:lnL>
+                    <a:lnR w="9525" cap="flat" cmpd="sng">
+                      <a:solidFill>
+                        <a:srgbClr val="000000">
+                          <a:alpha val="0"/>
+                        </a:srgbClr>
+                      </a:solidFill>
+                      <a:prstDash val="solid"/>
+                      <a:round/>
+                      <a:headEnd type="none" w="sm" len="sm"/>
+                      <a:tailEnd type="none" w="sm" len="sm"/>
+                    </a:lnR>
+                    <a:lnT w="9525" cap="flat" cmpd="sng">
+                      <a:solidFill>
+                        <a:srgbClr val="808080"/>
+                      </a:solidFill>
+                      <a:prstDash val="solid"/>
+                      <a:round/>
+                      <a:headEnd type="none" w="sm" len="sm"/>
+                      <a:tailEnd type="none" w="sm" len="sm"/>
+                    </a:lnT>
+                    <a:lnB w="9525" cap="flat" cmpd="sng">
+                      <a:solidFill>
+                        <a:srgbClr val="808080"/>
+                      </a:solidFill>
+                      <a:prstDash val="solid"/>
+                      <a:round/>
+                      <a:headEnd type="none" w="sm" len="sm"/>
+                      <a:tailEnd type="none" w="sm" len="sm"/>
+                    </a:lnB>
+                    <a:solidFill>
+                      <a:schemeClr val="lt1"/>
+                    </a:solidFill>
+                  </a:tcPr>
+                </a:tc>
+                <a:extLst>
+                  <a:ext uri="{0D108BD9-81ED-4DB2-BD59-A6C34878D82A}">
+                    <a16:rowId xmlns:a16="http://schemas.microsoft.com/office/drawing/2014/main" val="10008"/>
+                  </a:ext>
+                </a:extLst>
+              </a:tr>
+              <a:tr h="332175">
+                <a:tc>
+                  <a:txBody>
+                    <a:bodyPr/>
+                    <a:lstStyle/>
+                    <a:p>
+                      <a:pPr marL="0" marR="0" lvl="0" indent="0" algn="ctr" rtl="0">
+                        <a:spcBef>
+                          <a:spcPts val="0"/>
+                        </a:spcBef>
+                        <a:spcAft>
+                          <a:spcPts val="0"/>
+                        </a:spcAft>
+                        <a:buNone/>
+                      </a:pPr>
+                      <a:r>
+                        <a:rPr lang="ko-KR" sz="1100" b="0" u="none" strike="noStrike" cap="none" dirty="0">
+                          <a:solidFill>
+                            <a:srgbClr val="5F5F5F"/>
+                          </a:solidFill>
+                          <a:latin typeface="Malgun Gothic"/>
+                          <a:ea typeface="Malgun Gothic"/>
+                          <a:cs typeface="Malgun Gothic"/>
+                          <a:sym typeface="Malgun Gothic"/>
+                        </a:rPr>
+                        <a:t>9</a:t>
+                      </a:r>
+                      <a:endParaRPr dirty="0"/>
+                    </a:p>
+                  </a:txBody>
+                  <a:tcPr marL="82300" marR="82300" marT="82275" marB="82275" anchor="ctr">
+                    <a:lnL w="9525" cap="flat" cmpd="sng">
+                      <a:solidFill>
+                        <a:srgbClr val="000000">
+                          <a:alpha val="0"/>
+                        </a:srgbClr>
+                      </a:solidFill>
+                      <a:prstDash val="solid"/>
+                      <a:round/>
+                      <a:headEnd type="none" w="sm" len="sm"/>
+                      <a:tailEnd type="none" w="sm" len="sm"/>
+                    </a:lnL>
+                    <a:lnR w="9525" cap="flat" cmpd="sng">
+                      <a:solidFill>
+                        <a:srgbClr val="000000">
+                          <a:alpha val="0"/>
+                        </a:srgbClr>
+                      </a:solidFill>
+                      <a:prstDash val="solid"/>
+                      <a:round/>
+                      <a:headEnd type="none" w="sm" len="sm"/>
+                      <a:tailEnd type="none" w="sm" len="sm"/>
+                    </a:lnR>
+                    <a:lnT w="9525" cap="flat" cmpd="sng">
+                      <a:solidFill>
+                        <a:srgbClr val="808080"/>
+                      </a:solidFill>
+                      <a:prstDash val="solid"/>
+                      <a:round/>
+                      <a:headEnd type="none" w="sm" len="sm"/>
+                      <a:tailEnd type="none" w="sm" len="sm"/>
+                    </a:lnT>
+                    <a:lnB w="9525" cap="flat" cmpd="sng">
+                      <a:solidFill>
+                        <a:srgbClr val="808080"/>
+                      </a:solidFill>
+                      <a:prstDash val="solid"/>
+                      <a:round/>
+                      <a:headEnd type="none" w="sm" len="sm"/>
+                      <a:tailEnd type="none" w="sm" len="sm"/>
+                    </a:lnB>
+                  </a:tcPr>
+                </a:tc>
+                <a:tc>
+                  <a:txBody>
+                    <a:bodyPr/>
+                    <a:lstStyle/>
+                    <a:p>
+                      <a:pPr marL="0" marR="0" lvl="0" indent="0" algn="l" rtl="0">
+                        <a:spcBef>
+                          <a:spcPts val="0"/>
+                        </a:spcBef>
+                        <a:spcAft>
+                          <a:spcPts val="0"/>
+                        </a:spcAft>
+                        <a:buNone/>
+                      </a:pPr>
+                      <a:endParaRPr sz="1100" b="0" i="0" u="none" strike="noStrike" cap="none">
+                        <a:solidFill>
+                          <a:srgbClr val="000000"/>
+                        </a:solidFill>
+                        <a:latin typeface="Malgun Gothic"/>
+                        <a:ea typeface="Malgun Gothic"/>
+                        <a:cs typeface="Malgun Gothic"/>
+                        <a:sym typeface="Malgun Gothic"/>
+                      </a:endParaRPr>
+                    </a:p>
+                  </a:txBody>
+                  <a:tcPr marL="142900" marR="9525" marT="9525" marB="0" anchor="ctr">
+                    <a:lnL w="9525" cap="flat" cmpd="sng">
+                      <a:solidFill>
+                        <a:srgbClr val="000000">
+                          <a:alpha val="0"/>
+                        </a:srgbClr>
+                      </a:solidFill>
+                      <a:prstDash val="solid"/>
+                      <a:round/>
+                      <a:headEnd type="none" w="sm" len="sm"/>
+                      <a:tailEnd type="none" w="sm" len="sm"/>
+                    </a:lnL>
+                    <a:lnR w="9525" cap="flat" cmpd="sng">
+                      <a:solidFill>
+                        <a:srgbClr val="000000">
+                          <a:alpha val="0"/>
+                        </a:srgbClr>
+                      </a:solidFill>
+                      <a:prstDash val="solid"/>
+                      <a:round/>
+                      <a:headEnd type="none" w="sm" len="sm"/>
+                      <a:tailEnd type="none" w="sm" len="sm"/>
+                    </a:lnR>
+                    <a:lnT w="9525" cap="flat" cmpd="sng">
+                      <a:solidFill>
+                        <a:srgbClr val="808080"/>
+                      </a:solidFill>
+                      <a:prstDash val="solid"/>
+                      <a:round/>
+                      <a:headEnd type="none" w="sm" len="sm"/>
+                      <a:tailEnd type="none" w="sm" len="sm"/>
+                    </a:lnT>
+                    <a:lnB w="9525" cap="flat" cmpd="sng">
+                      <a:solidFill>
+                        <a:srgbClr val="808080"/>
+                      </a:solidFill>
+                      <a:prstDash val="solid"/>
+                      <a:round/>
+                      <a:headEnd type="none" w="sm" len="sm"/>
+                      <a:tailEnd type="none" w="sm" len="sm"/>
+                    </a:lnB>
+                    <a:solidFill>
+                      <a:srgbClr val="F7F7F8"/>
+                    </a:solidFill>
+                  </a:tcPr>
+                </a:tc>
+                <a:tc>
+                  <a:txBody>
+                    <a:bodyPr/>
+                    <a:lstStyle/>
+                    <a:p>
+                      <a:pPr marL="0" marR="0" lvl="0" indent="0" algn="ctr" rtl="0">
+                        <a:spcBef>
+                          <a:spcPts val="0"/>
+                        </a:spcBef>
+                        <a:spcAft>
+                          <a:spcPts val="0"/>
+                        </a:spcAft>
+                        <a:buNone/>
+                      </a:pPr>
+                      <a:endParaRPr sz="1100" b="0" i="0" u="none" strike="noStrike" cap="none">
+                        <a:solidFill>
+                          <a:srgbClr val="404040"/>
+                        </a:solidFill>
+                        <a:latin typeface="Malgun Gothic"/>
+                        <a:ea typeface="Malgun Gothic"/>
+                        <a:cs typeface="Malgun Gothic"/>
+                        <a:sym typeface="Malgun Gothic"/>
+                      </a:endParaRPr>
+                    </a:p>
+                  </a:txBody>
+                  <a:tcPr marL="9525" marR="9525" marT="9525" marB="0" anchor="ctr">
+                    <a:lnL w="9525" cap="flat" cmpd="sng">
+                      <a:solidFill>
+                        <a:srgbClr val="000000">
+                          <a:alpha val="0"/>
+                        </a:srgbClr>
+                      </a:solidFill>
+                      <a:prstDash val="solid"/>
+                      <a:round/>
+                      <a:headEnd type="none" w="sm" len="sm"/>
+                      <a:tailEnd type="none" w="sm" len="sm"/>
+                    </a:lnL>
+                    <a:lnR w="9525" cap="flat" cmpd="sng">
+                      <a:solidFill>
+                        <a:srgbClr val="000000">
+                          <a:alpha val="0"/>
+                        </a:srgbClr>
+                      </a:solidFill>
+                      <a:prstDash val="solid"/>
+                      <a:round/>
+                      <a:headEnd type="none" w="sm" len="sm"/>
+                      <a:tailEnd type="none" w="sm" len="sm"/>
+                    </a:lnR>
+                    <a:lnT w="9525" cap="flat" cmpd="sng">
+                      <a:solidFill>
+                        <a:srgbClr val="808080"/>
+                      </a:solidFill>
+                      <a:prstDash val="solid"/>
+                      <a:round/>
+                      <a:headEnd type="none" w="sm" len="sm"/>
+                      <a:tailEnd type="none" w="sm" len="sm"/>
+                    </a:lnT>
+                    <a:lnB w="9525" cap="flat" cmpd="sng">
+                      <a:solidFill>
+                        <a:srgbClr val="808080"/>
+                      </a:solidFill>
+                      <a:prstDash val="solid"/>
+                      <a:round/>
+                      <a:headEnd type="none" w="sm" len="sm"/>
+                      <a:tailEnd type="none" w="sm" len="sm"/>
+                    </a:lnB>
+                    <a:solidFill>
+                      <a:schemeClr val="lt1"/>
+                    </a:solidFill>
+                  </a:tcPr>
+                </a:tc>
+                <a:extLst>
+                  <a:ext uri="{0D108BD9-81ED-4DB2-BD59-A6C34878D82A}">
+                    <a16:rowId xmlns:a16="http://schemas.microsoft.com/office/drawing/2014/main" val="10009"/>
+                  </a:ext>
+                </a:extLst>
+              </a:tr>
+              <a:tr h="332175">
+                <a:tc>
+                  <a:txBody>
+                    <a:bodyPr/>
+                    <a:lstStyle/>
+                    <a:p>
+                      <a:pPr marL="0" marR="0" lvl="0" indent="0" algn="ctr" rtl="0">
+                        <a:spcBef>
+                          <a:spcPts val="0"/>
+                        </a:spcBef>
+                        <a:spcAft>
+                          <a:spcPts val="0"/>
+                        </a:spcAft>
+                        <a:buNone/>
+                      </a:pPr>
+                      <a:r>
+                        <a:rPr lang="ko-KR" sz="1100" b="0" u="none" strike="noStrike" cap="none" dirty="0">
+                          <a:solidFill>
+                            <a:srgbClr val="5F5F5F"/>
+                          </a:solidFill>
+                          <a:latin typeface="Malgun Gothic"/>
+                          <a:ea typeface="Malgun Gothic"/>
+                          <a:cs typeface="Malgun Gothic"/>
+                          <a:sym typeface="Malgun Gothic"/>
+                        </a:rPr>
+                        <a:t>10</a:t>
+                      </a:r>
+                      <a:endParaRPr dirty="0"/>
+                    </a:p>
+                  </a:txBody>
+                  <a:tcPr marL="82300" marR="82300" marT="82275" marB="82275" anchor="ctr">
+                    <a:lnL w="9525" cap="flat" cmpd="sng">
+                      <a:solidFill>
+                        <a:srgbClr val="000000">
+                          <a:alpha val="0"/>
+                        </a:srgbClr>
+                      </a:solidFill>
+                      <a:prstDash val="solid"/>
+                      <a:round/>
+                      <a:headEnd type="none" w="sm" len="sm"/>
+                      <a:tailEnd type="none" w="sm" len="sm"/>
+                    </a:lnL>
+                    <a:lnR w="9525" cap="flat" cmpd="sng">
+                      <a:solidFill>
+                        <a:srgbClr val="000000">
+                          <a:alpha val="0"/>
+                        </a:srgbClr>
+                      </a:solidFill>
+                      <a:prstDash val="solid"/>
+                      <a:round/>
+                      <a:headEnd type="none" w="sm" len="sm"/>
+                      <a:tailEnd type="none" w="sm" len="sm"/>
+                    </a:lnR>
+                    <a:lnT w="9525" cap="flat" cmpd="sng">
+                      <a:solidFill>
+                        <a:srgbClr val="808080"/>
+                      </a:solidFill>
+                      <a:prstDash val="solid"/>
+                      <a:round/>
+                      <a:headEnd type="none" w="sm" len="sm"/>
+                      <a:tailEnd type="none" w="sm" len="sm"/>
+                    </a:lnT>
+                    <a:lnB w="9525" cap="flat" cmpd="sng">
+                      <a:solidFill>
+                        <a:srgbClr val="808080"/>
+                      </a:solidFill>
+                      <a:prstDash val="solid"/>
+                      <a:round/>
+                      <a:headEnd type="none" w="sm" len="sm"/>
+                      <a:tailEnd type="none" w="sm" len="sm"/>
+                    </a:lnB>
+                  </a:tcPr>
+                </a:tc>
+                <a:tc>
+                  <a:txBody>
+                    <a:bodyPr/>
+                    <a:lstStyle/>
+                    <a:p>
+                      <a:pPr marL="0" marR="0" lvl="0" indent="0" algn="l" rtl="0">
+                        <a:spcBef>
+                          <a:spcPts val="0"/>
+                        </a:spcBef>
+                        <a:spcAft>
+                          <a:spcPts val="0"/>
+                        </a:spcAft>
+                        <a:buNone/>
+                      </a:pPr>
+                      <a:endParaRPr sz="1100" b="0" i="0" u="none" strike="noStrike" cap="none">
+                        <a:solidFill>
+                          <a:srgbClr val="000000"/>
+                        </a:solidFill>
+                        <a:latin typeface="Malgun Gothic"/>
+                        <a:ea typeface="Malgun Gothic"/>
+                        <a:cs typeface="Malgun Gothic"/>
+                        <a:sym typeface="Malgun Gothic"/>
+                      </a:endParaRPr>
+                    </a:p>
+                  </a:txBody>
+                  <a:tcPr marL="142900" marR="9525" marT="9525" marB="0" anchor="ctr">
+                    <a:lnL w="9525" cap="flat" cmpd="sng">
+                      <a:solidFill>
+                        <a:srgbClr val="000000">
+                          <a:alpha val="0"/>
+                        </a:srgbClr>
+                      </a:solidFill>
+                      <a:prstDash val="solid"/>
+                      <a:round/>
+                      <a:headEnd type="none" w="sm" len="sm"/>
+                      <a:tailEnd type="none" w="sm" len="sm"/>
+                    </a:lnL>
+                    <a:lnR w="9525" cap="flat" cmpd="sng">
+                      <a:solidFill>
+                        <a:srgbClr val="000000">
+                          <a:alpha val="0"/>
+                        </a:srgbClr>
+                      </a:solidFill>
+                      <a:prstDash val="solid"/>
+                      <a:round/>
+                      <a:headEnd type="none" w="sm" len="sm"/>
+                      <a:tailEnd type="none" w="sm" len="sm"/>
+                    </a:lnR>
+                    <a:lnT w="9525" cap="flat" cmpd="sng">
+                      <a:solidFill>
+                        <a:srgbClr val="808080"/>
+                      </a:solidFill>
+                      <a:prstDash val="solid"/>
+                      <a:round/>
+                      <a:headEnd type="none" w="sm" len="sm"/>
+                      <a:tailEnd type="none" w="sm" len="sm"/>
+                    </a:lnT>
+                    <a:lnB w="9525" cap="flat" cmpd="sng">
+                      <a:solidFill>
+                        <a:srgbClr val="808080"/>
+                      </a:solidFill>
+                      <a:prstDash val="solid"/>
+                      <a:round/>
+                      <a:headEnd type="none" w="sm" len="sm"/>
+                      <a:tailEnd type="none" w="sm" len="sm"/>
+                    </a:lnB>
+                    <a:solidFill>
+                      <a:srgbClr val="F7F7F8"/>
+                    </a:solidFill>
+                  </a:tcPr>
+                </a:tc>
+                <a:tc>
+                  <a:txBody>
+                    <a:bodyPr/>
+                    <a:lstStyle/>
+                    <a:p>
+                      <a:pPr marL="0" marR="0" lvl="0" indent="0" algn="ctr" rtl="0">
+                        <a:spcBef>
+                          <a:spcPts val="0"/>
+                        </a:spcBef>
+                        <a:spcAft>
+                          <a:spcPts val="0"/>
+                        </a:spcAft>
+                        <a:buNone/>
+                      </a:pPr>
+                      <a:endParaRPr sz="1100" b="0" i="0" u="none" strike="noStrike" cap="none">
+                        <a:solidFill>
+                          <a:srgbClr val="000000"/>
+                        </a:solidFill>
+                        <a:latin typeface="Malgun Gothic"/>
+                        <a:ea typeface="Malgun Gothic"/>
+                        <a:cs typeface="Malgun Gothic"/>
+                        <a:sym typeface="Malgun Gothic"/>
+                      </a:endParaRPr>
+                    </a:p>
+                  </a:txBody>
+                  <a:tcPr marL="9525" marR="9525" marT="9525" marB="0" anchor="ctr">
+                    <a:lnL w="9525" cap="flat" cmpd="sng">
+                      <a:solidFill>
+                        <a:srgbClr val="000000">
+                          <a:alpha val="0"/>
+                        </a:srgbClr>
+                      </a:solidFill>
+                      <a:prstDash val="solid"/>
+                      <a:round/>
+                      <a:headEnd type="none" w="sm" len="sm"/>
+                      <a:tailEnd type="none" w="sm" len="sm"/>
+                    </a:lnL>
+                    <a:lnR w="9525" cap="flat" cmpd="sng">
+                      <a:solidFill>
+                        <a:srgbClr val="000000">
+                          <a:alpha val="0"/>
+                        </a:srgbClr>
+                      </a:solidFill>
+                      <a:prstDash val="solid"/>
+                      <a:round/>
+                      <a:headEnd type="none" w="sm" len="sm"/>
+                      <a:tailEnd type="none" w="sm" len="sm"/>
+                    </a:lnR>
+                    <a:lnT w="9525" cap="flat" cmpd="sng">
+                      <a:solidFill>
+                        <a:srgbClr val="808080"/>
+                      </a:solidFill>
+                      <a:prstDash val="solid"/>
+                      <a:round/>
+                      <a:headEnd type="none" w="sm" len="sm"/>
+                      <a:tailEnd type="none" w="sm" len="sm"/>
+                    </a:lnT>
+                    <a:lnB w="9525" cap="flat" cmpd="sng">
+                      <a:solidFill>
+                        <a:srgbClr val="808080"/>
+                      </a:solidFill>
+                      <a:prstDash val="solid"/>
+                      <a:round/>
+                      <a:headEnd type="none" w="sm" len="sm"/>
+                      <a:tailEnd type="none" w="sm" len="sm"/>
+                    </a:lnB>
+                    <a:solidFill>
+                      <a:schemeClr val="lt1"/>
+                    </a:solidFill>
+                  </a:tcPr>
+                </a:tc>
+                <a:extLst>
+                  <a:ext uri="{0D108BD9-81ED-4DB2-BD59-A6C34878D82A}">
+                    <a16:rowId xmlns:a16="http://schemas.microsoft.com/office/drawing/2014/main" val="10010"/>
+                  </a:ext>
+                </a:extLst>
+              </a:tr>
+              <a:tr h="332175">
+                <a:tc>
+                  <a:txBody>
+                    <a:bodyPr/>
+                    <a:lstStyle/>
+                    <a:p>
+                      <a:pPr marL="0" marR="0" lvl="0" indent="0" algn="ctr" rtl="0">
+                        <a:spcBef>
+                          <a:spcPts val="0"/>
+                        </a:spcBef>
+                        <a:spcAft>
+                          <a:spcPts val="0"/>
+                        </a:spcAft>
+                        <a:buNone/>
+                      </a:pPr>
+                      <a:r>
+                        <a:rPr lang="ko-KR" sz="1100" b="0" u="none" strike="noStrike" cap="none" dirty="0">
+                          <a:solidFill>
+                            <a:srgbClr val="5F5F5F"/>
+                          </a:solidFill>
+                          <a:latin typeface="Malgun Gothic"/>
+                          <a:ea typeface="Malgun Gothic"/>
+                          <a:cs typeface="Malgun Gothic"/>
+                          <a:sym typeface="Malgun Gothic"/>
+                        </a:rPr>
+                        <a:t>11</a:t>
+                      </a:r>
+                      <a:endParaRPr dirty="0"/>
+                    </a:p>
+                  </a:txBody>
+                  <a:tcPr marL="82300" marR="82300" marT="82275" marB="82275" anchor="ctr">
+                    <a:lnL w="9525" cap="flat" cmpd="sng">
+                      <a:solidFill>
+                        <a:srgbClr val="000000">
+                          <a:alpha val="0"/>
+                        </a:srgbClr>
+                      </a:solidFill>
+                      <a:prstDash val="solid"/>
+                      <a:round/>
+                      <a:headEnd type="none" w="sm" len="sm"/>
+                      <a:tailEnd type="none" w="sm" len="sm"/>
+                    </a:lnL>
+                    <a:lnR w="9525" cap="flat" cmpd="sng">
+                      <a:solidFill>
+                        <a:srgbClr val="000000">
+                          <a:alpha val="0"/>
+                        </a:srgbClr>
+                      </a:solidFill>
+                      <a:prstDash val="solid"/>
+                      <a:round/>
+                      <a:headEnd type="none" w="sm" len="sm"/>
+                      <a:tailEnd type="none" w="sm" len="sm"/>
+                    </a:lnR>
+                    <a:lnT w="9525" cap="flat" cmpd="sng">
+                      <a:solidFill>
+                        <a:srgbClr val="808080"/>
+                      </a:solidFill>
+                      <a:prstDash val="solid"/>
+                      <a:round/>
+                      <a:headEnd type="none" w="sm" len="sm"/>
+                      <a:tailEnd type="none" w="sm" len="sm"/>
+                    </a:lnT>
+                    <a:lnB w="9525" cap="flat" cmpd="sng">
+                      <a:solidFill>
+                        <a:srgbClr val="808080"/>
+                      </a:solidFill>
+                      <a:prstDash val="solid"/>
+                      <a:round/>
+                      <a:headEnd type="none" w="sm" len="sm"/>
+                      <a:tailEnd type="none" w="sm" len="sm"/>
+                    </a:lnB>
+                  </a:tcPr>
+                </a:tc>
+                <a:tc>
+                  <a:txBody>
+                    <a:bodyPr/>
+                    <a:lstStyle/>
+                    <a:p>
+                      <a:pPr marL="0" marR="0" lvl="0" indent="0" algn="l" rtl="0">
+                        <a:spcBef>
+                          <a:spcPts val="0"/>
+                        </a:spcBef>
+                        <a:spcAft>
+                          <a:spcPts val="0"/>
+                        </a:spcAft>
+                        <a:buNone/>
+                      </a:pPr>
+                      <a:endParaRPr sz="1100" b="0" i="0" u="none" strike="noStrike" cap="none">
+                        <a:solidFill>
+                          <a:srgbClr val="404040"/>
+                        </a:solidFill>
+                        <a:latin typeface="Malgun Gothic"/>
+                        <a:ea typeface="Malgun Gothic"/>
+                        <a:cs typeface="Malgun Gothic"/>
+                        <a:sym typeface="Malgun Gothic"/>
+                      </a:endParaRPr>
+                    </a:p>
+                  </a:txBody>
+                  <a:tcPr marL="142900" marR="9525" marT="9525" marB="0" anchor="ctr">
+                    <a:lnL w="9525" cap="flat" cmpd="sng">
+                      <a:solidFill>
+                        <a:srgbClr val="000000">
+                          <a:alpha val="0"/>
+                        </a:srgbClr>
+                      </a:solidFill>
+                      <a:prstDash val="solid"/>
+                      <a:round/>
+                      <a:headEnd type="none" w="sm" len="sm"/>
+                      <a:tailEnd type="none" w="sm" len="sm"/>
+                    </a:lnL>
+                    <a:lnR w="9525" cap="flat" cmpd="sng">
+                      <a:solidFill>
+                        <a:srgbClr val="000000">
+                          <a:alpha val="0"/>
+                        </a:srgbClr>
+                      </a:solidFill>
+                      <a:prstDash val="solid"/>
+                      <a:round/>
+                      <a:headEnd type="none" w="sm" len="sm"/>
+                      <a:tailEnd type="none" w="sm" len="sm"/>
+                    </a:lnR>
+                    <a:lnT w="9525" cap="flat" cmpd="sng">
+                      <a:solidFill>
+                        <a:srgbClr val="808080"/>
+                      </a:solidFill>
+                      <a:prstDash val="solid"/>
+                      <a:round/>
+                      <a:headEnd type="none" w="sm" len="sm"/>
+                      <a:tailEnd type="none" w="sm" len="sm"/>
+                    </a:lnT>
+                    <a:lnB w="9525" cap="flat" cmpd="sng">
+                      <a:solidFill>
+                        <a:srgbClr val="808080"/>
+                      </a:solidFill>
+                      <a:prstDash val="solid"/>
+                      <a:round/>
+                      <a:headEnd type="none" w="sm" len="sm"/>
+                      <a:tailEnd type="none" w="sm" len="sm"/>
+                    </a:lnB>
+                    <a:solidFill>
+                      <a:srgbClr val="F7F7F8"/>
+                    </a:solidFill>
+                  </a:tcPr>
+                </a:tc>
+                <a:tc>
+                  <a:txBody>
+                    <a:bodyPr/>
+                    <a:lstStyle/>
+                    <a:p>
+                      <a:pPr marL="0" marR="0" lvl="0" indent="0" algn="ctr" rtl="0">
+                        <a:spcBef>
+                          <a:spcPts val="0"/>
+                        </a:spcBef>
+                        <a:spcAft>
+                          <a:spcPts val="0"/>
+                        </a:spcAft>
+                        <a:buNone/>
+                      </a:pPr>
+                      <a:endParaRPr sz="1100" b="0" i="0" u="none" strike="noStrike" cap="none">
+                        <a:solidFill>
+                          <a:srgbClr val="000000"/>
+                        </a:solidFill>
+                        <a:latin typeface="Malgun Gothic"/>
+                        <a:ea typeface="Malgun Gothic"/>
+                        <a:cs typeface="Malgun Gothic"/>
+                        <a:sym typeface="Malgun Gothic"/>
+                      </a:endParaRPr>
+                    </a:p>
+                  </a:txBody>
+                  <a:tcPr marL="9525" marR="9525" marT="9525" marB="0" anchor="ctr">
+                    <a:lnL w="9525" cap="flat" cmpd="sng">
+                      <a:solidFill>
+                        <a:srgbClr val="000000">
+                          <a:alpha val="0"/>
+                        </a:srgbClr>
+                      </a:solidFill>
+                      <a:prstDash val="solid"/>
+                      <a:round/>
+                      <a:headEnd type="none" w="sm" len="sm"/>
+                      <a:tailEnd type="none" w="sm" len="sm"/>
+                    </a:lnL>
+                    <a:lnR w="9525" cap="flat" cmpd="sng">
+                      <a:solidFill>
+                        <a:srgbClr val="000000">
+                          <a:alpha val="0"/>
+                        </a:srgbClr>
+                      </a:solidFill>
+                      <a:prstDash val="solid"/>
+                      <a:round/>
+                      <a:headEnd type="none" w="sm" len="sm"/>
+                      <a:tailEnd type="none" w="sm" len="sm"/>
+                    </a:lnR>
+                    <a:lnT w="9525" cap="flat" cmpd="sng">
+                      <a:solidFill>
+                        <a:srgbClr val="808080"/>
+                      </a:solidFill>
+                      <a:prstDash val="solid"/>
+                      <a:round/>
+                      <a:headEnd type="none" w="sm" len="sm"/>
+                      <a:tailEnd type="none" w="sm" len="sm"/>
+                    </a:lnT>
+                    <a:lnB w="9525" cap="flat" cmpd="sng">
+                      <a:solidFill>
+                        <a:srgbClr val="808080"/>
+                      </a:solidFill>
+                      <a:prstDash val="solid"/>
+                      <a:round/>
+                      <a:headEnd type="none" w="sm" len="sm"/>
+                      <a:tailEnd type="none" w="sm" len="sm"/>
+                    </a:lnB>
+                    <a:solidFill>
+                      <a:schemeClr val="lt1"/>
+                    </a:solidFill>
+                  </a:tcPr>
+                </a:tc>
+                <a:extLst>
+                  <a:ext uri="{0D108BD9-81ED-4DB2-BD59-A6C34878D82A}">
+                    <a16:rowId xmlns:a16="http://schemas.microsoft.com/office/drawing/2014/main" val="10011"/>
+                  </a:ext>
+                </a:extLst>
+              </a:tr>
+              <a:tr h="332175">
+                <a:tc>
+                  <a:txBody>
+                    <a:bodyPr/>
+                    <a:lstStyle/>
+                    <a:p>
+                      <a:pPr marL="0" marR="0" lvl="0" indent="0" algn="ctr" rtl="0">
+                        <a:spcBef>
+                          <a:spcPts val="0"/>
+                        </a:spcBef>
+                        <a:spcAft>
+                          <a:spcPts val="0"/>
+                        </a:spcAft>
+                        <a:buNone/>
+                      </a:pPr>
+                      <a:r>
+                        <a:rPr lang="ko-KR" sz="1100" b="0" u="none" strike="noStrike" cap="none" dirty="0">
+                          <a:solidFill>
+                            <a:srgbClr val="5F5F5F"/>
+                          </a:solidFill>
+                          <a:latin typeface="Malgun Gothic"/>
+                          <a:ea typeface="Malgun Gothic"/>
+                          <a:cs typeface="Malgun Gothic"/>
+                          <a:sym typeface="Malgun Gothic"/>
+                        </a:rPr>
+                        <a:t>12</a:t>
+                      </a:r>
+                      <a:endParaRPr dirty="0"/>
                     </a:p>
                   </a:txBody>
                   <a:tcPr marL="82300" marR="82300" marT="82275" marB="82275" anchor="ctr">
@@ -14885,7 +17137,7 @@
                       </a:pPr>
                       <a:endParaRPr sz="1100" b="0" i="0" u="none" strike="noStrike" cap="none">
                         <a:solidFill>
-                          <a:srgbClr val="000000"/>
+                          <a:srgbClr val="404040"/>
                         </a:solidFill>
                         <a:latin typeface="Malgun Gothic"/>
                         <a:ea typeface="Malgun Gothic"/>
@@ -14942,7 +17194,7 @@
                 </a:tc>
                 <a:extLst>
                   <a:ext uri="{0D108BD9-81ED-4DB2-BD59-A6C34878D82A}">
-                    <a16:rowId xmlns:a16="http://schemas.microsoft.com/office/drawing/2014/main" val="10004"/>
+                    <a16:rowId xmlns:a16="http://schemas.microsoft.com/office/drawing/2014/main" val="10012"/>
                   </a:ext>
                 </a:extLst>
               </a:tr>
@@ -14962,7 +17214,7 @@
                         <a:buNone/>
                       </a:pPr>
                       <a:r>
-                        <a:rPr lang="ko-KR" sz="1100" b="0" u="none" strike="noStrike" cap="none">
+                        <a:rPr lang="ko-KR" sz="1100" b="0" u="none" strike="noStrike" cap="none" dirty="0">
                           <a:solidFill>
                             <a:srgbClr val="5F5F5F"/>
                           </a:solidFill>
@@ -14971,9 +17223,9 @@
                           <a:cs typeface="Malgun Gothic"/>
                           <a:sym typeface="Malgun Gothic"/>
                         </a:rPr>
-                        <a:t>5</a:t>
+                        <a:t>13</a:t>
                       </a:r>
-                      <a:endParaRPr/>
+                      <a:endParaRPr dirty="0"/>
                     </a:p>
                   </a:txBody>
                   <a:tcPr marL="82300" marR="82300" marT="82275" marB="82275" anchor="ctr">
@@ -15114,1806 +17366,6 @@
                       </a:pPr>
                       <a:endParaRPr sz="1100" b="0" i="0" u="none" strike="noStrike" cap="none">
                         <a:solidFill>
-                          <a:srgbClr val="000000"/>
-                        </a:solidFill>
-                        <a:latin typeface="Malgun Gothic"/>
-                        <a:ea typeface="Malgun Gothic"/>
-                        <a:cs typeface="Malgun Gothic"/>
-                        <a:sym typeface="Malgun Gothic"/>
-                      </a:endParaRPr>
-                    </a:p>
-                  </a:txBody>
-                  <a:tcPr marL="9525" marR="9525" marT="9525" marB="0" anchor="ctr">
-                    <a:lnL w="9525" cap="flat" cmpd="sng">
-                      <a:solidFill>
-                        <a:srgbClr val="000000">
-                          <a:alpha val="0"/>
-                        </a:srgbClr>
-                      </a:solidFill>
-                      <a:prstDash val="solid"/>
-                      <a:round/>
-                      <a:headEnd type="none" w="sm" len="sm"/>
-                      <a:tailEnd type="none" w="sm" len="sm"/>
-                    </a:lnL>
-                    <a:lnR w="9525" cap="flat" cmpd="sng">
-                      <a:solidFill>
-                        <a:srgbClr val="000000">
-                          <a:alpha val="0"/>
-                        </a:srgbClr>
-                      </a:solidFill>
-                      <a:prstDash val="solid"/>
-                      <a:round/>
-                      <a:headEnd type="none" w="sm" len="sm"/>
-                      <a:tailEnd type="none" w="sm" len="sm"/>
-                    </a:lnR>
-                    <a:lnT w="9525" cap="flat" cmpd="sng">
-                      <a:solidFill>
-                        <a:srgbClr val="808080"/>
-                      </a:solidFill>
-                      <a:prstDash val="solid"/>
-                      <a:round/>
-                      <a:headEnd type="none" w="sm" len="sm"/>
-                      <a:tailEnd type="none" w="sm" len="sm"/>
-                    </a:lnT>
-                    <a:lnB w="9525" cap="flat" cmpd="sng">
-                      <a:solidFill>
-                        <a:srgbClr val="808080"/>
-                      </a:solidFill>
-                      <a:prstDash val="solid"/>
-                      <a:round/>
-                      <a:headEnd type="none" w="sm" len="sm"/>
-                      <a:tailEnd type="none" w="sm" len="sm"/>
-                    </a:lnB>
-                    <a:solidFill>
-                      <a:schemeClr val="lt1"/>
-                    </a:solidFill>
-                  </a:tcPr>
-                </a:tc>
-                <a:extLst>
-                  <a:ext uri="{0D108BD9-81ED-4DB2-BD59-A6C34878D82A}">
-                    <a16:rowId xmlns:a16="http://schemas.microsoft.com/office/drawing/2014/main" val="10005"/>
-                  </a:ext>
-                </a:extLst>
-              </a:tr>
-              <a:tr h="332175">
-                <a:tc>
-                  <a:txBody>
-                    <a:bodyPr/>
-                    <a:lstStyle/>
-                    <a:p>
-                      <a:pPr marL="0" marR="0" lvl="0" indent="0" algn="ctr" rtl="0">
-                        <a:spcBef>
-                          <a:spcPts val="0"/>
-                        </a:spcBef>
-                        <a:spcAft>
-                          <a:spcPts val="0"/>
-                        </a:spcAft>
-                        <a:buNone/>
-                      </a:pPr>
-                      <a:r>
-                        <a:rPr lang="ko-KR" sz="1100" b="0" u="none" strike="noStrike" cap="none">
-                          <a:solidFill>
-                            <a:srgbClr val="5F5F5F"/>
-                          </a:solidFill>
-                          <a:latin typeface="Malgun Gothic"/>
-                          <a:ea typeface="Malgun Gothic"/>
-                          <a:cs typeface="Malgun Gothic"/>
-                          <a:sym typeface="Malgun Gothic"/>
-                        </a:rPr>
-                        <a:t>6</a:t>
-                      </a:r>
-                      <a:endParaRPr/>
-                    </a:p>
-                  </a:txBody>
-                  <a:tcPr marL="82300" marR="82300" marT="82275" marB="82275" anchor="ctr">
-                    <a:lnL w="9525" cap="flat" cmpd="sng">
-                      <a:solidFill>
-                        <a:srgbClr val="000000">
-                          <a:alpha val="0"/>
-                        </a:srgbClr>
-                      </a:solidFill>
-                      <a:prstDash val="solid"/>
-                      <a:round/>
-                      <a:headEnd type="none" w="sm" len="sm"/>
-                      <a:tailEnd type="none" w="sm" len="sm"/>
-                    </a:lnL>
-                    <a:lnR w="9525" cap="flat" cmpd="sng">
-                      <a:solidFill>
-                        <a:srgbClr val="000000">
-                          <a:alpha val="0"/>
-                        </a:srgbClr>
-                      </a:solidFill>
-                      <a:prstDash val="solid"/>
-                      <a:round/>
-                      <a:headEnd type="none" w="sm" len="sm"/>
-                      <a:tailEnd type="none" w="sm" len="sm"/>
-                    </a:lnR>
-                    <a:lnT w="9525" cap="flat" cmpd="sng">
-                      <a:solidFill>
-                        <a:srgbClr val="808080"/>
-                      </a:solidFill>
-                      <a:prstDash val="solid"/>
-                      <a:round/>
-                      <a:headEnd type="none" w="sm" len="sm"/>
-                      <a:tailEnd type="none" w="sm" len="sm"/>
-                    </a:lnT>
-                    <a:lnB w="9525" cap="flat" cmpd="sng">
-                      <a:solidFill>
-                        <a:srgbClr val="808080"/>
-                      </a:solidFill>
-                      <a:prstDash val="solid"/>
-                      <a:round/>
-                      <a:headEnd type="none" w="sm" len="sm"/>
-                      <a:tailEnd type="none" w="sm" len="sm"/>
-                    </a:lnB>
-                  </a:tcPr>
-                </a:tc>
-                <a:tc>
-                  <a:txBody>
-                    <a:bodyPr/>
-                    <a:lstStyle/>
-                    <a:p>
-                      <a:pPr marL="0" marR="0" lvl="0" indent="0" algn="l" rtl="0">
-                        <a:lnSpc>
-                          <a:spcPct val="100000"/>
-                        </a:lnSpc>
-                        <a:spcBef>
-                          <a:spcPts val="0"/>
-                        </a:spcBef>
-                        <a:spcAft>
-                          <a:spcPts val="0"/>
-                        </a:spcAft>
-                        <a:buClr>
-                          <a:schemeClr val="dk1"/>
-                        </a:buClr>
-                        <a:buSzPts val="1100"/>
-                        <a:buFont typeface="Malgun Gothic"/>
-                        <a:buNone/>
-                      </a:pPr>
-                      <a:endParaRPr sz="1100" b="0" i="0" u="none" strike="noStrike" cap="none">
-                        <a:solidFill>
-                          <a:srgbClr val="404040"/>
-                        </a:solidFill>
-                        <a:latin typeface="Malgun Gothic"/>
-                        <a:ea typeface="Malgun Gothic"/>
-                        <a:cs typeface="Malgun Gothic"/>
-                        <a:sym typeface="Malgun Gothic"/>
-                      </a:endParaRPr>
-                    </a:p>
-                  </a:txBody>
-                  <a:tcPr marL="142900" marR="9525" marT="9525" marB="0" anchor="ctr">
-                    <a:lnL w="9525" cap="flat" cmpd="sng">
-                      <a:solidFill>
-                        <a:srgbClr val="000000">
-                          <a:alpha val="0"/>
-                        </a:srgbClr>
-                      </a:solidFill>
-                      <a:prstDash val="solid"/>
-                      <a:round/>
-                      <a:headEnd type="none" w="sm" len="sm"/>
-                      <a:tailEnd type="none" w="sm" len="sm"/>
-                    </a:lnL>
-                    <a:lnR w="9525" cap="flat" cmpd="sng">
-                      <a:solidFill>
-                        <a:srgbClr val="000000">
-                          <a:alpha val="0"/>
-                        </a:srgbClr>
-                      </a:solidFill>
-                      <a:prstDash val="solid"/>
-                      <a:round/>
-                      <a:headEnd type="none" w="sm" len="sm"/>
-                      <a:tailEnd type="none" w="sm" len="sm"/>
-                    </a:lnR>
-                    <a:lnT w="9525" cap="flat" cmpd="sng">
-                      <a:solidFill>
-                        <a:srgbClr val="808080"/>
-                      </a:solidFill>
-                      <a:prstDash val="solid"/>
-                      <a:round/>
-                      <a:headEnd type="none" w="sm" len="sm"/>
-                      <a:tailEnd type="none" w="sm" len="sm"/>
-                    </a:lnT>
-                    <a:lnB w="9525" cap="flat" cmpd="sng">
-                      <a:solidFill>
-                        <a:srgbClr val="808080"/>
-                      </a:solidFill>
-                      <a:prstDash val="solid"/>
-                      <a:round/>
-                      <a:headEnd type="none" w="sm" len="sm"/>
-                      <a:tailEnd type="none" w="sm" len="sm"/>
-                    </a:lnB>
-                    <a:solidFill>
-                      <a:srgbClr val="F7F7F8"/>
-                    </a:solidFill>
-                  </a:tcPr>
-                </a:tc>
-                <a:tc>
-                  <a:txBody>
-                    <a:bodyPr/>
-                    <a:lstStyle/>
-                    <a:p>
-                      <a:pPr marL="0" marR="0" lvl="0" indent="0" algn="ctr" rtl="0">
-                        <a:spcBef>
-                          <a:spcPts val="0"/>
-                        </a:spcBef>
-                        <a:spcAft>
-                          <a:spcPts val="0"/>
-                        </a:spcAft>
-                        <a:buNone/>
-                      </a:pPr>
-                      <a:endParaRPr sz="1100" b="0" i="0" u="none" strike="noStrike" cap="none">
-                        <a:solidFill>
-                          <a:srgbClr val="404040"/>
-                        </a:solidFill>
-                        <a:latin typeface="Malgun Gothic"/>
-                        <a:ea typeface="Malgun Gothic"/>
-                        <a:cs typeface="Malgun Gothic"/>
-                        <a:sym typeface="Malgun Gothic"/>
-                      </a:endParaRPr>
-                    </a:p>
-                  </a:txBody>
-                  <a:tcPr marL="9525" marR="9525" marT="9525" marB="0" anchor="ctr">
-                    <a:lnL w="9525" cap="flat" cmpd="sng">
-                      <a:solidFill>
-                        <a:srgbClr val="000000">
-                          <a:alpha val="0"/>
-                        </a:srgbClr>
-                      </a:solidFill>
-                      <a:prstDash val="solid"/>
-                      <a:round/>
-                      <a:headEnd type="none" w="sm" len="sm"/>
-                      <a:tailEnd type="none" w="sm" len="sm"/>
-                    </a:lnL>
-                    <a:lnR w="9525" cap="flat" cmpd="sng">
-                      <a:solidFill>
-                        <a:srgbClr val="000000">
-                          <a:alpha val="0"/>
-                        </a:srgbClr>
-                      </a:solidFill>
-                      <a:prstDash val="solid"/>
-                      <a:round/>
-                      <a:headEnd type="none" w="sm" len="sm"/>
-                      <a:tailEnd type="none" w="sm" len="sm"/>
-                    </a:lnR>
-                    <a:lnT w="9525" cap="flat" cmpd="sng">
-                      <a:solidFill>
-                        <a:srgbClr val="808080"/>
-                      </a:solidFill>
-                      <a:prstDash val="solid"/>
-                      <a:round/>
-                      <a:headEnd type="none" w="sm" len="sm"/>
-                      <a:tailEnd type="none" w="sm" len="sm"/>
-                    </a:lnT>
-                    <a:lnB w="9525" cap="flat" cmpd="sng">
-                      <a:solidFill>
-                        <a:srgbClr val="808080"/>
-                      </a:solidFill>
-                      <a:prstDash val="solid"/>
-                      <a:round/>
-                      <a:headEnd type="none" w="sm" len="sm"/>
-                      <a:tailEnd type="none" w="sm" len="sm"/>
-                    </a:lnB>
-                    <a:solidFill>
-                      <a:schemeClr val="lt1"/>
-                    </a:solidFill>
-                  </a:tcPr>
-                </a:tc>
-                <a:extLst>
-                  <a:ext uri="{0D108BD9-81ED-4DB2-BD59-A6C34878D82A}">
-                    <a16:rowId xmlns:a16="http://schemas.microsoft.com/office/drawing/2014/main" val="10006"/>
-                  </a:ext>
-                </a:extLst>
-              </a:tr>
-              <a:tr h="332175">
-                <a:tc>
-                  <a:txBody>
-                    <a:bodyPr/>
-                    <a:lstStyle/>
-                    <a:p>
-                      <a:pPr marL="0" marR="0" lvl="0" indent="0" algn="ctr" rtl="0">
-                        <a:spcBef>
-                          <a:spcPts val="0"/>
-                        </a:spcBef>
-                        <a:spcAft>
-                          <a:spcPts val="0"/>
-                        </a:spcAft>
-                        <a:buNone/>
-                      </a:pPr>
-                      <a:r>
-                        <a:rPr lang="ko-KR" sz="1100" b="0" u="none" strike="noStrike" cap="none">
-                          <a:solidFill>
-                            <a:srgbClr val="5F5F5F"/>
-                          </a:solidFill>
-                          <a:latin typeface="Malgun Gothic"/>
-                          <a:ea typeface="Malgun Gothic"/>
-                          <a:cs typeface="Malgun Gothic"/>
-                          <a:sym typeface="Malgun Gothic"/>
-                        </a:rPr>
-                        <a:t>7</a:t>
-                      </a:r>
-                      <a:endParaRPr/>
-                    </a:p>
-                  </a:txBody>
-                  <a:tcPr marL="82300" marR="82300" marT="82275" marB="82275" anchor="ctr">
-                    <a:lnL w="9525" cap="flat" cmpd="sng">
-                      <a:solidFill>
-                        <a:srgbClr val="000000">
-                          <a:alpha val="0"/>
-                        </a:srgbClr>
-                      </a:solidFill>
-                      <a:prstDash val="solid"/>
-                      <a:round/>
-                      <a:headEnd type="none" w="sm" len="sm"/>
-                      <a:tailEnd type="none" w="sm" len="sm"/>
-                    </a:lnL>
-                    <a:lnR w="9525" cap="flat" cmpd="sng">
-                      <a:solidFill>
-                        <a:srgbClr val="000000">
-                          <a:alpha val="0"/>
-                        </a:srgbClr>
-                      </a:solidFill>
-                      <a:prstDash val="solid"/>
-                      <a:round/>
-                      <a:headEnd type="none" w="sm" len="sm"/>
-                      <a:tailEnd type="none" w="sm" len="sm"/>
-                    </a:lnR>
-                    <a:lnT w="9525" cap="flat" cmpd="sng">
-                      <a:solidFill>
-                        <a:srgbClr val="808080"/>
-                      </a:solidFill>
-                      <a:prstDash val="solid"/>
-                      <a:round/>
-                      <a:headEnd type="none" w="sm" len="sm"/>
-                      <a:tailEnd type="none" w="sm" len="sm"/>
-                    </a:lnT>
-                    <a:lnB w="9525" cap="flat" cmpd="sng">
-                      <a:solidFill>
-                        <a:srgbClr val="808080"/>
-                      </a:solidFill>
-                      <a:prstDash val="solid"/>
-                      <a:round/>
-                      <a:headEnd type="none" w="sm" len="sm"/>
-                      <a:tailEnd type="none" w="sm" len="sm"/>
-                    </a:lnB>
-                  </a:tcPr>
-                </a:tc>
-                <a:tc>
-                  <a:txBody>
-                    <a:bodyPr/>
-                    <a:lstStyle/>
-                    <a:p>
-                      <a:pPr marL="0" marR="0" lvl="0" indent="0" algn="l" rtl="0">
-                        <a:lnSpc>
-                          <a:spcPct val="100000"/>
-                        </a:lnSpc>
-                        <a:spcBef>
-                          <a:spcPts val="0"/>
-                        </a:spcBef>
-                        <a:spcAft>
-                          <a:spcPts val="0"/>
-                        </a:spcAft>
-                        <a:buClr>
-                          <a:schemeClr val="dk1"/>
-                        </a:buClr>
-                        <a:buSzPts val="1100"/>
-                        <a:buFont typeface="Malgun Gothic"/>
-                        <a:buNone/>
-                      </a:pPr>
-                      <a:endParaRPr sz="1100" b="0" i="0" u="none" strike="noStrike" cap="none">
-                        <a:solidFill>
-                          <a:srgbClr val="000000"/>
-                        </a:solidFill>
-                        <a:latin typeface="Malgun Gothic"/>
-                        <a:ea typeface="Malgun Gothic"/>
-                        <a:cs typeface="Malgun Gothic"/>
-                        <a:sym typeface="Malgun Gothic"/>
-                      </a:endParaRPr>
-                    </a:p>
-                  </a:txBody>
-                  <a:tcPr marL="142900" marR="9525" marT="9525" marB="0" anchor="ctr">
-                    <a:lnL w="9525" cap="flat" cmpd="sng">
-                      <a:solidFill>
-                        <a:srgbClr val="000000">
-                          <a:alpha val="0"/>
-                        </a:srgbClr>
-                      </a:solidFill>
-                      <a:prstDash val="solid"/>
-                      <a:round/>
-                      <a:headEnd type="none" w="sm" len="sm"/>
-                      <a:tailEnd type="none" w="sm" len="sm"/>
-                    </a:lnL>
-                    <a:lnR w="9525" cap="flat" cmpd="sng">
-                      <a:solidFill>
-                        <a:srgbClr val="000000">
-                          <a:alpha val="0"/>
-                        </a:srgbClr>
-                      </a:solidFill>
-                      <a:prstDash val="solid"/>
-                      <a:round/>
-                      <a:headEnd type="none" w="sm" len="sm"/>
-                      <a:tailEnd type="none" w="sm" len="sm"/>
-                    </a:lnR>
-                    <a:lnT w="9525" cap="flat" cmpd="sng">
-                      <a:solidFill>
-                        <a:srgbClr val="808080"/>
-                      </a:solidFill>
-                      <a:prstDash val="solid"/>
-                      <a:round/>
-                      <a:headEnd type="none" w="sm" len="sm"/>
-                      <a:tailEnd type="none" w="sm" len="sm"/>
-                    </a:lnT>
-                    <a:lnB w="9525" cap="flat" cmpd="sng">
-                      <a:solidFill>
-                        <a:srgbClr val="808080"/>
-                      </a:solidFill>
-                      <a:prstDash val="solid"/>
-                      <a:round/>
-                      <a:headEnd type="none" w="sm" len="sm"/>
-                      <a:tailEnd type="none" w="sm" len="sm"/>
-                    </a:lnB>
-                    <a:solidFill>
-                      <a:srgbClr val="F7F7F8"/>
-                    </a:solidFill>
-                  </a:tcPr>
-                </a:tc>
-                <a:tc>
-                  <a:txBody>
-                    <a:bodyPr/>
-                    <a:lstStyle/>
-                    <a:p>
-                      <a:pPr marL="0" marR="0" lvl="0" indent="0" algn="ctr" rtl="0">
-                        <a:spcBef>
-                          <a:spcPts val="0"/>
-                        </a:spcBef>
-                        <a:spcAft>
-                          <a:spcPts val="0"/>
-                        </a:spcAft>
-                        <a:buNone/>
-                      </a:pPr>
-                      <a:endParaRPr sz="1100" b="0" i="0" u="none" strike="noStrike" cap="none">
-                        <a:solidFill>
-                          <a:srgbClr val="000000"/>
-                        </a:solidFill>
-                        <a:latin typeface="Malgun Gothic"/>
-                        <a:ea typeface="Malgun Gothic"/>
-                        <a:cs typeface="Malgun Gothic"/>
-                        <a:sym typeface="Malgun Gothic"/>
-                      </a:endParaRPr>
-                    </a:p>
-                  </a:txBody>
-                  <a:tcPr marL="9525" marR="9525" marT="9525" marB="0" anchor="ctr">
-                    <a:lnL w="9525" cap="flat" cmpd="sng">
-                      <a:solidFill>
-                        <a:srgbClr val="000000">
-                          <a:alpha val="0"/>
-                        </a:srgbClr>
-                      </a:solidFill>
-                      <a:prstDash val="solid"/>
-                      <a:round/>
-                      <a:headEnd type="none" w="sm" len="sm"/>
-                      <a:tailEnd type="none" w="sm" len="sm"/>
-                    </a:lnL>
-                    <a:lnR w="9525" cap="flat" cmpd="sng">
-                      <a:solidFill>
-                        <a:srgbClr val="000000">
-                          <a:alpha val="0"/>
-                        </a:srgbClr>
-                      </a:solidFill>
-                      <a:prstDash val="solid"/>
-                      <a:round/>
-                      <a:headEnd type="none" w="sm" len="sm"/>
-                      <a:tailEnd type="none" w="sm" len="sm"/>
-                    </a:lnR>
-                    <a:lnT w="9525" cap="flat" cmpd="sng">
-                      <a:solidFill>
-                        <a:srgbClr val="808080"/>
-                      </a:solidFill>
-                      <a:prstDash val="solid"/>
-                      <a:round/>
-                      <a:headEnd type="none" w="sm" len="sm"/>
-                      <a:tailEnd type="none" w="sm" len="sm"/>
-                    </a:lnT>
-                    <a:lnB w="9525" cap="flat" cmpd="sng">
-                      <a:solidFill>
-                        <a:srgbClr val="808080"/>
-                      </a:solidFill>
-                      <a:prstDash val="solid"/>
-                      <a:round/>
-                      <a:headEnd type="none" w="sm" len="sm"/>
-                      <a:tailEnd type="none" w="sm" len="sm"/>
-                    </a:lnB>
-                    <a:solidFill>
-                      <a:schemeClr val="lt1"/>
-                    </a:solidFill>
-                  </a:tcPr>
-                </a:tc>
-                <a:extLst>
-                  <a:ext uri="{0D108BD9-81ED-4DB2-BD59-A6C34878D82A}">
-                    <a16:rowId xmlns:a16="http://schemas.microsoft.com/office/drawing/2014/main" val="10007"/>
-                  </a:ext>
-                </a:extLst>
-              </a:tr>
-              <a:tr h="332175">
-                <a:tc>
-                  <a:txBody>
-                    <a:bodyPr/>
-                    <a:lstStyle/>
-                    <a:p>
-                      <a:pPr marL="0" marR="0" lvl="0" indent="0" algn="ctr" rtl="0">
-                        <a:spcBef>
-                          <a:spcPts val="0"/>
-                        </a:spcBef>
-                        <a:spcAft>
-                          <a:spcPts val="0"/>
-                        </a:spcAft>
-                        <a:buNone/>
-                      </a:pPr>
-                      <a:r>
-                        <a:rPr lang="ko-KR" sz="1100" b="0" u="none" strike="noStrike" cap="none">
-                          <a:solidFill>
-                            <a:srgbClr val="5F5F5F"/>
-                          </a:solidFill>
-                          <a:latin typeface="Malgun Gothic"/>
-                          <a:ea typeface="Malgun Gothic"/>
-                          <a:cs typeface="Malgun Gothic"/>
-                          <a:sym typeface="Malgun Gothic"/>
-                        </a:rPr>
-                        <a:t>8</a:t>
-                      </a:r>
-                      <a:endParaRPr/>
-                    </a:p>
-                  </a:txBody>
-                  <a:tcPr marL="82300" marR="82300" marT="82275" marB="82275" anchor="ctr">
-                    <a:lnL w="9525" cap="flat" cmpd="sng">
-                      <a:solidFill>
-                        <a:srgbClr val="000000">
-                          <a:alpha val="0"/>
-                        </a:srgbClr>
-                      </a:solidFill>
-                      <a:prstDash val="solid"/>
-                      <a:round/>
-                      <a:headEnd type="none" w="sm" len="sm"/>
-                      <a:tailEnd type="none" w="sm" len="sm"/>
-                    </a:lnL>
-                    <a:lnR w="9525" cap="flat" cmpd="sng">
-                      <a:solidFill>
-                        <a:srgbClr val="000000">
-                          <a:alpha val="0"/>
-                        </a:srgbClr>
-                      </a:solidFill>
-                      <a:prstDash val="solid"/>
-                      <a:round/>
-                      <a:headEnd type="none" w="sm" len="sm"/>
-                      <a:tailEnd type="none" w="sm" len="sm"/>
-                    </a:lnR>
-                    <a:lnT w="9525" cap="flat" cmpd="sng">
-                      <a:solidFill>
-                        <a:srgbClr val="808080"/>
-                      </a:solidFill>
-                      <a:prstDash val="solid"/>
-                      <a:round/>
-                      <a:headEnd type="none" w="sm" len="sm"/>
-                      <a:tailEnd type="none" w="sm" len="sm"/>
-                    </a:lnT>
-                    <a:lnB w="9525" cap="flat" cmpd="sng">
-                      <a:solidFill>
-                        <a:srgbClr val="808080"/>
-                      </a:solidFill>
-                      <a:prstDash val="solid"/>
-                      <a:round/>
-                      <a:headEnd type="none" w="sm" len="sm"/>
-                      <a:tailEnd type="none" w="sm" len="sm"/>
-                    </a:lnB>
-                  </a:tcPr>
-                </a:tc>
-                <a:tc>
-                  <a:txBody>
-                    <a:bodyPr/>
-                    <a:lstStyle/>
-                    <a:p>
-                      <a:pPr marL="0" marR="0" lvl="0" indent="0" algn="l" rtl="0">
-                        <a:spcBef>
-                          <a:spcPts val="0"/>
-                        </a:spcBef>
-                        <a:spcAft>
-                          <a:spcPts val="0"/>
-                        </a:spcAft>
-                        <a:buNone/>
-                      </a:pPr>
-                      <a:endParaRPr sz="1100" b="0" i="0" u="none" strike="noStrike" cap="none">
-                        <a:solidFill>
-                          <a:srgbClr val="000000"/>
-                        </a:solidFill>
-                        <a:latin typeface="Malgun Gothic"/>
-                        <a:ea typeface="Malgun Gothic"/>
-                        <a:cs typeface="Malgun Gothic"/>
-                        <a:sym typeface="Malgun Gothic"/>
-                      </a:endParaRPr>
-                    </a:p>
-                  </a:txBody>
-                  <a:tcPr marL="142900" marR="9525" marT="9525" marB="0" anchor="ctr">
-                    <a:lnL w="9525" cap="flat" cmpd="sng">
-                      <a:solidFill>
-                        <a:srgbClr val="000000">
-                          <a:alpha val="0"/>
-                        </a:srgbClr>
-                      </a:solidFill>
-                      <a:prstDash val="solid"/>
-                      <a:round/>
-                      <a:headEnd type="none" w="sm" len="sm"/>
-                      <a:tailEnd type="none" w="sm" len="sm"/>
-                    </a:lnL>
-                    <a:lnR w="9525" cap="flat" cmpd="sng">
-                      <a:solidFill>
-                        <a:srgbClr val="000000">
-                          <a:alpha val="0"/>
-                        </a:srgbClr>
-                      </a:solidFill>
-                      <a:prstDash val="solid"/>
-                      <a:round/>
-                      <a:headEnd type="none" w="sm" len="sm"/>
-                      <a:tailEnd type="none" w="sm" len="sm"/>
-                    </a:lnR>
-                    <a:lnT w="9525" cap="flat" cmpd="sng">
-                      <a:solidFill>
-                        <a:srgbClr val="808080"/>
-                      </a:solidFill>
-                      <a:prstDash val="solid"/>
-                      <a:round/>
-                      <a:headEnd type="none" w="sm" len="sm"/>
-                      <a:tailEnd type="none" w="sm" len="sm"/>
-                    </a:lnT>
-                    <a:lnB w="9525" cap="flat" cmpd="sng">
-                      <a:solidFill>
-                        <a:srgbClr val="808080"/>
-                      </a:solidFill>
-                      <a:prstDash val="solid"/>
-                      <a:round/>
-                      <a:headEnd type="none" w="sm" len="sm"/>
-                      <a:tailEnd type="none" w="sm" len="sm"/>
-                    </a:lnB>
-                    <a:solidFill>
-                      <a:srgbClr val="F7F7F8"/>
-                    </a:solidFill>
-                  </a:tcPr>
-                </a:tc>
-                <a:tc>
-                  <a:txBody>
-                    <a:bodyPr/>
-                    <a:lstStyle/>
-                    <a:p>
-                      <a:pPr marL="0" marR="0" lvl="0" indent="0" algn="ctr" rtl="0">
-                        <a:spcBef>
-                          <a:spcPts val="0"/>
-                        </a:spcBef>
-                        <a:spcAft>
-                          <a:spcPts val="0"/>
-                        </a:spcAft>
-                        <a:buNone/>
-                      </a:pPr>
-                      <a:endParaRPr sz="1100" b="0" i="0" u="none" strike="noStrike" cap="none">
-                        <a:solidFill>
-                          <a:srgbClr val="000000"/>
-                        </a:solidFill>
-                        <a:latin typeface="Malgun Gothic"/>
-                        <a:ea typeface="Malgun Gothic"/>
-                        <a:cs typeface="Malgun Gothic"/>
-                        <a:sym typeface="Malgun Gothic"/>
-                      </a:endParaRPr>
-                    </a:p>
-                  </a:txBody>
-                  <a:tcPr marL="9525" marR="9525" marT="9525" marB="0" anchor="ctr">
-                    <a:lnL w="9525" cap="flat" cmpd="sng">
-                      <a:solidFill>
-                        <a:srgbClr val="000000">
-                          <a:alpha val="0"/>
-                        </a:srgbClr>
-                      </a:solidFill>
-                      <a:prstDash val="solid"/>
-                      <a:round/>
-                      <a:headEnd type="none" w="sm" len="sm"/>
-                      <a:tailEnd type="none" w="sm" len="sm"/>
-                    </a:lnL>
-                    <a:lnR w="9525" cap="flat" cmpd="sng">
-                      <a:solidFill>
-                        <a:srgbClr val="000000">
-                          <a:alpha val="0"/>
-                        </a:srgbClr>
-                      </a:solidFill>
-                      <a:prstDash val="solid"/>
-                      <a:round/>
-                      <a:headEnd type="none" w="sm" len="sm"/>
-                      <a:tailEnd type="none" w="sm" len="sm"/>
-                    </a:lnR>
-                    <a:lnT w="9525" cap="flat" cmpd="sng">
-                      <a:solidFill>
-                        <a:srgbClr val="808080"/>
-                      </a:solidFill>
-                      <a:prstDash val="solid"/>
-                      <a:round/>
-                      <a:headEnd type="none" w="sm" len="sm"/>
-                      <a:tailEnd type="none" w="sm" len="sm"/>
-                    </a:lnT>
-                    <a:lnB w="9525" cap="flat" cmpd="sng">
-                      <a:solidFill>
-                        <a:srgbClr val="808080"/>
-                      </a:solidFill>
-                      <a:prstDash val="solid"/>
-                      <a:round/>
-                      <a:headEnd type="none" w="sm" len="sm"/>
-                      <a:tailEnd type="none" w="sm" len="sm"/>
-                    </a:lnB>
-                    <a:solidFill>
-                      <a:schemeClr val="lt1"/>
-                    </a:solidFill>
-                  </a:tcPr>
-                </a:tc>
-                <a:extLst>
-                  <a:ext uri="{0D108BD9-81ED-4DB2-BD59-A6C34878D82A}">
-                    <a16:rowId xmlns:a16="http://schemas.microsoft.com/office/drawing/2014/main" val="10008"/>
-                  </a:ext>
-                </a:extLst>
-              </a:tr>
-              <a:tr h="332175">
-                <a:tc>
-                  <a:txBody>
-                    <a:bodyPr/>
-                    <a:lstStyle/>
-                    <a:p>
-                      <a:pPr marL="0" marR="0" lvl="0" indent="0" algn="ctr" rtl="0">
-                        <a:spcBef>
-                          <a:spcPts val="0"/>
-                        </a:spcBef>
-                        <a:spcAft>
-                          <a:spcPts val="0"/>
-                        </a:spcAft>
-                        <a:buNone/>
-                      </a:pPr>
-                      <a:r>
-                        <a:rPr lang="ko-KR" sz="1100" b="0" u="none" strike="noStrike" cap="none">
-                          <a:solidFill>
-                            <a:srgbClr val="5F5F5F"/>
-                          </a:solidFill>
-                          <a:latin typeface="Malgun Gothic"/>
-                          <a:ea typeface="Malgun Gothic"/>
-                          <a:cs typeface="Malgun Gothic"/>
-                          <a:sym typeface="Malgun Gothic"/>
-                        </a:rPr>
-                        <a:t>9</a:t>
-                      </a:r>
-                      <a:endParaRPr/>
-                    </a:p>
-                  </a:txBody>
-                  <a:tcPr marL="82300" marR="82300" marT="82275" marB="82275" anchor="ctr">
-                    <a:lnL w="9525" cap="flat" cmpd="sng">
-                      <a:solidFill>
-                        <a:srgbClr val="000000">
-                          <a:alpha val="0"/>
-                        </a:srgbClr>
-                      </a:solidFill>
-                      <a:prstDash val="solid"/>
-                      <a:round/>
-                      <a:headEnd type="none" w="sm" len="sm"/>
-                      <a:tailEnd type="none" w="sm" len="sm"/>
-                    </a:lnL>
-                    <a:lnR w="9525" cap="flat" cmpd="sng">
-                      <a:solidFill>
-                        <a:srgbClr val="000000">
-                          <a:alpha val="0"/>
-                        </a:srgbClr>
-                      </a:solidFill>
-                      <a:prstDash val="solid"/>
-                      <a:round/>
-                      <a:headEnd type="none" w="sm" len="sm"/>
-                      <a:tailEnd type="none" w="sm" len="sm"/>
-                    </a:lnR>
-                    <a:lnT w="9525" cap="flat" cmpd="sng">
-                      <a:solidFill>
-                        <a:srgbClr val="808080"/>
-                      </a:solidFill>
-                      <a:prstDash val="solid"/>
-                      <a:round/>
-                      <a:headEnd type="none" w="sm" len="sm"/>
-                      <a:tailEnd type="none" w="sm" len="sm"/>
-                    </a:lnT>
-                    <a:lnB w="9525" cap="flat" cmpd="sng">
-                      <a:solidFill>
-                        <a:srgbClr val="808080"/>
-                      </a:solidFill>
-                      <a:prstDash val="solid"/>
-                      <a:round/>
-                      <a:headEnd type="none" w="sm" len="sm"/>
-                      <a:tailEnd type="none" w="sm" len="sm"/>
-                    </a:lnB>
-                  </a:tcPr>
-                </a:tc>
-                <a:tc>
-                  <a:txBody>
-                    <a:bodyPr/>
-                    <a:lstStyle/>
-                    <a:p>
-                      <a:pPr marL="0" marR="0" lvl="0" indent="0" algn="l" rtl="0">
-                        <a:spcBef>
-                          <a:spcPts val="0"/>
-                        </a:spcBef>
-                        <a:spcAft>
-                          <a:spcPts val="0"/>
-                        </a:spcAft>
-                        <a:buNone/>
-                      </a:pPr>
-                      <a:endParaRPr sz="1100" b="0" i="0" u="none" strike="noStrike" cap="none">
-                        <a:solidFill>
-                          <a:srgbClr val="000000"/>
-                        </a:solidFill>
-                        <a:latin typeface="Malgun Gothic"/>
-                        <a:ea typeface="Malgun Gothic"/>
-                        <a:cs typeface="Malgun Gothic"/>
-                        <a:sym typeface="Malgun Gothic"/>
-                      </a:endParaRPr>
-                    </a:p>
-                  </a:txBody>
-                  <a:tcPr marL="142900" marR="9525" marT="9525" marB="0" anchor="ctr">
-                    <a:lnL w="9525" cap="flat" cmpd="sng">
-                      <a:solidFill>
-                        <a:srgbClr val="000000">
-                          <a:alpha val="0"/>
-                        </a:srgbClr>
-                      </a:solidFill>
-                      <a:prstDash val="solid"/>
-                      <a:round/>
-                      <a:headEnd type="none" w="sm" len="sm"/>
-                      <a:tailEnd type="none" w="sm" len="sm"/>
-                    </a:lnL>
-                    <a:lnR w="9525" cap="flat" cmpd="sng">
-                      <a:solidFill>
-                        <a:srgbClr val="000000">
-                          <a:alpha val="0"/>
-                        </a:srgbClr>
-                      </a:solidFill>
-                      <a:prstDash val="solid"/>
-                      <a:round/>
-                      <a:headEnd type="none" w="sm" len="sm"/>
-                      <a:tailEnd type="none" w="sm" len="sm"/>
-                    </a:lnR>
-                    <a:lnT w="9525" cap="flat" cmpd="sng">
-                      <a:solidFill>
-                        <a:srgbClr val="808080"/>
-                      </a:solidFill>
-                      <a:prstDash val="solid"/>
-                      <a:round/>
-                      <a:headEnd type="none" w="sm" len="sm"/>
-                      <a:tailEnd type="none" w="sm" len="sm"/>
-                    </a:lnT>
-                    <a:lnB w="9525" cap="flat" cmpd="sng">
-                      <a:solidFill>
-                        <a:srgbClr val="808080"/>
-                      </a:solidFill>
-                      <a:prstDash val="solid"/>
-                      <a:round/>
-                      <a:headEnd type="none" w="sm" len="sm"/>
-                      <a:tailEnd type="none" w="sm" len="sm"/>
-                    </a:lnB>
-                    <a:solidFill>
-                      <a:srgbClr val="F7F7F8"/>
-                    </a:solidFill>
-                  </a:tcPr>
-                </a:tc>
-                <a:tc>
-                  <a:txBody>
-                    <a:bodyPr/>
-                    <a:lstStyle/>
-                    <a:p>
-                      <a:pPr marL="0" marR="0" lvl="0" indent="0" algn="ctr" rtl="0">
-                        <a:spcBef>
-                          <a:spcPts val="0"/>
-                        </a:spcBef>
-                        <a:spcAft>
-                          <a:spcPts val="0"/>
-                        </a:spcAft>
-                        <a:buNone/>
-                      </a:pPr>
-                      <a:endParaRPr sz="1100" b="0" i="0" u="none" strike="noStrike" cap="none">
-                        <a:solidFill>
-                          <a:srgbClr val="404040"/>
-                        </a:solidFill>
-                        <a:latin typeface="Malgun Gothic"/>
-                        <a:ea typeface="Malgun Gothic"/>
-                        <a:cs typeface="Malgun Gothic"/>
-                        <a:sym typeface="Malgun Gothic"/>
-                      </a:endParaRPr>
-                    </a:p>
-                  </a:txBody>
-                  <a:tcPr marL="9525" marR="9525" marT="9525" marB="0" anchor="ctr">
-                    <a:lnL w="9525" cap="flat" cmpd="sng">
-                      <a:solidFill>
-                        <a:srgbClr val="000000">
-                          <a:alpha val="0"/>
-                        </a:srgbClr>
-                      </a:solidFill>
-                      <a:prstDash val="solid"/>
-                      <a:round/>
-                      <a:headEnd type="none" w="sm" len="sm"/>
-                      <a:tailEnd type="none" w="sm" len="sm"/>
-                    </a:lnL>
-                    <a:lnR w="9525" cap="flat" cmpd="sng">
-                      <a:solidFill>
-                        <a:srgbClr val="000000">
-                          <a:alpha val="0"/>
-                        </a:srgbClr>
-                      </a:solidFill>
-                      <a:prstDash val="solid"/>
-                      <a:round/>
-                      <a:headEnd type="none" w="sm" len="sm"/>
-                      <a:tailEnd type="none" w="sm" len="sm"/>
-                    </a:lnR>
-                    <a:lnT w="9525" cap="flat" cmpd="sng">
-                      <a:solidFill>
-                        <a:srgbClr val="808080"/>
-                      </a:solidFill>
-                      <a:prstDash val="solid"/>
-                      <a:round/>
-                      <a:headEnd type="none" w="sm" len="sm"/>
-                      <a:tailEnd type="none" w="sm" len="sm"/>
-                    </a:lnT>
-                    <a:lnB w="9525" cap="flat" cmpd="sng">
-                      <a:solidFill>
-                        <a:srgbClr val="808080"/>
-                      </a:solidFill>
-                      <a:prstDash val="solid"/>
-                      <a:round/>
-                      <a:headEnd type="none" w="sm" len="sm"/>
-                      <a:tailEnd type="none" w="sm" len="sm"/>
-                    </a:lnB>
-                    <a:solidFill>
-                      <a:schemeClr val="lt1"/>
-                    </a:solidFill>
-                  </a:tcPr>
-                </a:tc>
-                <a:extLst>
-                  <a:ext uri="{0D108BD9-81ED-4DB2-BD59-A6C34878D82A}">
-                    <a16:rowId xmlns:a16="http://schemas.microsoft.com/office/drawing/2014/main" val="10009"/>
-                  </a:ext>
-                </a:extLst>
-              </a:tr>
-              <a:tr h="332175">
-                <a:tc>
-                  <a:txBody>
-                    <a:bodyPr/>
-                    <a:lstStyle/>
-                    <a:p>
-                      <a:pPr marL="0" marR="0" lvl="0" indent="0" algn="ctr" rtl="0">
-                        <a:spcBef>
-                          <a:spcPts val="0"/>
-                        </a:spcBef>
-                        <a:spcAft>
-                          <a:spcPts val="0"/>
-                        </a:spcAft>
-                        <a:buNone/>
-                      </a:pPr>
-                      <a:r>
-                        <a:rPr lang="ko-KR" sz="1100" b="0" u="none" strike="noStrike" cap="none">
-                          <a:solidFill>
-                            <a:srgbClr val="5F5F5F"/>
-                          </a:solidFill>
-                          <a:latin typeface="Malgun Gothic"/>
-                          <a:ea typeface="Malgun Gothic"/>
-                          <a:cs typeface="Malgun Gothic"/>
-                          <a:sym typeface="Malgun Gothic"/>
-                        </a:rPr>
-                        <a:t>10</a:t>
-                      </a:r>
-                      <a:endParaRPr/>
-                    </a:p>
-                  </a:txBody>
-                  <a:tcPr marL="82300" marR="82300" marT="82275" marB="82275" anchor="ctr">
-                    <a:lnL w="9525" cap="flat" cmpd="sng">
-                      <a:solidFill>
-                        <a:srgbClr val="000000">
-                          <a:alpha val="0"/>
-                        </a:srgbClr>
-                      </a:solidFill>
-                      <a:prstDash val="solid"/>
-                      <a:round/>
-                      <a:headEnd type="none" w="sm" len="sm"/>
-                      <a:tailEnd type="none" w="sm" len="sm"/>
-                    </a:lnL>
-                    <a:lnR w="9525" cap="flat" cmpd="sng">
-                      <a:solidFill>
-                        <a:srgbClr val="000000">
-                          <a:alpha val="0"/>
-                        </a:srgbClr>
-                      </a:solidFill>
-                      <a:prstDash val="solid"/>
-                      <a:round/>
-                      <a:headEnd type="none" w="sm" len="sm"/>
-                      <a:tailEnd type="none" w="sm" len="sm"/>
-                    </a:lnR>
-                    <a:lnT w="9525" cap="flat" cmpd="sng">
-                      <a:solidFill>
-                        <a:srgbClr val="808080"/>
-                      </a:solidFill>
-                      <a:prstDash val="solid"/>
-                      <a:round/>
-                      <a:headEnd type="none" w="sm" len="sm"/>
-                      <a:tailEnd type="none" w="sm" len="sm"/>
-                    </a:lnT>
-                    <a:lnB w="9525" cap="flat" cmpd="sng">
-                      <a:solidFill>
-                        <a:srgbClr val="808080"/>
-                      </a:solidFill>
-                      <a:prstDash val="solid"/>
-                      <a:round/>
-                      <a:headEnd type="none" w="sm" len="sm"/>
-                      <a:tailEnd type="none" w="sm" len="sm"/>
-                    </a:lnB>
-                  </a:tcPr>
-                </a:tc>
-                <a:tc>
-                  <a:txBody>
-                    <a:bodyPr/>
-                    <a:lstStyle/>
-                    <a:p>
-                      <a:pPr marL="0" marR="0" lvl="0" indent="0" algn="l" rtl="0">
-                        <a:spcBef>
-                          <a:spcPts val="0"/>
-                        </a:spcBef>
-                        <a:spcAft>
-                          <a:spcPts val="0"/>
-                        </a:spcAft>
-                        <a:buNone/>
-                      </a:pPr>
-                      <a:endParaRPr sz="1100" b="0" i="0" u="none" strike="noStrike" cap="none">
-                        <a:solidFill>
-                          <a:srgbClr val="000000"/>
-                        </a:solidFill>
-                        <a:latin typeface="Malgun Gothic"/>
-                        <a:ea typeface="Malgun Gothic"/>
-                        <a:cs typeface="Malgun Gothic"/>
-                        <a:sym typeface="Malgun Gothic"/>
-                      </a:endParaRPr>
-                    </a:p>
-                  </a:txBody>
-                  <a:tcPr marL="142900" marR="9525" marT="9525" marB="0" anchor="ctr">
-                    <a:lnL w="9525" cap="flat" cmpd="sng">
-                      <a:solidFill>
-                        <a:srgbClr val="000000">
-                          <a:alpha val="0"/>
-                        </a:srgbClr>
-                      </a:solidFill>
-                      <a:prstDash val="solid"/>
-                      <a:round/>
-                      <a:headEnd type="none" w="sm" len="sm"/>
-                      <a:tailEnd type="none" w="sm" len="sm"/>
-                    </a:lnL>
-                    <a:lnR w="9525" cap="flat" cmpd="sng">
-                      <a:solidFill>
-                        <a:srgbClr val="000000">
-                          <a:alpha val="0"/>
-                        </a:srgbClr>
-                      </a:solidFill>
-                      <a:prstDash val="solid"/>
-                      <a:round/>
-                      <a:headEnd type="none" w="sm" len="sm"/>
-                      <a:tailEnd type="none" w="sm" len="sm"/>
-                    </a:lnR>
-                    <a:lnT w="9525" cap="flat" cmpd="sng">
-                      <a:solidFill>
-                        <a:srgbClr val="808080"/>
-                      </a:solidFill>
-                      <a:prstDash val="solid"/>
-                      <a:round/>
-                      <a:headEnd type="none" w="sm" len="sm"/>
-                      <a:tailEnd type="none" w="sm" len="sm"/>
-                    </a:lnT>
-                    <a:lnB w="9525" cap="flat" cmpd="sng">
-                      <a:solidFill>
-                        <a:srgbClr val="808080"/>
-                      </a:solidFill>
-                      <a:prstDash val="solid"/>
-                      <a:round/>
-                      <a:headEnd type="none" w="sm" len="sm"/>
-                      <a:tailEnd type="none" w="sm" len="sm"/>
-                    </a:lnB>
-                    <a:solidFill>
-                      <a:srgbClr val="F7F7F8"/>
-                    </a:solidFill>
-                  </a:tcPr>
-                </a:tc>
-                <a:tc>
-                  <a:txBody>
-                    <a:bodyPr/>
-                    <a:lstStyle/>
-                    <a:p>
-                      <a:pPr marL="0" marR="0" lvl="0" indent="0" algn="ctr" rtl="0">
-                        <a:spcBef>
-                          <a:spcPts val="0"/>
-                        </a:spcBef>
-                        <a:spcAft>
-                          <a:spcPts val="0"/>
-                        </a:spcAft>
-                        <a:buNone/>
-                      </a:pPr>
-                      <a:endParaRPr sz="1100" b="0" i="0" u="none" strike="noStrike" cap="none">
-                        <a:solidFill>
-                          <a:srgbClr val="000000"/>
-                        </a:solidFill>
-                        <a:latin typeface="Malgun Gothic"/>
-                        <a:ea typeface="Malgun Gothic"/>
-                        <a:cs typeface="Malgun Gothic"/>
-                        <a:sym typeface="Malgun Gothic"/>
-                      </a:endParaRPr>
-                    </a:p>
-                  </a:txBody>
-                  <a:tcPr marL="9525" marR="9525" marT="9525" marB="0" anchor="ctr">
-                    <a:lnL w="9525" cap="flat" cmpd="sng">
-                      <a:solidFill>
-                        <a:srgbClr val="000000">
-                          <a:alpha val="0"/>
-                        </a:srgbClr>
-                      </a:solidFill>
-                      <a:prstDash val="solid"/>
-                      <a:round/>
-                      <a:headEnd type="none" w="sm" len="sm"/>
-                      <a:tailEnd type="none" w="sm" len="sm"/>
-                    </a:lnL>
-                    <a:lnR w="9525" cap="flat" cmpd="sng">
-                      <a:solidFill>
-                        <a:srgbClr val="000000">
-                          <a:alpha val="0"/>
-                        </a:srgbClr>
-                      </a:solidFill>
-                      <a:prstDash val="solid"/>
-                      <a:round/>
-                      <a:headEnd type="none" w="sm" len="sm"/>
-                      <a:tailEnd type="none" w="sm" len="sm"/>
-                    </a:lnR>
-                    <a:lnT w="9525" cap="flat" cmpd="sng">
-                      <a:solidFill>
-                        <a:srgbClr val="808080"/>
-                      </a:solidFill>
-                      <a:prstDash val="solid"/>
-                      <a:round/>
-                      <a:headEnd type="none" w="sm" len="sm"/>
-                      <a:tailEnd type="none" w="sm" len="sm"/>
-                    </a:lnT>
-                    <a:lnB w="9525" cap="flat" cmpd="sng">
-                      <a:solidFill>
-                        <a:srgbClr val="808080"/>
-                      </a:solidFill>
-                      <a:prstDash val="solid"/>
-                      <a:round/>
-                      <a:headEnd type="none" w="sm" len="sm"/>
-                      <a:tailEnd type="none" w="sm" len="sm"/>
-                    </a:lnB>
-                    <a:solidFill>
-                      <a:schemeClr val="lt1"/>
-                    </a:solidFill>
-                  </a:tcPr>
-                </a:tc>
-                <a:extLst>
-                  <a:ext uri="{0D108BD9-81ED-4DB2-BD59-A6C34878D82A}">
-                    <a16:rowId xmlns:a16="http://schemas.microsoft.com/office/drawing/2014/main" val="10010"/>
-                  </a:ext>
-                </a:extLst>
-              </a:tr>
-              <a:tr h="332175">
-                <a:tc>
-                  <a:txBody>
-                    <a:bodyPr/>
-                    <a:lstStyle/>
-                    <a:p>
-                      <a:pPr marL="0" marR="0" lvl="0" indent="0" algn="ctr" rtl="0">
-                        <a:spcBef>
-                          <a:spcPts val="0"/>
-                        </a:spcBef>
-                        <a:spcAft>
-                          <a:spcPts val="0"/>
-                        </a:spcAft>
-                        <a:buNone/>
-                      </a:pPr>
-                      <a:r>
-                        <a:rPr lang="ko-KR" sz="1100" b="0" u="none" strike="noStrike" cap="none">
-                          <a:solidFill>
-                            <a:srgbClr val="5F5F5F"/>
-                          </a:solidFill>
-                          <a:latin typeface="Malgun Gothic"/>
-                          <a:ea typeface="Malgun Gothic"/>
-                          <a:cs typeface="Malgun Gothic"/>
-                          <a:sym typeface="Malgun Gothic"/>
-                        </a:rPr>
-                        <a:t>11</a:t>
-                      </a:r>
-                      <a:endParaRPr/>
-                    </a:p>
-                  </a:txBody>
-                  <a:tcPr marL="82300" marR="82300" marT="82275" marB="82275" anchor="ctr">
-                    <a:lnL w="9525" cap="flat" cmpd="sng">
-                      <a:solidFill>
-                        <a:srgbClr val="000000">
-                          <a:alpha val="0"/>
-                        </a:srgbClr>
-                      </a:solidFill>
-                      <a:prstDash val="solid"/>
-                      <a:round/>
-                      <a:headEnd type="none" w="sm" len="sm"/>
-                      <a:tailEnd type="none" w="sm" len="sm"/>
-                    </a:lnL>
-                    <a:lnR w="9525" cap="flat" cmpd="sng">
-                      <a:solidFill>
-                        <a:srgbClr val="000000">
-                          <a:alpha val="0"/>
-                        </a:srgbClr>
-                      </a:solidFill>
-                      <a:prstDash val="solid"/>
-                      <a:round/>
-                      <a:headEnd type="none" w="sm" len="sm"/>
-                      <a:tailEnd type="none" w="sm" len="sm"/>
-                    </a:lnR>
-                    <a:lnT w="9525" cap="flat" cmpd="sng">
-                      <a:solidFill>
-                        <a:srgbClr val="808080"/>
-                      </a:solidFill>
-                      <a:prstDash val="solid"/>
-                      <a:round/>
-                      <a:headEnd type="none" w="sm" len="sm"/>
-                      <a:tailEnd type="none" w="sm" len="sm"/>
-                    </a:lnT>
-                    <a:lnB w="9525" cap="flat" cmpd="sng">
-                      <a:solidFill>
-                        <a:srgbClr val="808080"/>
-                      </a:solidFill>
-                      <a:prstDash val="solid"/>
-                      <a:round/>
-                      <a:headEnd type="none" w="sm" len="sm"/>
-                      <a:tailEnd type="none" w="sm" len="sm"/>
-                    </a:lnB>
-                  </a:tcPr>
-                </a:tc>
-                <a:tc>
-                  <a:txBody>
-                    <a:bodyPr/>
-                    <a:lstStyle/>
-                    <a:p>
-                      <a:pPr marL="0" marR="0" lvl="0" indent="0" algn="l" rtl="0">
-                        <a:spcBef>
-                          <a:spcPts val="0"/>
-                        </a:spcBef>
-                        <a:spcAft>
-                          <a:spcPts val="0"/>
-                        </a:spcAft>
-                        <a:buNone/>
-                      </a:pPr>
-                      <a:endParaRPr sz="1100" b="0" i="0" u="none" strike="noStrike" cap="none">
-                        <a:solidFill>
-                          <a:srgbClr val="404040"/>
-                        </a:solidFill>
-                        <a:latin typeface="Malgun Gothic"/>
-                        <a:ea typeface="Malgun Gothic"/>
-                        <a:cs typeface="Malgun Gothic"/>
-                        <a:sym typeface="Malgun Gothic"/>
-                      </a:endParaRPr>
-                    </a:p>
-                  </a:txBody>
-                  <a:tcPr marL="142900" marR="9525" marT="9525" marB="0" anchor="ctr">
-                    <a:lnL w="9525" cap="flat" cmpd="sng">
-                      <a:solidFill>
-                        <a:srgbClr val="000000">
-                          <a:alpha val="0"/>
-                        </a:srgbClr>
-                      </a:solidFill>
-                      <a:prstDash val="solid"/>
-                      <a:round/>
-                      <a:headEnd type="none" w="sm" len="sm"/>
-                      <a:tailEnd type="none" w="sm" len="sm"/>
-                    </a:lnL>
-                    <a:lnR w="9525" cap="flat" cmpd="sng">
-                      <a:solidFill>
-                        <a:srgbClr val="000000">
-                          <a:alpha val="0"/>
-                        </a:srgbClr>
-                      </a:solidFill>
-                      <a:prstDash val="solid"/>
-                      <a:round/>
-                      <a:headEnd type="none" w="sm" len="sm"/>
-                      <a:tailEnd type="none" w="sm" len="sm"/>
-                    </a:lnR>
-                    <a:lnT w="9525" cap="flat" cmpd="sng">
-                      <a:solidFill>
-                        <a:srgbClr val="808080"/>
-                      </a:solidFill>
-                      <a:prstDash val="solid"/>
-                      <a:round/>
-                      <a:headEnd type="none" w="sm" len="sm"/>
-                      <a:tailEnd type="none" w="sm" len="sm"/>
-                    </a:lnT>
-                    <a:lnB w="9525" cap="flat" cmpd="sng">
-                      <a:solidFill>
-                        <a:srgbClr val="808080"/>
-                      </a:solidFill>
-                      <a:prstDash val="solid"/>
-                      <a:round/>
-                      <a:headEnd type="none" w="sm" len="sm"/>
-                      <a:tailEnd type="none" w="sm" len="sm"/>
-                    </a:lnB>
-                    <a:solidFill>
-                      <a:srgbClr val="F7F7F8"/>
-                    </a:solidFill>
-                  </a:tcPr>
-                </a:tc>
-                <a:tc>
-                  <a:txBody>
-                    <a:bodyPr/>
-                    <a:lstStyle/>
-                    <a:p>
-                      <a:pPr marL="0" marR="0" lvl="0" indent="0" algn="ctr" rtl="0">
-                        <a:spcBef>
-                          <a:spcPts val="0"/>
-                        </a:spcBef>
-                        <a:spcAft>
-                          <a:spcPts val="0"/>
-                        </a:spcAft>
-                        <a:buNone/>
-                      </a:pPr>
-                      <a:endParaRPr sz="1100" b="0" i="0" u="none" strike="noStrike" cap="none">
-                        <a:solidFill>
-                          <a:srgbClr val="000000"/>
-                        </a:solidFill>
-                        <a:latin typeface="Malgun Gothic"/>
-                        <a:ea typeface="Malgun Gothic"/>
-                        <a:cs typeface="Malgun Gothic"/>
-                        <a:sym typeface="Malgun Gothic"/>
-                      </a:endParaRPr>
-                    </a:p>
-                  </a:txBody>
-                  <a:tcPr marL="9525" marR="9525" marT="9525" marB="0" anchor="ctr">
-                    <a:lnL w="9525" cap="flat" cmpd="sng">
-                      <a:solidFill>
-                        <a:srgbClr val="000000">
-                          <a:alpha val="0"/>
-                        </a:srgbClr>
-                      </a:solidFill>
-                      <a:prstDash val="solid"/>
-                      <a:round/>
-                      <a:headEnd type="none" w="sm" len="sm"/>
-                      <a:tailEnd type="none" w="sm" len="sm"/>
-                    </a:lnL>
-                    <a:lnR w="9525" cap="flat" cmpd="sng">
-                      <a:solidFill>
-                        <a:srgbClr val="000000">
-                          <a:alpha val="0"/>
-                        </a:srgbClr>
-                      </a:solidFill>
-                      <a:prstDash val="solid"/>
-                      <a:round/>
-                      <a:headEnd type="none" w="sm" len="sm"/>
-                      <a:tailEnd type="none" w="sm" len="sm"/>
-                    </a:lnR>
-                    <a:lnT w="9525" cap="flat" cmpd="sng">
-                      <a:solidFill>
-                        <a:srgbClr val="808080"/>
-                      </a:solidFill>
-                      <a:prstDash val="solid"/>
-                      <a:round/>
-                      <a:headEnd type="none" w="sm" len="sm"/>
-                      <a:tailEnd type="none" w="sm" len="sm"/>
-                    </a:lnT>
-                    <a:lnB w="9525" cap="flat" cmpd="sng">
-                      <a:solidFill>
-                        <a:srgbClr val="808080"/>
-                      </a:solidFill>
-                      <a:prstDash val="solid"/>
-                      <a:round/>
-                      <a:headEnd type="none" w="sm" len="sm"/>
-                      <a:tailEnd type="none" w="sm" len="sm"/>
-                    </a:lnB>
-                    <a:solidFill>
-                      <a:schemeClr val="lt1"/>
-                    </a:solidFill>
-                  </a:tcPr>
-                </a:tc>
-                <a:extLst>
-                  <a:ext uri="{0D108BD9-81ED-4DB2-BD59-A6C34878D82A}">
-                    <a16:rowId xmlns:a16="http://schemas.microsoft.com/office/drawing/2014/main" val="10011"/>
-                  </a:ext>
-                </a:extLst>
-              </a:tr>
-              <a:tr h="332175">
-                <a:tc>
-                  <a:txBody>
-                    <a:bodyPr/>
-                    <a:lstStyle/>
-                    <a:p>
-                      <a:pPr marL="0" marR="0" lvl="0" indent="0" algn="ctr" rtl="0">
-                        <a:spcBef>
-                          <a:spcPts val="0"/>
-                        </a:spcBef>
-                        <a:spcAft>
-                          <a:spcPts val="0"/>
-                        </a:spcAft>
-                        <a:buNone/>
-                      </a:pPr>
-                      <a:r>
-                        <a:rPr lang="ko-KR" sz="1100" b="0" u="none" strike="noStrike" cap="none">
-                          <a:solidFill>
-                            <a:srgbClr val="5F5F5F"/>
-                          </a:solidFill>
-                          <a:latin typeface="Malgun Gothic"/>
-                          <a:ea typeface="Malgun Gothic"/>
-                          <a:cs typeface="Malgun Gothic"/>
-                          <a:sym typeface="Malgun Gothic"/>
-                        </a:rPr>
-                        <a:t>12</a:t>
-                      </a:r>
-                      <a:endParaRPr/>
-                    </a:p>
-                  </a:txBody>
-                  <a:tcPr marL="82300" marR="82300" marT="82275" marB="82275" anchor="ctr">
-                    <a:lnL w="9525" cap="flat" cmpd="sng">
-                      <a:solidFill>
-                        <a:srgbClr val="000000">
-                          <a:alpha val="0"/>
-                        </a:srgbClr>
-                      </a:solidFill>
-                      <a:prstDash val="solid"/>
-                      <a:round/>
-                      <a:headEnd type="none" w="sm" len="sm"/>
-                      <a:tailEnd type="none" w="sm" len="sm"/>
-                    </a:lnL>
-                    <a:lnR w="9525" cap="flat" cmpd="sng">
-                      <a:solidFill>
-                        <a:srgbClr val="000000">
-                          <a:alpha val="0"/>
-                        </a:srgbClr>
-                      </a:solidFill>
-                      <a:prstDash val="solid"/>
-                      <a:round/>
-                      <a:headEnd type="none" w="sm" len="sm"/>
-                      <a:tailEnd type="none" w="sm" len="sm"/>
-                    </a:lnR>
-                    <a:lnT w="9525" cap="flat" cmpd="sng">
-                      <a:solidFill>
-                        <a:srgbClr val="808080"/>
-                      </a:solidFill>
-                      <a:prstDash val="solid"/>
-                      <a:round/>
-                      <a:headEnd type="none" w="sm" len="sm"/>
-                      <a:tailEnd type="none" w="sm" len="sm"/>
-                    </a:lnT>
-                    <a:lnB w="9525" cap="flat" cmpd="sng">
-                      <a:solidFill>
-                        <a:srgbClr val="808080"/>
-                      </a:solidFill>
-                      <a:prstDash val="solid"/>
-                      <a:round/>
-                      <a:headEnd type="none" w="sm" len="sm"/>
-                      <a:tailEnd type="none" w="sm" len="sm"/>
-                    </a:lnB>
-                  </a:tcPr>
-                </a:tc>
-                <a:tc>
-                  <a:txBody>
-                    <a:bodyPr/>
-                    <a:lstStyle/>
-                    <a:p>
-                      <a:pPr marL="0" marR="0" lvl="0" indent="0" algn="l" rtl="0">
-                        <a:lnSpc>
-                          <a:spcPct val="100000"/>
-                        </a:lnSpc>
-                        <a:spcBef>
-                          <a:spcPts val="0"/>
-                        </a:spcBef>
-                        <a:spcAft>
-                          <a:spcPts val="0"/>
-                        </a:spcAft>
-                        <a:buClr>
-                          <a:schemeClr val="dk1"/>
-                        </a:buClr>
-                        <a:buSzPts val="1100"/>
-                        <a:buFont typeface="Malgun Gothic"/>
-                        <a:buNone/>
-                      </a:pPr>
-                      <a:endParaRPr sz="1100" b="0" i="0" u="none" strike="noStrike" cap="none">
-                        <a:solidFill>
-                          <a:srgbClr val="000000"/>
-                        </a:solidFill>
-                        <a:latin typeface="Malgun Gothic"/>
-                        <a:ea typeface="Malgun Gothic"/>
-                        <a:cs typeface="Malgun Gothic"/>
-                        <a:sym typeface="Malgun Gothic"/>
-                      </a:endParaRPr>
-                    </a:p>
-                  </a:txBody>
-                  <a:tcPr marL="142900" marR="9525" marT="9525" marB="0" anchor="ctr">
-                    <a:lnL w="9525" cap="flat" cmpd="sng">
-                      <a:solidFill>
-                        <a:srgbClr val="000000">
-                          <a:alpha val="0"/>
-                        </a:srgbClr>
-                      </a:solidFill>
-                      <a:prstDash val="solid"/>
-                      <a:round/>
-                      <a:headEnd type="none" w="sm" len="sm"/>
-                      <a:tailEnd type="none" w="sm" len="sm"/>
-                    </a:lnL>
-                    <a:lnR w="9525" cap="flat" cmpd="sng">
-                      <a:solidFill>
-                        <a:srgbClr val="000000">
-                          <a:alpha val="0"/>
-                        </a:srgbClr>
-                      </a:solidFill>
-                      <a:prstDash val="solid"/>
-                      <a:round/>
-                      <a:headEnd type="none" w="sm" len="sm"/>
-                      <a:tailEnd type="none" w="sm" len="sm"/>
-                    </a:lnR>
-                    <a:lnT w="9525" cap="flat" cmpd="sng">
-                      <a:solidFill>
-                        <a:srgbClr val="808080"/>
-                      </a:solidFill>
-                      <a:prstDash val="solid"/>
-                      <a:round/>
-                      <a:headEnd type="none" w="sm" len="sm"/>
-                      <a:tailEnd type="none" w="sm" len="sm"/>
-                    </a:lnT>
-                    <a:lnB w="9525" cap="flat" cmpd="sng">
-                      <a:solidFill>
-                        <a:srgbClr val="808080"/>
-                      </a:solidFill>
-                      <a:prstDash val="solid"/>
-                      <a:round/>
-                      <a:headEnd type="none" w="sm" len="sm"/>
-                      <a:tailEnd type="none" w="sm" len="sm"/>
-                    </a:lnB>
-                    <a:solidFill>
-                      <a:srgbClr val="F7F7F8"/>
-                    </a:solidFill>
-                  </a:tcPr>
-                </a:tc>
-                <a:tc>
-                  <a:txBody>
-                    <a:bodyPr/>
-                    <a:lstStyle/>
-                    <a:p>
-                      <a:pPr marL="0" marR="0" lvl="0" indent="0" algn="ctr" rtl="0">
-                        <a:spcBef>
-                          <a:spcPts val="0"/>
-                        </a:spcBef>
-                        <a:spcAft>
-                          <a:spcPts val="0"/>
-                        </a:spcAft>
-                        <a:buNone/>
-                      </a:pPr>
-                      <a:endParaRPr sz="1100" b="0" i="0" u="none" strike="noStrike" cap="none">
-                        <a:solidFill>
-                          <a:srgbClr val="404040"/>
-                        </a:solidFill>
-                        <a:latin typeface="Malgun Gothic"/>
-                        <a:ea typeface="Malgun Gothic"/>
-                        <a:cs typeface="Malgun Gothic"/>
-                        <a:sym typeface="Malgun Gothic"/>
-                      </a:endParaRPr>
-                    </a:p>
-                  </a:txBody>
-                  <a:tcPr marL="9525" marR="9525" marT="9525" marB="0" anchor="ctr">
-                    <a:lnL w="9525" cap="flat" cmpd="sng">
-                      <a:solidFill>
-                        <a:srgbClr val="000000">
-                          <a:alpha val="0"/>
-                        </a:srgbClr>
-                      </a:solidFill>
-                      <a:prstDash val="solid"/>
-                      <a:round/>
-                      <a:headEnd type="none" w="sm" len="sm"/>
-                      <a:tailEnd type="none" w="sm" len="sm"/>
-                    </a:lnL>
-                    <a:lnR w="9525" cap="flat" cmpd="sng">
-                      <a:solidFill>
-                        <a:srgbClr val="000000">
-                          <a:alpha val="0"/>
-                        </a:srgbClr>
-                      </a:solidFill>
-                      <a:prstDash val="solid"/>
-                      <a:round/>
-                      <a:headEnd type="none" w="sm" len="sm"/>
-                      <a:tailEnd type="none" w="sm" len="sm"/>
-                    </a:lnR>
-                    <a:lnT w="9525" cap="flat" cmpd="sng">
-                      <a:solidFill>
-                        <a:srgbClr val="808080"/>
-                      </a:solidFill>
-                      <a:prstDash val="solid"/>
-                      <a:round/>
-                      <a:headEnd type="none" w="sm" len="sm"/>
-                      <a:tailEnd type="none" w="sm" len="sm"/>
-                    </a:lnT>
-                    <a:lnB w="9525" cap="flat" cmpd="sng">
-                      <a:solidFill>
-                        <a:srgbClr val="808080"/>
-                      </a:solidFill>
-                      <a:prstDash val="solid"/>
-                      <a:round/>
-                      <a:headEnd type="none" w="sm" len="sm"/>
-                      <a:tailEnd type="none" w="sm" len="sm"/>
-                    </a:lnB>
-                    <a:solidFill>
-                      <a:schemeClr val="lt1"/>
-                    </a:solidFill>
-                  </a:tcPr>
-                </a:tc>
-                <a:extLst>
-                  <a:ext uri="{0D108BD9-81ED-4DB2-BD59-A6C34878D82A}">
-                    <a16:rowId xmlns:a16="http://schemas.microsoft.com/office/drawing/2014/main" val="10012"/>
-                  </a:ext>
-                </a:extLst>
-              </a:tr>
-              <a:tr h="332175">
-                <a:tc>
-                  <a:txBody>
-                    <a:bodyPr/>
-                    <a:lstStyle/>
-                    <a:p>
-                      <a:pPr marL="0" marR="0" lvl="0" indent="0" algn="ctr" rtl="0">
-                        <a:spcBef>
-                          <a:spcPts val="0"/>
-                        </a:spcBef>
-                        <a:spcAft>
-                          <a:spcPts val="0"/>
-                        </a:spcAft>
-                        <a:buNone/>
-                      </a:pPr>
-                      <a:r>
-                        <a:rPr lang="ko-KR" sz="1100" b="0" u="none" strike="noStrike" cap="none">
-                          <a:solidFill>
-                            <a:srgbClr val="5F5F5F"/>
-                          </a:solidFill>
-                          <a:latin typeface="Malgun Gothic"/>
-                          <a:ea typeface="Malgun Gothic"/>
-                          <a:cs typeface="Malgun Gothic"/>
-                          <a:sym typeface="Malgun Gothic"/>
-                        </a:rPr>
-                        <a:t>13</a:t>
-                      </a:r>
-                      <a:endParaRPr/>
-                    </a:p>
-                  </a:txBody>
-                  <a:tcPr marL="82300" marR="82300" marT="82275" marB="82275" anchor="ctr">
-                    <a:lnL w="9525" cap="flat" cmpd="sng">
-                      <a:solidFill>
-                        <a:srgbClr val="000000">
-                          <a:alpha val="0"/>
-                        </a:srgbClr>
-                      </a:solidFill>
-                      <a:prstDash val="solid"/>
-                      <a:round/>
-                      <a:headEnd type="none" w="sm" len="sm"/>
-                      <a:tailEnd type="none" w="sm" len="sm"/>
-                    </a:lnL>
-                    <a:lnR w="9525" cap="flat" cmpd="sng">
-                      <a:solidFill>
-                        <a:srgbClr val="000000">
-                          <a:alpha val="0"/>
-                        </a:srgbClr>
-                      </a:solidFill>
-                      <a:prstDash val="solid"/>
-                      <a:round/>
-                      <a:headEnd type="none" w="sm" len="sm"/>
-                      <a:tailEnd type="none" w="sm" len="sm"/>
-                    </a:lnR>
-                    <a:lnT w="9525" cap="flat" cmpd="sng">
-                      <a:solidFill>
-                        <a:srgbClr val="808080"/>
-                      </a:solidFill>
-                      <a:prstDash val="solid"/>
-                      <a:round/>
-                      <a:headEnd type="none" w="sm" len="sm"/>
-                      <a:tailEnd type="none" w="sm" len="sm"/>
-                    </a:lnT>
-                    <a:lnB w="9525" cap="flat" cmpd="sng">
-                      <a:solidFill>
-                        <a:srgbClr val="808080"/>
-                      </a:solidFill>
-                      <a:prstDash val="solid"/>
-                      <a:round/>
-                      <a:headEnd type="none" w="sm" len="sm"/>
-                      <a:tailEnd type="none" w="sm" len="sm"/>
-                    </a:lnB>
-                  </a:tcPr>
-                </a:tc>
-                <a:tc>
-                  <a:txBody>
-                    <a:bodyPr/>
-                    <a:lstStyle/>
-                    <a:p>
-                      <a:pPr marL="0" marR="0" lvl="0" indent="0" algn="l" rtl="0">
-                        <a:lnSpc>
-                          <a:spcPct val="100000"/>
-                        </a:lnSpc>
-                        <a:spcBef>
-                          <a:spcPts val="0"/>
-                        </a:spcBef>
-                        <a:spcAft>
-                          <a:spcPts val="0"/>
-                        </a:spcAft>
-                        <a:buClr>
-                          <a:schemeClr val="dk1"/>
-                        </a:buClr>
-                        <a:buSzPts val="1100"/>
-                        <a:buFont typeface="Malgun Gothic"/>
-                        <a:buNone/>
-                      </a:pPr>
-                      <a:endParaRPr sz="1100" b="0" i="0" u="none" strike="noStrike" cap="none">
-                        <a:solidFill>
-                          <a:srgbClr val="000000"/>
-                        </a:solidFill>
-                        <a:latin typeface="Malgun Gothic"/>
-                        <a:ea typeface="Malgun Gothic"/>
-                        <a:cs typeface="Malgun Gothic"/>
-                        <a:sym typeface="Malgun Gothic"/>
-                      </a:endParaRPr>
-                    </a:p>
-                  </a:txBody>
-                  <a:tcPr marL="142900" marR="9525" marT="9525" marB="0" anchor="ctr">
-                    <a:lnL w="9525" cap="flat" cmpd="sng">
-                      <a:solidFill>
-                        <a:srgbClr val="000000">
-                          <a:alpha val="0"/>
-                        </a:srgbClr>
-                      </a:solidFill>
-                      <a:prstDash val="solid"/>
-                      <a:round/>
-                      <a:headEnd type="none" w="sm" len="sm"/>
-                      <a:tailEnd type="none" w="sm" len="sm"/>
-                    </a:lnL>
-                    <a:lnR w="9525" cap="flat" cmpd="sng">
-                      <a:solidFill>
-                        <a:srgbClr val="000000">
-                          <a:alpha val="0"/>
-                        </a:srgbClr>
-                      </a:solidFill>
-                      <a:prstDash val="solid"/>
-                      <a:round/>
-                      <a:headEnd type="none" w="sm" len="sm"/>
-                      <a:tailEnd type="none" w="sm" len="sm"/>
-                    </a:lnR>
-                    <a:lnT w="9525" cap="flat" cmpd="sng">
-                      <a:solidFill>
-                        <a:srgbClr val="808080"/>
-                      </a:solidFill>
-                      <a:prstDash val="solid"/>
-                      <a:round/>
-                      <a:headEnd type="none" w="sm" len="sm"/>
-                      <a:tailEnd type="none" w="sm" len="sm"/>
-                    </a:lnT>
-                    <a:lnB w="9525" cap="flat" cmpd="sng">
-                      <a:solidFill>
-                        <a:srgbClr val="808080"/>
-                      </a:solidFill>
-                      <a:prstDash val="solid"/>
-                      <a:round/>
-                      <a:headEnd type="none" w="sm" len="sm"/>
-                      <a:tailEnd type="none" w="sm" len="sm"/>
-                    </a:lnB>
-                    <a:solidFill>
-                      <a:srgbClr val="F7F7F8"/>
-                    </a:solidFill>
-                  </a:tcPr>
-                </a:tc>
-                <a:tc>
-                  <a:txBody>
-                    <a:bodyPr/>
-                    <a:lstStyle/>
-                    <a:p>
-                      <a:pPr marL="0" marR="0" lvl="0" indent="0" algn="ctr" rtl="0">
-                        <a:spcBef>
-                          <a:spcPts val="0"/>
-                        </a:spcBef>
-                        <a:spcAft>
-                          <a:spcPts val="0"/>
-                        </a:spcAft>
-                        <a:buNone/>
-                      </a:pPr>
-                      <a:endParaRPr sz="1100" b="0" i="0" u="none" strike="noStrike" cap="none">
-                        <a:solidFill>
                           <a:srgbClr val="404040"/>
                         </a:solidFill>
                         <a:latin typeface="Malgun Gothic"/>
@@ -16991,7 +17443,7 @@
                         <a:buNone/>
                       </a:pPr>
                       <a:r>
-                        <a:rPr lang="ko-KR" sz="1100" b="0" u="none" strike="noStrike" cap="none">
+                        <a:rPr lang="ko-KR" sz="1100" b="0" u="none" strike="noStrike" cap="none" dirty="0">
                           <a:solidFill>
                             <a:srgbClr val="5F5F5F"/>
                           </a:solidFill>
@@ -17002,7 +17454,7 @@
                         </a:rPr>
                         <a:t>14</a:t>
                       </a:r>
-                      <a:endParaRPr/>
+                      <a:endParaRPr dirty="0"/>
                     </a:p>
                   </a:txBody>
                   <a:tcPr marL="82300" marR="82300" marT="82275" marB="82275" anchor="ctr">
@@ -17212,7 +17664,7 @@
                         <a:buNone/>
                       </a:pPr>
                       <a:r>
-                        <a:rPr lang="ko-KR" sz="1100" b="0" u="none" strike="noStrike" cap="none">
+                        <a:rPr lang="ko-KR" sz="1100" b="0" u="none" strike="noStrike" cap="none" dirty="0">
                           <a:solidFill>
                             <a:srgbClr val="5F5F5F"/>
                           </a:solidFill>
@@ -17223,7 +17675,7 @@
                         </a:rPr>
                         <a:t>15</a:t>
                       </a:r>
-                      <a:endParaRPr/>
+                      <a:endParaRPr dirty="0"/>
                     </a:p>
                   </a:txBody>
                   <a:tcPr marL="82300" marR="82300" marT="82275" marB="82275" anchor="ctr">
@@ -19273,7 +19725,18 @@
             </a:endParaRPr>
           </a:p>
           <a:p>
-            <a:pPr marL="0" marR="0" lvl="0" indent="0" algn="ctr" rtl="0">
+            <a:pPr algn="ctr"/>
+            <a:r>
+              <a:rPr lang="ko-KR" altLang="en-US" sz="1000" dirty="0">
+                <a:latin typeface="맑은 고딕"/>
+                <a:ea typeface="맑은 고딕"/>
+                <a:cs typeface="Dotumche"/>
+              </a:rPr>
+              <a:t>공</a:t>
+            </a:r>
+          </a:p>
+          <a:p>
+            <a:pPr marL="0" marR="0" lvl="0" indent="0" algn="ctr">
               <a:spcBef>
                 <a:spcPts val="0"/>
               </a:spcBef>
@@ -19283,150 +19746,13 @@
               <a:buNone/>
             </a:pPr>
             <a:r>
-              <a:rPr lang="ko-KR" sz="1000" dirty="0">
-                <a:latin typeface="+mj-ea"/>
-                <a:ea typeface="+mj-ea"/>
+              <a:rPr lang="ko-KR" altLang="en-US" sz="1000" dirty="0">
+                <a:latin typeface="맑은 고딕"/>
+                <a:ea typeface="맑은 고딕"/>
                 <a:cs typeface="Dotumche"/>
-                <a:sym typeface="Dotumche"/>
               </a:rPr>
-              <a:t>학</a:t>
+              <a:t>통</a:t>
             </a:r>
-            <a:endParaRPr sz="1000" dirty="0">
-              <a:latin typeface="+mj-ea"/>
-              <a:ea typeface="+mj-ea"/>
-              <a:cs typeface="Dotumche"/>
-              <a:sym typeface="Dotumche"/>
-            </a:endParaRPr>
-          </a:p>
-          <a:p>
-            <a:pPr marL="0" marR="0" lvl="0" indent="0" algn="ctr" rtl="0">
-              <a:spcBef>
-                <a:spcPts val="0"/>
-              </a:spcBef>
-              <a:spcAft>
-                <a:spcPts val="0"/>
-              </a:spcAft>
-              <a:buNone/>
-            </a:pPr>
-            <a:r>
-              <a:rPr lang="ko-KR" sz="1000" dirty="0">
-                <a:latin typeface="+mj-ea"/>
-                <a:ea typeface="+mj-ea"/>
-                <a:cs typeface="Dotumche"/>
-                <a:sym typeface="Dotumche"/>
-              </a:rPr>
-              <a:t>생</a:t>
-            </a:r>
-            <a:endParaRPr sz="1000" dirty="0">
-              <a:latin typeface="+mj-ea"/>
-              <a:ea typeface="+mj-ea"/>
-              <a:cs typeface="Dotumche"/>
-              <a:sym typeface="Dotumche"/>
-            </a:endParaRPr>
-          </a:p>
-          <a:p>
-            <a:pPr marL="0" marR="0" lvl="0" indent="0" algn="ctr" rtl="0">
-              <a:spcBef>
-                <a:spcPts val="0"/>
-              </a:spcBef>
-              <a:spcAft>
-                <a:spcPts val="0"/>
-              </a:spcAft>
-              <a:buNone/>
-            </a:pPr>
-            <a:r>
-              <a:rPr lang="ko-KR" sz="1000" dirty="0">
-                <a:latin typeface="+mj-ea"/>
-                <a:ea typeface="+mj-ea"/>
-                <a:cs typeface="Dotumche"/>
-                <a:sym typeface="Dotumche"/>
-              </a:rPr>
-              <a:t>&amp;</a:t>
-            </a:r>
-            <a:endParaRPr sz="1000" dirty="0">
-              <a:latin typeface="+mj-ea"/>
-              <a:ea typeface="+mj-ea"/>
-              <a:cs typeface="Dotumche"/>
-              <a:sym typeface="Dotumche"/>
-            </a:endParaRPr>
-          </a:p>
-          <a:p>
-            <a:pPr marL="0" marR="0" lvl="0" indent="0" algn="ctr" rtl="0">
-              <a:spcBef>
-                <a:spcPts val="0"/>
-              </a:spcBef>
-              <a:spcAft>
-                <a:spcPts val="0"/>
-              </a:spcAft>
-              <a:buNone/>
-            </a:pPr>
-            <a:r>
-              <a:rPr lang="ko-KR" sz="1000" dirty="0">
-                <a:latin typeface="+mj-ea"/>
-                <a:ea typeface="+mj-ea"/>
-                <a:cs typeface="Dotumche"/>
-                <a:sym typeface="Dotumche"/>
-              </a:rPr>
-              <a:t>관</a:t>
-            </a:r>
-            <a:endParaRPr sz="1000" dirty="0">
-              <a:latin typeface="+mj-ea"/>
-              <a:ea typeface="+mj-ea"/>
-              <a:cs typeface="Dotumche"/>
-              <a:sym typeface="Dotumche"/>
-            </a:endParaRPr>
-          </a:p>
-          <a:p>
-            <a:pPr marL="0" marR="0" lvl="0" indent="0" algn="ctr" rtl="0">
-              <a:spcBef>
-                <a:spcPts val="0"/>
-              </a:spcBef>
-              <a:spcAft>
-                <a:spcPts val="0"/>
-              </a:spcAft>
-              <a:buNone/>
-            </a:pPr>
-            <a:r>
-              <a:rPr lang="ko-KR" sz="1000" dirty="0">
-                <a:latin typeface="+mj-ea"/>
-                <a:ea typeface="+mj-ea"/>
-                <a:cs typeface="Dotumche"/>
-                <a:sym typeface="Dotumche"/>
-              </a:rPr>
-              <a:t>리</a:t>
-            </a:r>
-            <a:endParaRPr sz="1000" dirty="0">
-              <a:latin typeface="+mj-ea"/>
-              <a:ea typeface="+mj-ea"/>
-              <a:cs typeface="Dotumche"/>
-              <a:sym typeface="Dotumche"/>
-            </a:endParaRPr>
-          </a:p>
-          <a:p>
-            <a:pPr marL="0" marR="0" lvl="0" indent="0" algn="ctr" rtl="0">
-              <a:spcBef>
-                <a:spcPts val="0"/>
-              </a:spcBef>
-              <a:spcAft>
-                <a:spcPts val="0"/>
-              </a:spcAft>
-              <a:buNone/>
-            </a:pPr>
-            <a:r>
-              <a:rPr lang="ko-KR" sz="1000" dirty="0">
-                <a:latin typeface="+mj-ea"/>
-                <a:ea typeface="+mj-ea"/>
-                <a:cs typeface="Dotumche"/>
-                <a:sym typeface="Dotumche"/>
-              </a:rPr>
-              <a:t>자</a:t>
-            </a:r>
-            <a:endParaRPr sz="1000" dirty="0">
-              <a:latin typeface="+mj-ea"/>
-              <a:ea typeface="+mj-ea"/>
-              <a:cs typeface="Dotumche"/>
-              <a:sym typeface="Dotumche"/>
-            </a:endParaRPr>
           </a:p>
           <a:p>
             <a:pPr marL="0" marR="0" lvl="0" indent="0" algn="ctr" rtl="0">
@@ -20387,382 +20713,6 @@
       </p:graphicFrame>
       <p:sp>
         <p:nvSpPr>
-          <p:cNvPr id="127" name="Google Shape;127;p13"/>
-          <p:cNvSpPr/>
-          <p:nvPr/>
-        </p:nvSpPr>
-        <p:spPr>
-          <a:xfrm>
-            <a:off x="324079" y="853322"/>
-            <a:ext cx="654000" cy="5239800"/>
-          </a:xfrm>
-          <a:prstGeom prst="roundRect">
-            <a:avLst>
-              <a:gd name="adj" fmla="val 15806"/>
-            </a:avLst>
-          </a:prstGeom>
-          <a:solidFill>
-            <a:srgbClr val="B2B2B2"/>
-          </a:solidFill>
-          <a:ln w="12675" cap="flat" cmpd="sng">
-            <a:solidFill>
-              <a:schemeClr val="dk1"/>
-            </a:solidFill>
-            <a:prstDash val="solid"/>
-            <a:round/>
-            <a:headEnd type="none" w="sm" len="sm"/>
-            <a:tailEnd type="none" w="sm" len="sm"/>
-          </a:ln>
-          <a:effectLst>
-            <a:outerShdw dist="35921" dir="2700000" algn="ctr" rotWithShape="0">
-              <a:schemeClr val="dk1"/>
-            </a:outerShdw>
-          </a:effectLst>
-        </p:spPr>
-        <p:txBody>
-          <a:bodyPr spcFirstLastPara="1" wrap="square" lIns="92075" tIns="46025" rIns="92075" bIns="46025" anchor="ctr" anchorCtr="0">
-            <a:noAutofit/>
-          </a:bodyPr>
-          <a:lstStyle/>
-          <a:p>
-            <a:pPr marL="0" marR="0" lvl="0" indent="0" algn="ctr" rtl="0">
-              <a:spcBef>
-                <a:spcPts val="0"/>
-              </a:spcBef>
-              <a:spcAft>
-                <a:spcPts val="0"/>
-              </a:spcAft>
-              <a:buNone/>
-            </a:pPr>
-            <a:r>
-              <a:rPr lang="ko-KR" sz="1000" b="0" i="0" u="none" strike="noStrike" cap="none">
-                <a:solidFill>
-                  <a:srgbClr val="000000"/>
-                </a:solidFill>
-                <a:latin typeface="Dotumche"/>
-                <a:ea typeface="Dotumche"/>
-                <a:cs typeface="Dotumche"/>
-                <a:sym typeface="Dotumche"/>
-              </a:rPr>
-              <a:t>사</a:t>
-            </a:r>
-            <a:endParaRPr sz="1000" b="0" i="0" u="none" strike="noStrike" cap="none">
-              <a:solidFill>
-                <a:srgbClr val="000000"/>
-              </a:solidFill>
-              <a:latin typeface="Dotumche"/>
-              <a:ea typeface="Dotumche"/>
-              <a:cs typeface="Dotumche"/>
-              <a:sym typeface="Dotumche"/>
-            </a:endParaRPr>
-          </a:p>
-          <a:p>
-            <a:pPr marL="0" marR="0" lvl="0" indent="0" algn="ctr" rtl="0">
-              <a:spcBef>
-                <a:spcPts val="0"/>
-              </a:spcBef>
-              <a:spcAft>
-                <a:spcPts val="0"/>
-              </a:spcAft>
-              <a:buNone/>
-            </a:pPr>
-            <a:endParaRPr sz="1000" b="0" i="0" u="none" strike="noStrike" cap="none">
-              <a:solidFill>
-                <a:srgbClr val="000000"/>
-              </a:solidFill>
-              <a:latin typeface="Dotumche"/>
-              <a:ea typeface="Dotumche"/>
-              <a:cs typeface="Dotumche"/>
-              <a:sym typeface="Dotumche"/>
-            </a:endParaRPr>
-          </a:p>
-          <a:p>
-            <a:pPr marL="0" marR="0" lvl="0" indent="0" algn="ctr" rtl="0">
-              <a:spcBef>
-                <a:spcPts val="0"/>
-              </a:spcBef>
-              <a:spcAft>
-                <a:spcPts val="0"/>
-              </a:spcAft>
-              <a:buNone/>
-            </a:pPr>
-            <a:r>
-              <a:rPr lang="ko-KR" sz="1000" b="0" i="0" u="none" strike="noStrike" cap="none">
-                <a:solidFill>
-                  <a:srgbClr val="000000"/>
-                </a:solidFill>
-                <a:latin typeface="Dotumche"/>
-                <a:ea typeface="Dotumche"/>
-                <a:cs typeface="Dotumche"/>
-                <a:sym typeface="Dotumche"/>
-              </a:rPr>
-              <a:t>용</a:t>
-            </a:r>
-            <a:endParaRPr sz="1000" b="0" i="0" u="none" strike="noStrike" cap="none">
-              <a:solidFill>
-                <a:srgbClr val="000000"/>
-              </a:solidFill>
-              <a:latin typeface="Dotumche"/>
-              <a:ea typeface="Dotumche"/>
-              <a:cs typeface="Dotumche"/>
-              <a:sym typeface="Dotumche"/>
-            </a:endParaRPr>
-          </a:p>
-          <a:p>
-            <a:pPr marL="0" marR="0" lvl="0" indent="0" algn="ctr" rtl="0">
-              <a:spcBef>
-                <a:spcPts val="0"/>
-              </a:spcBef>
-              <a:spcAft>
-                <a:spcPts val="0"/>
-              </a:spcAft>
-              <a:buNone/>
-            </a:pPr>
-            <a:endParaRPr sz="1000" b="0" i="0" u="none" strike="noStrike" cap="none">
-              <a:solidFill>
-                <a:srgbClr val="000000"/>
-              </a:solidFill>
-              <a:latin typeface="Dotumche"/>
-              <a:ea typeface="Dotumche"/>
-              <a:cs typeface="Dotumche"/>
-              <a:sym typeface="Dotumche"/>
-            </a:endParaRPr>
-          </a:p>
-          <a:p>
-            <a:pPr marL="0" marR="0" lvl="0" indent="0" algn="ctr" rtl="0">
-              <a:spcBef>
-                <a:spcPts val="0"/>
-              </a:spcBef>
-              <a:spcAft>
-                <a:spcPts val="0"/>
-              </a:spcAft>
-              <a:buNone/>
-            </a:pPr>
-            <a:r>
-              <a:rPr lang="ko-KR" sz="1000" b="0" i="0" u="none" strike="noStrike" cap="none">
-                <a:solidFill>
-                  <a:srgbClr val="000000"/>
-                </a:solidFill>
-                <a:latin typeface="Dotumche"/>
-                <a:ea typeface="Dotumche"/>
-                <a:cs typeface="Dotumche"/>
-                <a:sym typeface="Dotumche"/>
-              </a:rPr>
-              <a:t>자</a:t>
-            </a:r>
-            <a:endParaRPr sz="1000" b="0" i="0" u="none" strike="noStrike" cap="none">
-              <a:solidFill>
-                <a:srgbClr val="000000"/>
-              </a:solidFill>
-              <a:latin typeface="Dotumche"/>
-              <a:ea typeface="Dotumche"/>
-              <a:cs typeface="Dotumche"/>
-              <a:sym typeface="Dotumche"/>
-            </a:endParaRPr>
-          </a:p>
-          <a:p>
-            <a:pPr marL="0" marR="0" lvl="0" indent="0" algn="ctr" rtl="0">
-              <a:spcBef>
-                <a:spcPts val="0"/>
-              </a:spcBef>
-              <a:spcAft>
-                <a:spcPts val="0"/>
-              </a:spcAft>
-              <a:buNone/>
-            </a:pPr>
-            <a:r>
-              <a:rPr lang="ko-KR" sz="1000">
-                <a:latin typeface="Dotumche"/>
-                <a:ea typeface="Dotumche"/>
-                <a:cs typeface="Dotumche"/>
-                <a:sym typeface="Dotumche"/>
-              </a:rPr>
-              <a:t>-</a:t>
-            </a:r>
-            <a:endParaRPr sz="1000">
-              <a:latin typeface="Dotumche"/>
-              <a:ea typeface="Dotumche"/>
-              <a:cs typeface="Dotumche"/>
-              <a:sym typeface="Dotumche"/>
-            </a:endParaRPr>
-          </a:p>
-          <a:p>
-            <a:pPr marL="0" marR="0" lvl="0" indent="0" algn="ctr" rtl="0">
-              <a:spcBef>
-                <a:spcPts val="0"/>
-              </a:spcBef>
-              <a:spcAft>
-                <a:spcPts val="0"/>
-              </a:spcAft>
-              <a:buNone/>
-            </a:pPr>
-            <a:r>
-              <a:rPr lang="ko-KR" sz="1000">
-                <a:latin typeface="Dotumche"/>
-                <a:ea typeface="Dotumche"/>
-                <a:cs typeface="Dotumche"/>
-                <a:sym typeface="Dotumche"/>
-              </a:rPr>
-              <a:t>학</a:t>
-            </a:r>
-            <a:endParaRPr sz="1000">
-              <a:latin typeface="Dotumche"/>
-              <a:ea typeface="Dotumche"/>
-              <a:cs typeface="Dotumche"/>
-              <a:sym typeface="Dotumche"/>
-            </a:endParaRPr>
-          </a:p>
-          <a:p>
-            <a:pPr marL="0" marR="0" lvl="0" indent="0" algn="ctr" rtl="0">
-              <a:spcBef>
-                <a:spcPts val="0"/>
-              </a:spcBef>
-              <a:spcAft>
-                <a:spcPts val="0"/>
-              </a:spcAft>
-              <a:buNone/>
-            </a:pPr>
-            <a:r>
-              <a:rPr lang="ko-KR" sz="1000">
-                <a:latin typeface="Dotumche"/>
-                <a:ea typeface="Dotumche"/>
-                <a:cs typeface="Dotumche"/>
-                <a:sym typeface="Dotumche"/>
-              </a:rPr>
-              <a:t>생</a:t>
-            </a:r>
-            <a:endParaRPr sz="1000">
-              <a:latin typeface="Dotumche"/>
-              <a:ea typeface="Dotumche"/>
-              <a:cs typeface="Dotumche"/>
-              <a:sym typeface="Dotumche"/>
-            </a:endParaRPr>
-          </a:p>
-          <a:p>
-            <a:pPr marL="0" marR="0" lvl="0" indent="0" algn="ctr" rtl="0">
-              <a:spcBef>
-                <a:spcPts val="0"/>
-              </a:spcBef>
-              <a:spcAft>
-                <a:spcPts val="0"/>
-              </a:spcAft>
-              <a:buNone/>
-            </a:pPr>
-            <a:r>
-              <a:rPr lang="ko-KR" sz="1000">
-                <a:latin typeface="Dotumche"/>
-                <a:ea typeface="Dotumche"/>
-                <a:cs typeface="Dotumche"/>
-                <a:sym typeface="Dotumche"/>
-              </a:rPr>
-              <a:t>&amp;</a:t>
-            </a:r>
-            <a:endParaRPr sz="1000">
-              <a:latin typeface="Dotumche"/>
-              <a:ea typeface="Dotumche"/>
-              <a:cs typeface="Dotumche"/>
-              <a:sym typeface="Dotumche"/>
-            </a:endParaRPr>
-          </a:p>
-          <a:p>
-            <a:pPr marL="0" marR="0" lvl="0" indent="0" algn="ctr" rtl="0">
-              <a:spcBef>
-                <a:spcPts val="0"/>
-              </a:spcBef>
-              <a:spcAft>
-                <a:spcPts val="0"/>
-              </a:spcAft>
-              <a:buNone/>
-            </a:pPr>
-            <a:r>
-              <a:rPr lang="ko-KR" sz="1000">
-                <a:latin typeface="Dotumche"/>
-                <a:ea typeface="Dotumche"/>
-                <a:cs typeface="Dotumche"/>
-                <a:sym typeface="Dotumche"/>
-              </a:rPr>
-              <a:t>관</a:t>
-            </a:r>
-            <a:endParaRPr sz="1000">
-              <a:latin typeface="Dotumche"/>
-              <a:ea typeface="Dotumche"/>
-              <a:cs typeface="Dotumche"/>
-              <a:sym typeface="Dotumche"/>
-            </a:endParaRPr>
-          </a:p>
-          <a:p>
-            <a:pPr marL="0" marR="0" lvl="0" indent="0" algn="ctr" rtl="0">
-              <a:spcBef>
-                <a:spcPts val="0"/>
-              </a:spcBef>
-              <a:spcAft>
-                <a:spcPts val="0"/>
-              </a:spcAft>
-              <a:buNone/>
-            </a:pPr>
-            <a:r>
-              <a:rPr lang="ko-KR" sz="1000">
-                <a:latin typeface="Dotumche"/>
-                <a:ea typeface="Dotumche"/>
-                <a:cs typeface="Dotumche"/>
-                <a:sym typeface="Dotumche"/>
-              </a:rPr>
-              <a:t>리</a:t>
-            </a:r>
-            <a:endParaRPr sz="1000">
-              <a:latin typeface="Dotumche"/>
-              <a:ea typeface="Dotumche"/>
-              <a:cs typeface="Dotumche"/>
-              <a:sym typeface="Dotumche"/>
-            </a:endParaRPr>
-          </a:p>
-          <a:p>
-            <a:pPr marL="0" marR="0" lvl="0" indent="0" algn="ctr" rtl="0">
-              <a:spcBef>
-                <a:spcPts val="0"/>
-              </a:spcBef>
-              <a:spcAft>
-                <a:spcPts val="0"/>
-              </a:spcAft>
-              <a:buNone/>
-            </a:pPr>
-            <a:r>
-              <a:rPr lang="ko-KR" sz="1000">
-                <a:latin typeface="Dotumche"/>
-                <a:ea typeface="Dotumche"/>
-                <a:cs typeface="Dotumche"/>
-                <a:sym typeface="Dotumche"/>
-              </a:rPr>
-              <a:t>자</a:t>
-            </a:r>
-            <a:endParaRPr sz="1000">
-              <a:latin typeface="Dotumche"/>
-              <a:ea typeface="Dotumche"/>
-              <a:cs typeface="Dotumche"/>
-              <a:sym typeface="Dotumche"/>
-            </a:endParaRPr>
-          </a:p>
-          <a:p>
-            <a:pPr marL="0" marR="0" lvl="0" indent="0" algn="ctr" rtl="0">
-              <a:spcBef>
-                <a:spcPts val="0"/>
-              </a:spcBef>
-              <a:spcAft>
-                <a:spcPts val="0"/>
-              </a:spcAft>
-              <a:buNone/>
-            </a:pPr>
-            <a:endParaRPr sz="1000">
-              <a:latin typeface="Dotumche"/>
-              <a:ea typeface="Dotumche"/>
-              <a:cs typeface="Dotumche"/>
-              <a:sym typeface="Dotumche"/>
-            </a:endParaRPr>
-          </a:p>
-        </p:txBody>
-      </p:sp>
-      <p:sp>
-        <p:nvSpPr>
           <p:cNvPr id="128" name="Google Shape;128;p13"/>
           <p:cNvSpPr/>
           <p:nvPr/>
@@ -21040,6 +20990,262 @@
               <a:t>N</a:t>
             </a:r>
             <a:endParaRPr sz="900"/>
+          </a:p>
+        </p:txBody>
+      </p:sp>
+      <p:sp>
+        <p:nvSpPr>
+          <p:cNvPr id="2" name="Google Shape;105;p12">
+            <a:extLst>
+              <a:ext uri="{FF2B5EF4-FFF2-40B4-BE49-F238E27FC236}">
+                <a16:creationId xmlns:a16="http://schemas.microsoft.com/office/drawing/2014/main" id="{AC3496A4-B40C-4307-B7BD-271FF2D69994}"/>
+              </a:ext>
+            </a:extLst>
+          </p:cNvPr>
+          <p:cNvSpPr/>
+          <p:nvPr/>
+        </p:nvSpPr>
+        <p:spPr>
+          <a:xfrm>
+            <a:off x="324079" y="853322"/>
+            <a:ext cx="654000" cy="5239800"/>
+          </a:xfrm>
+          <a:prstGeom prst="roundRect">
+            <a:avLst>
+              <a:gd name="adj" fmla="val 15806"/>
+            </a:avLst>
+          </a:prstGeom>
+          <a:solidFill>
+            <a:srgbClr val="B2B2B2"/>
+          </a:solidFill>
+          <a:ln w="12675" cap="flat" cmpd="sng">
+            <a:solidFill>
+              <a:schemeClr val="dk1"/>
+            </a:solidFill>
+            <a:prstDash val="solid"/>
+            <a:round/>
+            <a:headEnd type="none" w="sm" len="sm"/>
+            <a:tailEnd type="none" w="sm" len="sm"/>
+          </a:ln>
+          <a:effectLst>
+            <a:outerShdw dist="35921" dir="2700000" algn="ctr" rotWithShape="0">
+              <a:schemeClr val="dk1"/>
+            </a:outerShdw>
+          </a:effectLst>
+        </p:spPr>
+        <p:txBody>
+          <a:bodyPr spcFirstLastPara="1" wrap="square" lIns="92075" tIns="46025" rIns="92075" bIns="46025" anchor="ctr" anchorCtr="0">
+            <a:noAutofit/>
+          </a:bodyPr>
+          <a:lstStyle/>
+          <a:p>
+            <a:pPr marL="0" marR="0" lvl="0" indent="0" algn="ctr" rtl="0">
+              <a:spcBef>
+                <a:spcPts val="0"/>
+              </a:spcBef>
+              <a:spcAft>
+                <a:spcPts val="0"/>
+              </a:spcAft>
+              <a:buNone/>
+            </a:pPr>
+            <a:r>
+              <a:rPr lang="ko-KR" sz="1000" b="0" i="0" u="none" strike="noStrike" cap="none" dirty="0">
+                <a:solidFill>
+                  <a:srgbClr val="000000"/>
+                </a:solidFill>
+                <a:latin typeface="+mj-ea"/>
+                <a:ea typeface="+mj-ea"/>
+                <a:cs typeface="Dotumche"/>
+                <a:sym typeface="Dotumche"/>
+              </a:rPr>
+              <a:t>사</a:t>
+            </a:r>
+            <a:endParaRPr sz="1000" b="0" i="0" u="none" strike="noStrike" cap="none" dirty="0">
+              <a:solidFill>
+                <a:srgbClr val="000000"/>
+              </a:solidFill>
+              <a:latin typeface="+mj-ea"/>
+              <a:ea typeface="+mj-ea"/>
+              <a:cs typeface="Dotumche"/>
+              <a:sym typeface="Dotumche"/>
+            </a:endParaRPr>
+          </a:p>
+          <a:p>
+            <a:pPr marL="0" marR="0" lvl="0" indent="0" algn="ctr" rtl="0">
+              <a:spcBef>
+                <a:spcPts val="0"/>
+              </a:spcBef>
+              <a:spcAft>
+                <a:spcPts val="0"/>
+              </a:spcAft>
+              <a:buNone/>
+            </a:pPr>
+            <a:endParaRPr sz="1000" b="0" i="0" u="none" strike="noStrike" cap="none" dirty="0">
+              <a:solidFill>
+                <a:srgbClr val="000000"/>
+              </a:solidFill>
+              <a:latin typeface="+mj-ea"/>
+              <a:ea typeface="+mj-ea"/>
+              <a:cs typeface="Dotumche"/>
+              <a:sym typeface="Dotumche"/>
+            </a:endParaRPr>
+          </a:p>
+          <a:p>
+            <a:pPr marL="0" marR="0" lvl="0" indent="0" algn="ctr" rtl="0">
+              <a:spcBef>
+                <a:spcPts val="0"/>
+              </a:spcBef>
+              <a:spcAft>
+                <a:spcPts val="0"/>
+              </a:spcAft>
+              <a:buNone/>
+            </a:pPr>
+            <a:r>
+              <a:rPr lang="ko-KR" sz="1000" b="0" i="0" u="none" strike="noStrike" cap="none" dirty="0">
+                <a:solidFill>
+                  <a:srgbClr val="000000"/>
+                </a:solidFill>
+                <a:latin typeface="+mj-ea"/>
+                <a:ea typeface="+mj-ea"/>
+                <a:cs typeface="Dotumche"/>
+                <a:sym typeface="Dotumche"/>
+              </a:rPr>
+              <a:t>용</a:t>
+            </a:r>
+            <a:endParaRPr sz="1000" b="0" i="0" u="none" strike="noStrike" cap="none" dirty="0">
+              <a:solidFill>
+                <a:srgbClr val="000000"/>
+              </a:solidFill>
+              <a:latin typeface="+mj-ea"/>
+              <a:ea typeface="+mj-ea"/>
+              <a:cs typeface="Dotumche"/>
+              <a:sym typeface="Dotumche"/>
+            </a:endParaRPr>
+          </a:p>
+          <a:p>
+            <a:pPr marL="0" marR="0" lvl="0" indent="0" algn="ctr" rtl="0">
+              <a:spcBef>
+                <a:spcPts val="0"/>
+              </a:spcBef>
+              <a:spcAft>
+                <a:spcPts val="0"/>
+              </a:spcAft>
+              <a:buNone/>
+            </a:pPr>
+            <a:endParaRPr sz="1000" b="0" i="0" u="none" strike="noStrike" cap="none" dirty="0">
+              <a:solidFill>
+                <a:srgbClr val="000000"/>
+              </a:solidFill>
+              <a:latin typeface="+mj-ea"/>
+              <a:ea typeface="+mj-ea"/>
+              <a:cs typeface="Dotumche"/>
+              <a:sym typeface="Dotumche"/>
+            </a:endParaRPr>
+          </a:p>
+          <a:p>
+            <a:pPr marL="0" marR="0" lvl="0" indent="0" algn="ctr" rtl="0">
+              <a:spcBef>
+                <a:spcPts val="0"/>
+              </a:spcBef>
+              <a:spcAft>
+                <a:spcPts val="0"/>
+              </a:spcAft>
+              <a:buNone/>
+            </a:pPr>
+            <a:r>
+              <a:rPr lang="ko-KR" sz="1000" b="0" i="0" u="none" strike="noStrike" cap="none" dirty="0">
+                <a:solidFill>
+                  <a:srgbClr val="000000"/>
+                </a:solidFill>
+                <a:latin typeface="+mj-ea"/>
+                <a:ea typeface="+mj-ea"/>
+                <a:cs typeface="Dotumche"/>
+                <a:sym typeface="Dotumche"/>
+              </a:rPr>
+              <a:t>자</a:t>
+            </a:r>
+            <a:endParaRPr sz="1000" b="0" i="0" u="none" strike="noStrike" cap="none" dirty="0">
+              <a:solidFill>
+                <a:srgbClr val="000000"/>
+              </a:solidFill>
+              <a:latin typeface="+mj-ea"/>
+              <a:ea typeface="+mj-ea"/>
+              <a:cs typeface="Dotumche"/>
+              <a:sym typeface="Dotumche"/>
+            </a:endParaRPr>
+          </a:p>
+          <a:p>
+            <a:pPr marL="0" marR="0" lvl="0" indent="0" algn="ctr" rtl="0">
+              <a:spcBef>
+                <a:spcPts val="0"/>
+              </a:spcBef>
+              <a:spcAft>
+                <a:spcPts val="0"/>
+              </a:spcAft>
+              <a:buNone/>
+            </a:pPr>
+            <a:r>
+              <a:rPr lang="ko-KR" sz="1000" dirty="0">
+                <a:latin typeface="+mj-ea"/>
+                <a:ea typeface="+mj-ea"/>
+                <a:cs typeface="Dotumche"/>
+                <a:sym typeface="Dotumche"/>
+              </a:rPr>
+              <a:t>-</a:t>
+            </a:r>
+            <a:endParaRPr sz="1000" dirty="0">
+              <a:latin typeface="+mj-ea"/>
+              <a:ea typeface="+mj-ea"/>
+              <a:cs typeface="Dotumche"/>
+              <a:sym typeface="Dotumche"/>
+            </a:endParaRPr>
+          </a:p>
+          <a:p>
+            <a:pPr algn="ctr"/>
+            <a:r>
+              <a:rPr lang="ko-KR" altLang="en-US" sz="1000" dirty="0">
+                <a:latin typeface="맑은 고딕"/>
+                <a:ea typeface="맑은 고딕"/>
+                <a:cs typeface="Dotumche"/>
+              </a:rPr>
+              <a:t>공</a:t>
+            </a:r>
+          </a:p>
+          <a:p>
+            <a:pPr marL="0" marR="0" lvl="0" indent="0" algn="ctr">
+              <a:spcBef>
+                <a:spcPts val="0"/>
+              </a:spcBef>
+              <a:spcAft>
+                <a:spcPts val="0"/>
+              </a:spcAft>
+              <a:buNone/>
+            </a:pPr>
+            <a:r>
+              <a:rPr lang="ko-KR" altLang="en-US" sz="1000" dirty="0">
+                <a:latin typeface="맑은 고딕"/>
+                <a:ea typeface="맑은 고딕"/>
+                <a:cs typeface="Dotumche"/>
+              </a:rPr>
+              <a:t>통</a:t>
+            </a:r>
+          </a:p>
+          <a:p>
+            <a:pPr marL="0" marR="0" lvl="0" indent="0" algn="ctr" rtl="0">
+              <a:spcBef>
+                <a:spcPts val="0"/>
+              </a:spcBef>
+              <a:spcAft>
+                <a:spcPts val="0"/>
+              </a:spcAft>
+              <a:buNone/>
+            </a:pPr>
+            <a:endParaRPr sz="1000" dirty="0">
+              <a:latin typeface="+mj-ea"/>
+              <a:ea typeface="+mj-ea"/>
+              <a:cs typeface="Dotumche"/>
+              <a:sym typeface="Dotumche"/>
+            </a:endParaRPr>
           </a:p>
         </p:txBody>
       </p:sp>
@@ -21454,275 +21660,6 @@
       </p:sp>
       <p:sp>
         <p:nvSpPr>
-          <p:cNvPr id="148" name="Google Shape;148;p14"/>
-          <p:cNvSpPr/>
-          <p:nvPr/>
-        </p:nvSpPr>
-        <p:spPr>
-          <a:xfrm>
-            <a:off x="324079" y="853322"/>
-            <a:ext cx="654000" cy="5239800"/>
-          </a:xfrm>
-          <a:prstGeom prst="roundRect">
-            <a:avLst>
-              <a:gd name="adj" fmla="val 15806"/>
-            </a:avLst>
-          </a:prstGeom>
-          <a:solidFill>
-            <a:srgbClr val="B2B2B2"/>
-          </a:solidFill>
-          <a:ln w="12675" cap="flat" cmpd="sng">
-            <a:solidFill>
-              <a:schemeClr val="dk1"/>
-            </a:solidFill>
-            <a:prstDash val="solid"/>
-            <a:round/>
-            <a:headEnd type="none" w="sm" len="sm"/>
-            <a:tailEnd type="none" w="sm" len="sm"/>
-          </a:ln>
-          <a:effectLst>
-            <a:outerShdw dist="35921" dir="2700000" algn="ctr" rotWithShape="0">
-              <a:schemeClr val="dk1"/>
-            </a:outerShdw>
-          </a:effectLst>
-        </p:spPr>
-        <p:txBody>
-          <a:bodyPr spcFirstLastPara="1" wrap="square" lIns="92075" tIns="46025" rIns="92075" bIns="46025" anchor="ctr" anchorCtr="0">
-            <a:noAutofit/>
-          </a:bodyPr>
-          <a:lstStyle/>
-          <a:p>
-            <a:pPr marL="0" marR="0" lvl="0" indent="0" algn="ctr" rtl="0">
-              <a:spcBef>
-                <a:spcPts val="0"/>
-              </a:spcBef>
-              <a:spcAft>
-                <a:spcPts val="0"/>
-              </a:spcAft>
-              <a:buNone/>
-            </a:pPr>
-            <a:r>
-              <a:rPr lang="ko-KR" sz="1000" b="0" i="0" u="none" strike="noStrike" cap="none" dirty="0">
-                <a:solidFill>
-                  <a:srgbClr val="000000"/>
-                </a:solidFill>
-                <a:latin typeface="Dotumche"/>
-                <a:ea typeface="Dotumche"/>
-                <a:cs typeface="Dotumche"/>
-                <a:sym typeface="Dotumche"/>
-              </a:rPr>
-              <a:t>사</a:t>
-            </a:r>
-            <a:endParaRPr sz="1000" b="0" i="0" u="none" strike="noStrike" cap="none" dirty="0">
-              <a:solidFill>
-                <a:srgbClr val="000000"/>
-              </a:solidFill>
-              <a:latin typeface="Dotumche"/>
-              <a:ea typeface="Dotumche"/>
-              <a:cs typeface="Dotumche"/>
-              <a:sym typeface="Dotumche"/>
-            </a:endParaRPr>
-          </a:p>
-          <a:p>
-            <a:pPr marL="0" marR="0" lvl="0" indent="0" algn="ctr" rtl="0">
-              <a:spcBef>
-                <a:spcPts val="0"/>
-              </a:spcBef>
-              <a:spcAft>
-                <a:spcPts val="0"/>
-              </a:spcAft>
-              <a:buNone/>
-            </a:pPr>
-            <a:endParaRPr sz="1000" b="0" i="0" u="none" strike="noStrike" cap="none" dirty="0">
-              <a:solidFill>
-                <a:srgbClr val="000000"/>
-              </a:solidFill>
-              <a:latin typeface="Dotumche"/>
-              <a:ea typeface="Dotumche"/>
-              <a:cs typeface="Dotumche"/>
-              <a:sym typeface="Dotumche"/>
-            </a:endParaRPr>
-          </a:p>
-          <a:p>
-            <a:pPr marL="0" marR="0" lvl="0" indent="0" algn="ctr" rtl="0">
-              <a:spcBef>
-                <a:spcPts val="0"/>
-              </a:spcBef>
-              <a:spcAft>
-                <a:spcPts val="0"/>
-              </a:spcAft>
-              <a:buNone/>
-            </a:pPr>
-            <a:r>
-              <a:rPr lang="ko-KR" sz="1000" b="0" i="0" u="none" strike="noStrike" cap="none" dirty="0">
-                <a:solidFill>
-                  <a:srgbClr val="000000"/>
-                </a:solidFill>
-                <a:latin typeface="Dotumche"/>
-                <a:ea typeface="Dotumche"/>
-                <a:cs typeface="Dotumche"/>
-                <a:sym typeface="Dotumche"/>
-              </a:rPr>
-              <a:t>용</a:t>
-            </a:r>
-            <a:endParaRPr sz="1000" b="0" i="0" u="none" strike="noStrike" cap="none" dirty="0">
-              <a:solidFill>
-                <a:srgbClr val="000000"/>
-              </a:solidFill>
-              <a:latin typeface="Dotumche"/>
-              <a:ea typeface="Dotumche"/>
-              <a:cs typeface="Dotumche"/>
-              <a:sym typeface="Dotumche"/>
-            </a:endParaRPr>
-          </a:p>
-          <a:p>
-            <a:pPr marL="0" marR="0" lvl="0" indent="0" algn="ctr" rtl="0">
-              <a:spcBef>
-                <a:spcPts val="0"/>
-              </a:spcBef>
-              <a:spcAft>
-                <a:spcPts val="0"/>
-              </a:spcAft>
-              <a:buNone/>
-            </a:pPr>
-            <a:endParaRPr sz="1000" b="0" i="0" u="none" strike="noStrike" cap="none" dirty="0">
-              <a:solidFill>
-                <a:srgbClr val="000000"/>
-              </a:solidFill>
-              <a:latin typeface="Dotumche"/>
-              <a:ea typeface="Dotumche"/>
-              <a:cs typeface="Dotumche"/>
-              <a:sym typeface="Dotumche"/>
-            </a:endParaRPr>
-          </a:p>
-          <a:p>
-            <a:pPr marL="0" marR="0" lvl="0" indent="0" algn="ctr" rtl="0">
-              <a:spcBef>
-                <a:spcPts val="0"/>
-              </a:spcBef>
-              <a:spcAft>
-                <a:spcPts val="0"/>
-              </a:spcAft>
-              <a:buNone/>
-            </a:pPr>
-            <a:r>
-              <a:rPr lang="ko-KR" sz="1000" b="0" i="0" u="none" strike="noStrike" cap="none" dirty="0">
-                <a:solidFill>
-                  <a:srgbClr val="000000"/>
-                </a:solidFill>
-                <a:latin typeface="Dotumche"/>
-                <a:ea typeface="Dotumche"/>
-                <a:cs typeface="Dotumche"/>
-                <a:sym typeface="Dotumche"/>
-              </a:rPr>
-              <a:t>자</a:t>
-            </a:r>
-            <a:endParaRPr sz="1000" dirty="0">
-              <a:latin typeface="Dotumche"/>
-              <a:ea typeface="Dotumche"/>
-              <a:cs typeface="Dotumche"/>
-              <a:sym typeface="Dotumche"/>
-            </a:endParaRPr>
-          </a:p>
-          <a:p>
-            <a:pPr marL="0" marR="0" lvl="0" indent="0" algn="ctr" rtl="0">
-              <a:spcBef>
-                <a:spcPts val="0"/>
-              </a:spcBef>
-              <a:spcAft>
-                <a:spcPts val="0"/>
-              </a:spcAft>
-              <a:buNone/>
-            </a:pPr>
-            <a:r>
-              <a:rPr lang="ko-KR" sz="1000" dirty="0">
-                <a:latin typeface="Dotumche"/>
-                <a:ea typeface="Dotumche"/>
-                <a:cs typeface="Dotumche"/>
-                <a:sym typeface="Dotumche"/>
-              </a:rPr>
-              <a:t>_</a:t>
-            </a:r>
-            <a:endParaRPr sz="1000" dirty="0">
-              <a:latin typeface="Dotumche"/>
-              <a:ea typeface="Dotumche"/>
-              <a:cs typeface="Dotumche"/>
-              <a:sym typeface="Dotumche"/>
-            </a:endParaRPr>
-          </a:p>
-          <a:p>
-            <a:pPr marL="0" marR="0" lvl="0" indent="0" algn="ctr" rtl="0">
-              <a:spcBef>
-                <a:spcPts val="0"/>
-              </a:spcBef>
-              <a:spcAft>
-                <a:spcPts val="0"/>
-              </a:spcAft>
-              <a:buNone/>
-            </a:pPr>
-            <a:endParaRPr sz="1000" dirty="0">
-              <a:latin typeface="Dotumche"/>
-              <a:ea typeface="Dotumche"/>
-              <a:cs typeface="Dotumche"/>
-              <a:sym typeface="Dotumche"/>
-            </a:endParaRPr>
-          </a:p>
-          <a:p>
-            <a:pPr marL="0" marR="0" lvl="0" indent="0" algn="ctr" rtl="0">
-              <a:spcBef>
-                <a:spcPts val="0"/>
-              </a:spcBef>
-              <a:spcAft>
-                <a:spcPts val="0"/>
-              </a:spcAft>
-              <a:buNone/>
-            </a:pPr>
-            <a:r>
-              <a:rPr lang="ko-KR" sz="1000" dirty="0">
-                <a:latin typeface="Dotumche"/>
-                <a:ea typeface="Dotumche"/>
-                <a:cs typeface="Dotumche"/>
-                <a:sym typeface="Dotumche"/>
-              </a:rPr>
-              <a:t>학</a:t>
-            </a:r>
-            <a:endParaRPr sz="1000" dirty="0">
-              <a:latin typeface="Dotumche"/>
-              <a:ea typeface="Dotumche"/>
-              <a:cs typeface="Dotumche"/>
-              <a:sym typeface="Dotumche"/>
-            </a:endParaRPr>
-          </a:p>
-          <a:p>
-            <a:pPr marL="0" marR="0" lvl="0" indent="0" algn="ctr" rtl="0">
-              <a:spcBef>
-                <a:spcPts val="0"/>
-              </a:spcBef>
-              <a:spcAft>
-                <a:spcPts val="0"/>
-              </a:spcAft>
-              <a:buNone/>
-            </a:pPr>
-            <a:r>
-              <a:rPr lang="ko-KR" sz="1000" dirty="0">
-                <a:latin typeface="Dotumche"/>
-                <a:ea typeface="Dotumche"/>
-                <a:cs typeface="Dotumche"/>
-                <a:sym typeface="Dotumche"/>
-              </a:rPr>
-              <a:t>생</a:t>
-            </a:r>
-            <a:endParaRPr sz="1000" dirty="0">
-              <a:latin typeface="Dotumche"/>
-              <a:ea typeface="Dotumche"/>
-              <a:cs typeface="Dotumche"/>
-              <a:sym typeface="Dotumche"/>
-            </a:endParaRPr>
-          </a:p>
-        </p:txBody>
-      </p:sp>
-      <p:sp>
-        <p:nvSpPr>
           <p:cNvPr id="146" name="Google Shape;146;p14"/>
           <p:cNvSpPr/>
           <p:nvPr/>
@@ -22375,6 +22312,262 @@
           </a:p>
         </p:txBody>
       </p:sp>
+      <p:sp>
+        <p:nvSpPr>
+          <p:cNvPr id="2" name="Google Shape;105;p12">
+            <a:extLst>
+              <a:ext uri="{FF2B5EF4-FFF2-40B4-BE49-F238E27FC236}">
+                <a16:creationId xmlns:a16="http://schemas.microsoft.com/office/drawing/2014/main" id="{BB9304BC-4C91-431D-AD37-715FD5EFD408}"/>
+              </a:ext>
+            </a:extLst>
+          </p:cNvPr>
+          <p:cNvSpPr/>
+          <p:nvPr/>
+        </p:nvSpPr>
+        <p:spPr>
+          <a:xfrm>
+            <a:off x="324079" y="853322"/>
+            <a:ext cx="654000" cy="5239800"/>
+          </a:xfrm>
+          <a:prstGeom prst="roundRect">
+            <a:avLst>
+              <a:gd name="adj" fmla="val 15806"/>
+            </a:avLst>
+          </a:prstGeom>
+          <a:solidFill>
+            <a:srgbClr val="B2B2B2"/>
+          </a:solidFill>
+          <a:ln w="12675" cap="flat" cmpd="sng">
+            <a:solidFill>
+              <a:schemeClr val="dk1"/>
+            </a:solidFill>
+            <a:prstDash val="solid"/>
+            <a:round/>
+            <a:headEnd type="none" w="sm" len="sm"/>
+            <a:tailEnd type="none" w="sm" len="sm"/>
+          </a:ln>
+          <a:effectLst>
+            <a:outerShdw dist="35921" dir="2700000" algn="ctr" rotWithShape="0">
+              <a:schemeClr val="dk1"/>
+            </a:outerShdw>
+          </a:effectLst>
+        </p:spPr>
+        <p:txBody>
+          <a:bodyPr spcFirstLastPara="1" wrap="square" lIns="92075" tIns="46025" rIns="92075" bIns="46025" anchor="ctr" anchorCtr="0">
+            <a:noAutofit/>
+          </a:bodyPr>
+          <a:lstStyle/>
+          <a:p>
+            <a:pPr marL="0" marR="0" lvl="0" indent="0" algn="ctr" rtl="0">
+              <a:spcBef>
+                <a:spcPts val="0"/>
+              </a:spcBef>
+              <a:spcAft>
+                <a:spcPts val="0"/>
+              </a:spcAft>
+              <a:buNone/>
+            </a:pPr>
+            <a:r>
+              <a:rPr lang="ko-KR" sz="1000" b="0" i="0" u="none" strike="noStrike" cap="none" dirty="0">
+                <a:solidFill>
+                  <a:srgbClr val="000000"/>
+                </a:solidFill>
+                <a:latin typeface="+mj-ea"/>
+                <a:ea typeface="+mj-ea"/>
+                <a:cs typeface="Dotumche"/>
+                <a:sym typeface="Dotumche"/>
+              </a:rPr>
+              <a:t>사</a:t>
+            </a:r>
+            <a:endParaRPr sz="1000" b="0" i="0" u="none" strike="noStrike" cap="none" dirty="0">
+              <a:solidFill>
+                <a:srgbClr val="000000"/>
+              </a:solidFill>
+              <a:latin typeface="+mj-ea"/>
+              <a:ea typeface="+mj-ea"/>
+              <a:cs typeface="Dotumche"/>
+              <a:sym typeface="Dotumche"/>
+            </a:endParaRPr>
+          </a:p>
+          <a:p>
+            <a:pPr marL="0" marR="0" lvl="0" indent="0" algn="ctr" rtl="0">
+              <a:spcBef>
+                <a:spcPts val="0"/>
+              </a:spcBef>
+              <a:spcAft>
+                <a:spcPts val="0"/>
+              </a:spcAft>
+              <a:buNone/>
+            </a:pPr>
+            <a:endParaRPr sz="1000" b="0" i="0" u="none" strike="noStrike" cap="none" dirty="0">
+              <a:solidFill>
+                <a:srgbClr val="000000"/>
+              </a:solidFill>
+              <a:latin typeface="+mj-ea"/>
+              <a:ea typeface="+mj-ea"/>
+              <a:cs typeface="Dotumche"/>
+              <a:sym typeface="Dotumche"/>
+            </a:endParaRPr>
+          </a:p>
+          <a:p>
+            <a:pPr marL="0" marR="0" lvl="0" indent="0" algn="ctr" rtl="0">
+              <a:spcBef>
+                <a:spcPts val="0"/>
+              </a:spcBef>
+              <a:spcAft>
+                <a:spcPts val="0"/>
+              </a:spcAft>
+              <a:buNone/>
+            </a:pPr>
+            <a:r>
+              <a:rPr lang="ko-KR" sz="1000" b="0" i="0" u="none" strike="noStrike" cap="none" dirty="0">
+                <a:solidFill>
+                  <a:srgbClr val="000000"/>
+                </a:solidFill>
+                <a:latin typeface="+mj-ea"/>
+                <a:ea typeface="+mj-ea"/>
+                <a:cs typeface="Dotumche"/>
+                <a:sym typeface="Dotumche"/>
+              </a:rPr>
+              <a:t>용</a:t>
+            </a:r>
+            <a:endParaRPr sz="1000" b="0" i="0" u="none" strike="noStrike" cap="none" dirty="0">
+              <a:solidFill>
+                <a:srgbClr val="000000"/>
+              </a:solidFill>
+              <a:latin typeface="+mj-ea"/>
+              <a:ea typeface="+mj-ea"/>
+              <a:cs typeface="Dotumche"/>
+              <a:sym typeface="Dotumche"/>
+            </a:endParaRPr>
+          </a:p>
+          <a:p>
+            <a:pPr marL="0" marR="0" lvl="0" indent="0" algn="ctr" rtl="0">
+              <a:spcBef>
+                <a:spcPts val="0"/>
+              </a:spcBef>
+              <a:spcAft>
+                <a:spcPts val="0"/>
+              </a:spcAft>
+              <a:buNone/>
+            </a:pPr>
+            <a:endParaRPr sz="1000" b="0" i="0" u="none" strike="noStrike" cap="none" dirty="0">
+              <a:solidFill>
+                <a:srgbClr val="000000"/>
+              </a:solidFill>
+              <a:latin typeface="+mj-ea"/>
+              <a:ea typeface="+mj-ea"/>
+              <a:cs typeface="Dotumche"/>
+              <a:sym typeface="Dotumche"/>
+            </a:endParaRPr>
+          </a:p>
+          <a:p>
+            <a:pPr marL="0" marR="0" lvl="0" indent="0" algn="ctr" rtl="0">
+              <a:spcBef>
+                <a:spcPts val="0"/>
+              </a:spcBef>
+              <a:spcAft>
+                <a:spcPts val="0"/>
+              </a:spcAft>
+              <a:buNone/>
+            </a:pPr>
+            <a:r>
+              <a:rPr lang="ko-KR" sz="1000" b="0" i="0" u="none" strike="noStrike" cap="none" dirty="0">
+                <a:solidFill>
+                  <a:srgbClr val="000000"/>
+                </a:solidFill>
+                <a:latin typeface="+mj-ea"/>
+                <a:ea typeface="+mj-ea"/>
+                <a:cs typeface="Dotumche"/>
+                <a:sym typeface="Dotumche"/>
+              </a:rPr>
+              <a:t>자</a:t>
+            </a:r>
+            <a:endParaRPr sz="1000" b="0" i="0" u="none" strike="noStrike" cap="none" dirty="0">
+              <a:solidFill>
+                <a:srgbClr val="000000"/>
+              </a:solidFill>
+              <a:latin typeface="+mj-ea"/>
+              <a:ea typeface="+mj-ea"/>
+              <a:cs typeface="Dotumche"/>
+              <a:sym typeface="Dotumche"/>
+            </a:endParaRPr>
+          </a:p>
+          <a:p>
+            <a:pPr marL="0" marR="0" lvl="0" indent="0" algn="ctr" rtl="0">
+              <a:spcBef>
+                <a:spcPts val="0"/>
+              </a:spcBef>
+              <a:spcAft>
+                <a:spcPts val="0"/>
+              </a:spcAft>
+              <a:buNone/>
+            </a:pPr>
+            <a:r>
+              <a:rPr lang="ko-KR" sz="1000" dirty="0">
+                <a:latin typeface="+mj-ea"/>
+                <a:ea typeface="+mj-ea"/>
+                <a:cs typeface="Dotumche"/>
+                <a:sym typeface="Dotumche"/>
+              </a:rPr>
+              <a:t>-</a:t>
+            </a:r>
+            <a:endParaRPr sz="1000" dirty="0">
+              <a:latin typeface="+mj-ea"/>
+              <a:ea typeface="+mj-ea"/>
+              <a:cs typeface="Dotumche"/>
+              <a:sym typeface="Dotumche"/>
+            </a:endParaRPr>
+          </a:p>
+          <a:p>
+            <a:pPr algn="ctr"/>
+            <a:r>
+              <a:rPr lang="ko-KR" altLang="en-US" sz="1000" dirty="0">
+                <a:latin typeface="맑은 고딕"/>
+                <a:ea typeface="맑은 고딕"/>
+                <a:cs typeface="Dotumche"/>
+              </a:rPr>
+              <a:t>학</a:t>
+            </a:r>
+          </a:p>
+          <a:p>
+            <a:pPr marL="0" marR="0" lvl="0" indent="0" algn="ctr">
+              <a:spcBef>
+                <a:spcPts val="0"/>
+              </a:spcBef>
+              <a:spcAft>
+                <a:spcPts val="0"/>
+              </a:spcAft>
+              <a:buNone/>
+            </a:pPr>
+            <a:r>
+              <a:rPr lang="ko-KR" altLang="en-US" sz="1000" dirty="0">
+                <a:latin typeface="맑은 고딕"/>
+                <a:ea typeface="맑은 고딕"/>
+                <a:cs typeface="Dotumche"/>
+              </a:rPr>
+              <a:t>생</a:t>
+            </a:r>
+          </a:p>
+          <a:p>
+            <a:pPr marL="0" marR="0" lvl="0" indent="0" algn="ctr" rtl="0">
+              <a:spcBef>
+                <a:spcPts val="0"/>
+              </a:spcBef>
+              <a:spcAft>
+                <a:spcPts val="0"/>
+              </a:spcAft>
+              <a:buNone/>
+            </a:pPr>
+            <a:endParaRPr sz="1000" dirty="0">
+              <a:latin typeface="+mj-ea"/>
+              <a:ea typeface="+mj-ea"/>
+              <a:cs typeface="Dotumche"/>
+              <a:sym typeface="Dotumche"/>
+            </a:endParaRPr>
+          </a:p>
+        </p:txBody>
+      </p:sp>
     </p:spTree>
   </p:cSld>
   <p:clrMapOvr>
@@ -22683,275 +22876,6 @@
             <a:endParaRPr lang="en-US" altLang="ko-KR" sz="900" dirty="0">
               <a:latin typeface="Dotumche"/>
               <a:ea typeface="Dotumche"/>
-            </a:endParaRPr>
-          </a:p>
-        </p:txBody>
-      </p:sp>
-      <p:sp>
-        <p:nvSpPr>
-          <p:cNvPr id="148" name="Google Shape;148;p14"/>
-          <p:cNvSpPr/>
-          <p:nvPr/>
-        </p:nvSpPr>
-        <p:spPr>
-          <a:xfrm>
-            <a:off x="324079" y="853322"/>
-            <a:ext cx="654000" cy="5239800"/>
-          </a:xfrm>
-          <a:prstGeom prst="roundRect">
-            <a:avLst>
-              <a:gd name="adj" fmla="val 15806"/>
-            </a:avLst>
-          </a:prstGeom>
-          <a:solidFill>
-            <a:srgbClr val="B2B2B2"/>
-          </a:solidFill>
-          <a:ln w="12675" cap="flat" cmpd="sng">
-            <a:solidFill>
-              <a:schemeClr val="dk1"/>
-            </a:solidFill>
-            <a:prstDash val="solid"/>
-            <a:round/>
-            <a:headEnd type="none" w="sm" len="sm"/>
-            <a:tailEnd type="none" w="sm" len="sm"/>
-          </a:ln>
-          <a:effectLst>
-            <a:outerShdw dist="35921" dir="2700000" algn="ctr" rotWithShape="0">
-              <a:schemeClr val="dk1"/>
-            </a:outerShdw>
-          </a:effectLst>
-        </p:spPr>
-        <p:txBody>
-          <a:bodyPr spcFirstLastPara="1" wrap="square" lIns="92075" tIns="46025" rIns="92075" bIns="46025" anchor="ctr" anchorCtr="0">
-            <a:noAutofit/>
-          </a:bodyPr>
-          <a:lstStyle/>
-          <a:p>
-            <a:pPr marL="0" marR="0" lvl="0" indent="0" algn="ctr" rtl="0">
-              <a:spcBef>
-                <a:spcPts val="0"/>
-              </a:spcBef>
-              <a:spcAft>
-                <a:spcPts val="0"/>
-              </a:spcAft>
-              <a:buNone/>
-            </a:pPr>
-            <a:r>
-              <a:rPr lang="ko-KR" sz="1000" b="0" i="0" u="none" strike="noStrike" cap="none">
-                <a:solidFill>
-                  <a:srgbClr val="000000"/>
-                </a:solidFill>
-                <a:latin typeface="Dotumche"/>
-                <a:ea typeface="Dotumche"/>
-                <a:cs typeface="Dotumche"/>
-                <a:sym typeface="Dotumche"/>
-              </a:rPr>
-              <a:t>사</a:t>
-            </a:r>
-            <a:endParaRPr sz="1000" b="0" i="0" u="none" strike="noStrike" cap="none">
-              <a:solidFill>
-                <a:srgbClr val="000000"/>
-              </a:solidFill>
-              <a:latin typeface="Dotumche"/>
-              <a:ea typeface="Dotumche"/>
-              <a:cs typeface="Dotumche"/>
-              <a:sym typeface="Dotumche"/>
-            </a:endParaRPr>
-          </a:p>
-          <a:p>
-            <a:pPr marL="0" marR="0" lvl="0" indent="0" algn="ctr" rtl="0">
-              <a:spcBef>
-                <a:spcPts val="0"/>
-              </a:spcBef>
-              <a:spcAft>
-                <a:spcPts val="0"/>
-              </a:spcAft>
-              <a:buNone/>
-            </a:pPr>
-            <a:endParaRPr sz="1000" b="0" i="0" u="none" strike="noStrike" cap="none">
-              <a:solidFill>
-                <a:srgbClr val="000000"/>
-              </a:solidFill>
-              <a:latin typeface="Dotumche"/>
-              <a:ea typeface="Dotumche"/>
-              <a:cs typeface="Dotumche"/>
-              <a:sym typeface="Dotumche"/>
-            </a:endParaRPr>
-          </a:p>
-          <a:p>
-            <a:pPr marL="0" marR="0" lvl="0" indent="0" algn="ctr" rtl="0">
-              <a:spcBef>
-                <a:spcPts val="0"/>
-              </a:spcBef>
-              <a:spcAft>
-                <a:spcPts val="0"/>
-              </a:spcAft>
-              <a:buNone/>
-            </a:pPr>
-            <a:r>
-              <a:rPr lang="ko-KR" sz="1000" b="0" i="0" u="none" strike="noStrike" cap="none">
-                <a:solidFill>
-                  <a:srgbClr val="000000"/>
-                </a:solidFill>
-                <a:latin typeface="Dotumche"/>
-                <a:ea typeface="Dotumche"/>
-                <a:cs typeface="Dotumche"/>
-                <a:sym typeface="Dotumche"/>
-              </a:rPr>
-              <a:t>용</a:t>
-            </a:r>
-            <a:endParaRPr sz="1000" b="0" i="0" u="none" strike="noStrike" cap="none">
-              <a:solidFill>
-                <a:srgbClr val="000000"/>
-              </a:solidFill>
-              <a:latin typeface="Dotumche"/>
-              <a:ea typeface="Dotumche"/>
-              <a:cs typeface="Dotumche"/>
-              <a:sym typeface="Dotumche"/>
-            </a:endParaRPr>
-          </a:p>
-          <a:p>
-            <a:pPr marL="0" marR="0" lvl="0" indent="0" algn="ctr" rtl="0">
-              <a:spcBef>
-                <a:spcPts val="0"/>
-              </a:spcBef>
-              <a:spcAft>
-                <a:spcPts val="0"/>
-              </a:spcAft>
-              <a:buNone/>
-            </a:pPr>
-            <a:endParaRPr sz="1000" b="0" i="0" u="none" strike="noStrike" cap="none">
-              <a:solidFill>
-                <a:srgbClr val="000000"/>
-              </a:solidFill>
-              <a:latin typeface="Dotumche"/>
-              <a:ea typeface="Dotumche"/>
-              <a:cs typeface="Dotumche"/>
-              <a:sym typeface="Dotumche"/>
-            </a:endParaRPr>
-          </a:p>
-          <a:p>
-            <a:pPr marL="0" marR="0" lvl="0" indent="0" algn="ctr" rtl="0">
-              <a:spcBef>
-                <a:spcPts val="0"/>
-              </a:spcBef>
-              <a:spcAft>
-                <a:spcPts val="0"/>
-              </a:spcAft>
-              <a:buNone/>
-            </a:pPr>
-            <a:r>
-              <a:rPr lang="ko-KR" sz="1000" b="0" i="0" u="none" strike="noStrike" cap="none">
-                <a:solidFill>
-                  <a:srgbClr val="000000"/>
-                </a:solidFill>
-                <a:latin typeface="Dotumche"/>
-                <a:ea typeface="Dotumche"/>
-                <a:cs typeface="Dotumche"/>
-                <a:sym typeface="Dotumche"/>
-              </a:rPr>
-              <a:t>자</a:t>
-            </a:r>
-            <a:endParaRPr sz="1000">
-              <a:latin typeface="Dotumche"/>
-              <a:ea typeface="Dotumche"/>
-              <a:cs typeface="Dotumche"/>
-              <a:sym typeface="Dotumche"/>
-            </a:endParaRPr>
-          </a:p>
-          <a:p>
-            <a:pPr marL="0" marR="0" lvl="0" indent="0" algn="ctr" rtl="0">
-              <a:spcBef>
-                <a:spcPts val="0"/>
-              </a:spcBef>
-              <a:spcAft>
-                <a:spcPts val="0"/>
-              </a:spcAft>
-              <a:buNone/>
-            </a:pPr>
-            <a:r>
-              <a:rPr lang="ko-KR" sz="1000">
-                <a:latin typeface="Dotumche"/>
-                <a:ea typeface="Dotumche"/>
-                <a:cs typeface="Dotumche"/>
-                <a:sym typeface="Dotumche"/>
-              </a:rPr>
-              <a:t>_</a:t>
-            </a:r>
-            <a:endParaRPr sz="1000">
-              <a:latin typeface="Dotumche"/>
-              <a:ea typeface="Dotumche"/>
-              <a:cs typeface="Dotumche"/>
-              <a:sym typeface="Dotumche"/>
-            </a:endParaRPr>
-          </a:p>
-          <a:p>
-            <a:pPr marL="0" marR="0" lvl="0" indent="0" algn="ctr" rtl="0">
-              <a:spcBef>
-                <a:spcPts val="0"/>
-              </a:spcBef>
-              <a:spcAft>
-                <a:spcPts val="0"/>
-              </a:spcAft>
-              <a:buNone/>
-            </a:pPr>
-            <a:endParaRPr sz="1000">
-              <a:latin typeface="Dotumche"/>
-              <a:ea typeface="Dotumche"/>
-              <a:cs typeface="Dotumche"/>
-              <a:sym typeface="Dotumche"/>
-            </a:endParaRPr>
-          </a:p>
-          <a:p>
-            <a:pPr marL="0" marR="0" lvl="0" indent="0" algn="ctr" rtl="0">
-              <a:spcBef>
-                <a:spcPts val="0"/>
-              </a:spcBef>
-              <a:spcAft>
-                <a:spcPts val="0"/>
-              </a:spcAft>
-              <a:buNone/>
-            </a:pPr>
-            <a:r>
-              <a:rPr lang="ko-KR" sz="1000">
-                <a:latin typeface="Dotumche"/>
-                <a:ea typeface="Dotumche"/>
-                <a:cs typeface="Dotumche"/>
-                <a:sym typeface="Dotumche"/>
-              </a:rPr>
-              <a:t>학</a:t>
-            </a:r>
-            <a:endParaRPr sz="1000">
-              <a:latin typeface="Dotumche"/>
-              <a:ea typeface="Dotumche"/>
-              <a:cs typeface="Dotumche"/>
-              <a:sym typeface="Dotumche"/>
-            </a:endParaRPr>
-          </a:p>
-          <a:p>
-            <a:pPr marL="0" marR="0" lvl="0" indent="0" algn="ctr" rtl="0">
-              <a:spcBef>
-                <a:spcPts val="0"/>
-              </a:spcBef>
-              <a:spcAft>
-                <a:spcPts val="0"/>
-              </a:spcAft>
-              <a:buNone/>
-            </a:pPr>
-            <a:r>
-              <a:rPr lang="ko-KR" sz="1000">
-                <a:latin typeface="Dotumche"/>
-                <a:ea typeface="Dotumche"/>
-                <a:cs typeface="Dotumche"/>
-                <a:sym typeface="Dotumche"/>
-              </a:rPr>
-              <a:t>생</a:t>
-            </a:r>
-            <a:endParaRPr sz="1000">
-              <a:latin typeface="Dotumche"/>
-              <a:ea typeface="Dotumche"/>
-              <a:cs typeface="Dotumche"/>
-              <a:sym typeface="Dotumche"/>
             </a:endParaRPr>
           </a:p>
         </p:txBody>
@@ -23317,6 +23241,262 @@
             <a:endParaRPr sz="900" dirty="0">
               <a:latin typeface="Dotumche"/>
               <a:ea typeface="Dotumche"/>
+            </a:endParaRPr>
+          </a:p>
+        </p:txBody>
+      </p:sp>
+      <p:sp>
+        <p:nvSpPr>
+          <p:cNvPr id="2" name="Google Shape;105;p12">
+            <a:extLst>
+              <a:ext uri="{FF2B5EF4-FFF2-40B4-BE49-F238E27FC236}">
+                <a16:creationId xmlns:a16="http://schemas.microsoft.com/office/drawing/2014/main" id="{56CB637B-DA97-4874-9CD5-055D6F13BD41}"/>
+              </a:ext>
+            </a:extLst>
+          </p:cNvPr>
+          <p:cNvSpPr/>
+          <p:nvPr/>
+        </p:nvSpPr>
+        <p:spPr>
+          <a:xfrm>
+            <a:off x="324079" y="853322"/>
+            <a:ext cx="654000" cy="5239800"/>
+          </a:xfrm>
+          <a:prstGeom prst="roundRect">
+            <a:avLst>
+              <a:gd name="adj" fmla="val 15806"/>
+            </a:avLst>
+          </a:prstGeom>
+          <a:solidFill>
+            <a:srgbClr val="B2B2B2"/>
+          </a:solidFill>
+          <a:ln w="12675" cap="flat" cmpd="sng">
+            <a:solidFill>
+              <a:schemeClr val="dk1"/>
+            </a:solidFill>
+            <a:prstDash val="solid"/>
+            <a:round/>
+            <a:headEnd type="none" w="sm" len="sm"/>
+            <a:tailEnd type="none" w="sm" len="sm"/>
+          </a:ln>
+          <a:effectLst>
+            <a:outerShdw dist="35921" dir="2700000" algn="ctr" rotWithShape="0">
+              <a:schemeClr val="dk1"/>
+            </a:outerShdw>
+          </a:effectLst>
+        </p:spPr>
+        <p:txBody>
+          <a:bodyPr spcFirstLastPara="1" wrap="square" lIns="92075" tIns="46025" rIns="92075" bIns="46025" anchor="ctr" anchorCtr="0">
+            <a:noAutofit/>
+          </a:bodyPr>
+          <a:lstStyle/>
+          <a:p>
+            <a:pPr marL="0" marR="0" lvl="0" indent="0" algn="ctr" rtl="0">
+              <a:spcBef>
+                <a:spcPts val="0"/>
+              </a:spcBef>
+              <a:spcAft>
+                <a:spcPts val="0"/>
+              </a:spcAft>
+              <a:buNone/>
+            </a:pPr>
+            <a:r>
+              <a:rPr lang="ko-KR" sz="1000" b="0" i="0" u="none" strike="noStrike" cap="none" dirty="0">
+                <a:solidFill>
+                  <a:srgbClr val="000000"/>
+                </a:solidFill>
+                <a:latin typeface="+mj-ea"/>
+                <a:ea typeface="+mj-ea"/>
+                <a:cs typeface="Dotumche"/>
+                <a:sym typeface="Dotumche"/>
+              </a:rPr>
+              <a:t>사</a:t>
+            </a:r>
+            <a:endParaRPr sz="1000" b="0" i="0" u="none" strike="noStrike" cap="none" dirty="0">
+              <a:solidFill>
+                <a:srgbClr val="000000"/>
+              </a:solidFill>
+              <a:latin typeface="+mj-ea"/>
+              <a:ea typeface="+mj-ea"/>
+              <a:cs typeface="Dotumche"/>
+              <a:sym typeface="Dotumche"/>
+            </a:endParaRPr>
+          </a:p>
+          <a:p>
+            <a:pPr marL="0" marR="0" lvl="0" indent="0" algn="ctr" rtl="0">
+              <a:spcBef>
+                <a:spcPts val="0"/>
+              </a:spcBef>
+              <a:spcAft>
+                <a:spcPts val="0"/>
+              </a:spcAft>
+              <a:buNone/>
+            </a:pPr>
+            <a:endParaRPr sz="1000" b="0" i="0" u="none" strike="noStrike" cap="none" dirty="0">
+              <a:solidFill>
+                <a:srgbClr val="000000"/>
+              </a:solidFill>
+              <a:latin typeface="+mj-ea"/>
+              <a:ea typeface="+mj-ea"/>
+              <a:cs typeface="Dotumche"/>
+              <a:sym typeface="Dotumche"/>
+            </a:endParaRPr>
+          </a:p>
+          <a:p>
+            <a:pPr marL="0" marR="0" lvl="0" indent="0" algn="ctr" rtl="0">
+              <a:spcBef>
+                <a:spcPts val="0"/>
+              </a:spcBef>
+              <a:spcAft>
+                <a:spcPts val="0"/>
+              </a:spcAft>
+              <a:buNone/>
+            </a:pPr>
+            <a:r>
+              <a:rPr lang="ko-KR" sz="1000" b="0" i="0" u="none" strike="noStrike" cap="none" dirty="0">
+                <a:solidFill>
+                  <a:srgbClr val="000000"/>
+                </a:solidFill>
+                <a:latin typeface="+mj-ea"/>
+                <a:ea typeface="+mj-ea"/>
+                <a:cs typeface="Dotumche"/>
+                <a:sym typeface="Dotumche"/>
+              </a:rPr>
+              <a:t>용</a:t>
+            </a:r>
+            <a:endParaRPr sz="1000" b="0" i="0" u="none" strike="noStrike" cap="none" dirty="0">
+              <a:solidFill>
+                <a:srgbClr val="000000"/>
+              </a:solidFill>
+              <a:latin typeface="+mj-ea"/>
+              <a:ea typeface="+mj-ea"/>
+              <a:cs typeface="Dotumche"/>
+              <a:sym typeface="Dotumche"/>
+            </a:endParaRPr>
+          </a:p>
+          <a:p>
+            <a:pPr marL="0" marR="0" lvl="0" indent="0" algn="ctr" rtl="0">
+              <a:spcBef>
+                <a:spcPts val="0"/>
+              </a:spcBef>
+              <a:spcAft>
+                <a:spcPts val="0"/>
+              </a:spcAft>
+              <a:buNone/>
+            </a:pPr>
+            <a:endParaRPr sz="1000" b="0" i="0" u="none" strike="noStrike" cap="none" dirty="0">
+              <a:solidFill>
+                <a:srgbClr val="000000"/>
+              </a:solidFill>
+              <a:latin typeface="+mj-ea"/>
+              <a:ea typeface="+mj-ea"/>
+              <a:cs typeface="Dotumche"/>
+              <a:sym typeface="Dotumche"/>
+            </a:endParaRPr>
+          </a:p>
+          <a:p>
+            <a:pPr marL="0" marR="0" lvl="0" indent="0" algn="ctr" rtl="0">
+              <a:spcBef>
+                <a:spcPts val="0"/>
+              </a:spcBef>
+              <a:spcAft>
+                <a:spcPts val="0"/>
+              </a:spcAft>
+              <a:buNone/>
+            </a:pPr>
+            <a:r>
+              <a:rPr lang="ko-KR" sz="1000" b="0" i="0" u="none" strike="noStrike" cap="none" dirty="0">
+                <a:solidFill>
+                  <a:srgbClr val="000000"/>
+                </a:solidFill>
+                <a:latin typeface="+mj-ea"/>
+                <a:ea typeface="+mj-ea"/>
+                <a:cs typeface="Dotumche"/>
+                <a:sym typeface="Dotumche"/>
+              </a:rPr>
+              <a:t>자</a:t>
+            </a:r>
+            <a:endParaRPr sz="1000" b="0" i="0" u="none" strike="noStrike" cap="none" dirty="0">
+              <a:solidFill>
+                <a:srgbClr val="000000"/>
+              </a:solidFill>
+              <a:latin typeface="+mj-ea"/>
+              <a:ea typeface="+mj-ea"/>
+              <a:cs typeface="Dotumche"/>
+              <a:sym typeface="Dotumche"/>
+            </a:endParaRPr>
+          </a:p>
+          <a:p>
+            <a:pPr marL="0" marR="0" lvl="0" indent="0" algn="ctr" rtl="0">
+              <a:spcBef>
+                <a:spcPts val="0"/>
+              </a:spcBef>
+              <a:spcAft>
+                <a:spcPts val="0"/>
+              </a:spcAft>
+              <a:buNone/>
+            </a:pPr>
+            <a:r>
+              <a:rPr lang="ko-KR" sz="1000" dirty="0">
+                <a:latin typeface="+mj-ea"/>
+                <a:ea typeface="+mj-ea"/>
+                <a:cs typeface="Dotumche"/>
+                <a:sym typeface="Dotumche"/>
+              </a:rPr>
+              <a:t>-</a:t>
+            </a:r>
+            <a:endParaRPr sz="1000" dirty="0">
+              <a:latin typeface="+mj-ea"/>
+              <a:ea typeface="+mj-ea"/>
+              <a:cs typeface="Dotumche"/>
+              <a:sym typeface="Dotumche"/>
+            </a:endParaRPr>
+          </a:p>
+          <a:p>
+            <a:pPr algn="ctr"/>
+            <a:r>
+              <a:rPr lang="ko-KR" altLang="en-US" sz="1000" dirty="0">
+                <a:latin typeface="맑은 고딕"/>
+                <a:ea typeface="맑은 고딕"/>
+                <a:cs typeface="Dotumche"/>
+              </a:rPr>
+              <a:t>학</a:t>
+            </a:r>
+          </a:p>
+          <a:p>
+            <a:pPr marL="0" marR="0" lvl="0" indent="0" algn="ctr">
+              <a:spcBef>
+                <a:spcPts val="0"/>
+              </a:spcBef>
+              <a:spcAft>
+                <a:spcPts val="0"/>
+              </a:spcAft>
+              <a:buNone/>
+            </a:pPr>
+            <a:r>
+              <a:rPr lang="ko-KR" altLang="en-US" sz="1000" dirty="0">
+                <a:latin typeface="맑은 고딕"/>
+                <a:ea typeface="맑은 고딕"/>
+                <a:cs typeface="Dotumche"/>
+              </a:rPr>
+              <a:t>생</a:t>
+            </a:r>
+          </a:p>
+          <a:p>
+            <a:pPr marL="0" marR="0" lvl="0" indent="0" algn="ctr" rtl="0">
+              <a:spcBef>
+                <a:spcPts val="0"/>
+              </a:spcBef>
+              <a:spcAft>
+                <a:spcPts val="0"/>
+              </a:spcAft>
+              <a:buNone/>
+            </a:pPr>
+            <a:endParaRPr sz="1000" dirty="0">
+              <a:latin typeface="+mj-ea"/>
+              <a:ea typeface="+mj-ea"/>
+              <a:cs typeface="Dotumche"/>
+              <a:sym typeface="Dotumche"/>
             </a:endParaRPr>
           </a:p>
         </p:txBody>

--- a/DS01_프로세스정의서_v1.0.pptx
+++ b/DS01_프로세스정의서_v1.0.pptx
@@ -16,52 +16,44 @@
     <p:sldId id="260" r:id="rId7"/>
     <p:sldId id="261" r:id="rId8"/>
     <p:sldId id="262" r:id="rId9"/>
-    <p:sldId id="263" r:id="rId10"/>
+    <p:sldId id="264" r:id="rId10"/>
   </p:sldIdLst>
   <p:sldSz cx="9906000" cy="6858000" type="A4"/>
   <p:notesSz cx="6797675" cy="9926638"/>
   <p:embeddedFontLst>
     <p:embeddedFont>
-      <p:font typeface="Batang" panose="02030600000101010101" pitchFamily="18" charset="-127"/>
+      <p:font typeface="Malgun Gothic" panose="020B0503020000020004" pitchFamily="50" charset="-127"/>
       <p:regular r:id="rId12"/>
+      <p:bold r:id="rId13"/>
     </p:embeddedFont>
     <p:embeddedFont>
-      <p:font typeface="Dotum" panose="020B0600000101010101" pitchFamily="34" charset="-127"/>
-      <p:regular r:id="rId13"/>
+      <p:font typeface="Malgun Gothic" panose="020B0503020000020004" pitchFamily="50" charset="-127"/>
+      <p:regular r:id="rId12"/>
+      <p:bold r:id="rId13"/>
+    </p:embeddedFont>
+    <p:embeddedFont>
+      <p:font typeface="Calibri" panose="020F0502020204030204" pitchFamily="34" charset="0"/>
+      <p:regular r:id="rId14"/>
+      <p:bold r:id="rId15"/>
+      <p:italic r:id="rId16"/>
+      <p:boldItalic r:id="rId17"/>
     </p:embeddedFont>
     <p:embeddedFont>
       <p:font typeface="Dotumche" panose="020B0609000101010101" pitchFamily="49" charset="-127"/>
-      <p:regular r:id="rId14"/>
+      <p:regular r:id="rId18"/>
     </p:embeddedFont>
     <p:embeddedFont>
       <p:font typeface="Gulimche" panose="020B0609000101010101" pitchFamily="49" charset="-127"/>
-      <p:regular r:id="rId15"/>
+      <p:regular r:id="rId19"/>
     </p:embeddedFont>
     <p:embeddedFont>
-      <p:font typeface="Noto Sans Symbols" panose="020B0604020202020204" charset="-128"/>
-      <p:regular r:id="rId16"/>
-    </p:embeddedFont>
-    <p:embeddedFont>
-      <p:font typeface="Calibri" panose="020F0502020204030204" pitchFamily="34" charset="0"/>
-      <p:regular r:id="rId17"/>
-      <p:bold r:id="rId18"/>
-      <p:italic r:id="rId19"/>
-      <p:boldItalic r:id="rId20"/>
-    </p:embeddedFont>
-    <p:embeddedFont>
-      <p:font typeface="Malgun Gothic" panose="020B0503020000020004" pitchFamily="34" charset="-127"/>
-      <p:regular r:id="rId21"/>
-      <p:bold r:id="rId22"/>
-    </p:embeddedFont>
-    <p:embeddedFont>
-      <p:font typeface="Malgun Gothic" panose="020B0503020000020004" pitchFamily="34" charset="-127"/>
-      <p:regular r:id="rId21"/>
-      <p:bold r:id="rId22"/>
+      <p:font typeface="Noto Sans Symbols" panose="020B0502040504020204" pitchFamily="50" charset="-127"/>
+      <p:regular r:id="rId20"/>
     </p:embeddedFont>
     <p:embeddedFont>
       <p:font typeface="Tahoma" panose="020B0604030504040204" pitchFamily="34" charset="0"/>
-      <p:regular r:id="rId23"/>
-      <p:bold r:id="rId24"/>
+      <p:regular r:id="rId21"/>
+      <p:bold r:id="rId22"/>
     </p:embeddedFont>
   </p:embeddedFontLst>
   <p:defaultTextStyle>
@@ -2575,7 +2567,7 @@
     </p:spTree>
     <p:extLst>
       <p:ext uri="{BB962C8B-B14F-4D97-AF65-F5344CB8AC3E}">
-        <p14:creationId xmlns:p14="http://schemas.microsoft.com/office/powerpoint/2010/main" val="1410801813"/>
+        <p14:creationId xmlns:p14="http://schemas.microsoft.com/office/powerpoint/2010/main" val="1823616878"/>
       </p:ext>
     </p:extLst>
   </p:cSld>
@@ -19186,109 +19178,20 @@
           </a:p>
         </p:txBody>
       </p:sp>
-      <p:sp>
-        <p:nvSpPr>
-          <p:cNvPr id="100" name="Google Shape;100;p12"/>
-          <p:cNvSpPr/>
-          <p:nvPr/>
-        </p:nvSpPr>
-        <p:spPr>
-          <a:xfrm>
-            <a:off x="2852709" y="2492871"/>
-            <a:ext cx="900000" cy="360300"/>
-          </a:xfrm>
-          <a:prstGeom prst="rect">
-            <a:avLst/>
-          </a:prstGeom>
-          <a:noFill/>
-          <a:ln w="12700" cap="flat" cmpd="sng">
-            <a:solidFill>
-              <a:schemeClr val="dk1"/>
-            </a:solidFill>
-            <a:prstDash val="solid"/>
-            <a:miter lim="800000"/>
-            <a:headEnd type="none" w="sm" len="sm"/>
-            <a:tailEnd type="none" w="sm" len="sm"/>
-          </a:ln>
-        </p:spPr>
-        <p:txBody>
-          <a:bodyPr spcFirstLastPara="1" wrap="square" lIns="82550" tIns="41275" rIns="82550" bIns="41275" anchor="ctr" anchorCtr="0">
-            <a:noAutofit/>
-          </a:bodyPr>
-          <a:lstStyle/>
-          <a:p>
-            <a:pPr marL="0" marR="0" lvl="0" indent="0" algn="ctr" rtl="0">
-              <a:spcBef>
-                <a:spcPts val="0"/>
-              </a:spcBef>
-              <a:spcAft>
-                <a:spcPts val="0"/>
-              </a:spcAft>
-              <a:buNone/>
-            </a:pPr>
-            <a:r>
-              <a:rPr lang="ko-KR" sz="900" b="0" i="0" u="none" strike="noStrike" cap="none">
-                <a:solidFill>
-                  <a:srgbClr val="000000"/>
-                </a:solidFill>
-                <a:latin typeface="+mj-ea"/>
-                <a:ea typeface="+mj-ea"/>
-                <a:cs typeface="Dotumche"/>
-                <a:sym typeface="Dotumche"/>
-              </a:rPr>
-              <a:t>회원구분선택</a:t>
-            </a:r>
-            <a:endParaRPr>
-              <a:latin typeface="+mj-ea"/>
-              <a:ea typeface="+mj-ea"/>
-            </a:endParaRPr>
-          </a:p>
-        </p:txBody>
-      </p:sp>
       <p:cxnSp>
         <p:nvCxnSpPr>
           <p:cNvPr id="101" name="Google Shape;101;p12"/>
           <p:cNvCxnSpPr>
+            <a:cxnSpLocks/>
             <a:stCxn id="99" idx="3"/>
-            <a:endCxn id="100" idx="1"/>
+            <a:endCxn id="103" idx="1"/>
           </p:cNvCxnSpPr>
           <p:nvPr/>
         </p:nvCxnSpPr>
         <p:spPr>
           <a:xfrm>
             <a:off x="2377729" y="2664771"/>
-            <a:ext cx="474900" cy="8400"/>
-          </a:xfrm>
-          <a:prstGeom prst="straightConnector1">
-            <a:avLst/>
-          </a:prstGeom>
-          <a:solidFill>
-            <a:schemeClr val="accent1"/>
-          </a:solidFill>
-          <a:ln w="9525" cap="flat" cmpd="sng">
-            <a:solidFill>
-              <a:schemeClr val="dk1"/>
-            </a:solidFill>
-            <a:prstDash val="solid"/>
-            <a:round/>
-            <a:headEnd type="none" w="sm" len="sm"/>
-            <a:tailEnd type="triangle" w="med" len="med"/>
-          </a:ln>
-        </p:spPr>
-      </p:cxnSp>
-      <p:cxnSp>
-        <p:nvCxnSpPr>
-          <p:cNvPr id="102" name="Google Shape;102;p12"/>
-          <p:cNvCxnSpPr>
-            <a:stCxn id="100" idx="3"/>
-            <a:endCxn id="103" idx="1"/>
-          </p:cNvCxnSpPr>
-          <p:nvPr/>
-        </p:nvCxnSpPr>
-        <p:spPr>
-          <a:xfrm>
-            <a:off x="3752709" y="2673021"/>
-            <a:ext cx="356700" cy="0"/>
+            <a:ext cx="613119" cy="8400"/>
           </a:xfrm>
           <a:prstGeom prst="straightConnector1">
             <a:avLst/>
@@ -19315,7 +19218,7 @@
         </p:nvSpPr>
         <p:spPr>
           <a:xfrm>
-            <a:off x="4109435" y="2492866"/>
+            <a:off x="2990848" y="2493021"/>
             <a:ext cx="900000" cy="360300"/>
           </a:xfrm>
           <a:prstGeom prst="rect">
@@ -19402,10 +19305,16 @@
         <p:nvGraphicFramePr>
           <p:cNvPr id="104" name="Google Shape;104;p12"/>
           <p:cNvGraphicFramePr/>
-          <p:nvPr/>
+          <p:nvPr>
+            <p:extLst>
+              <p:ext uri="{D42A27DB-BD31-4B8C-83A1-F6EECF244321}">
+                <p14:modId xmlns:p14="http://schemas.microsoft.com/office/powerpoint/2010/main" val="3082461986"/>
+              </p:ext>
+            </p:extLst>
+          </p:nvPr>
         </p:nvGraphicFramePr>
         <p:xfrm>
-          <a:off x="8050955" y="2562320"/>
+          <a:off x="6932368" y="2562475"/>
           <a:ext cx="1044450" cy="204910"/>
         </p:xfrm>
         <a:graphic>
@@ -19781,7 +19690,7 @@
         </p:nvSpPr>
         <p:spPr>
           <a:xfrm>
-            <a:off x="5272725" y="2432575"/>
+            <a:off x="4154138" y="2432730"/>
             <a:ext cx="1258200" cy="480900"/>
           </a:xfrm>
           <a:prstGeom prst="diamond">
@@ -19845,7 +19754,7 @@
         </p:nvSpPr>
         <p:spPr>
           <a:xfrm>
-            <a:off x="6474300" y="2432575"/>
+            <a:off x="5355713" y="2432730"/>
             <a:ext cx="270300" cy="323100"/>
           </a:xfrm>
           <a:prstGeom prst="rect">
@@ -19896,7 +19805,7 @@
         </p:nvCxnSpPr>
         <p:spPr>
           <a:xfrm>
-            <a:off x="5009435" y="2673016"/>
+            <a:off x="3890848" y="2673171"/>
             <a:ext cx="263400" cy="0"/>
           </a:xfrm>
           <a:prstGeom prst="straightConnector1">
@@ -19924,7 +19833,7 @@
         </p:nvSpPr>
         <p:spPr>
           <a:xfrm>
-            <a:off x="5272725" y="3215700"/>
+            <a:off x="4154138" y="3215855"/>
             <a:ext cx="270300" cy="323100"/>
           </a:xfrm>
           <a:prstGeom prst="rect">
@@ -19975,7 +19884,7 @@
         </p:nvCxnSpPr>
         <p:spPr>
           <a:xfrm rot="5400000" flipH="1">
-            <a:off x="5200425" y="2212075"/>
+            <a:off x="4081838" y="2212230"/>
             <a:ext cx="60300" cy="1342500"/>
           </a:xfrm>
           <a:prstGeom prst="bentConnector3">
@@ -20007,7 +19916,7 @@
         </p:nvCxnSpPr>
         <p:spPr>
           <a:xfrm>
-            <a:off x="7740938" y="2664774"/>
+            <a:off x="6622351" y="2664929"/>
             <a:ext cx="321600" cy="6900"/>
           </a:xfrm>
           <a:prstGeom prst="straightConnector1">
@@ -20033,7 +19942,7 @@
         </p:nvSpPr>
         <p:spPr>
           <a:xfrm>
-            <a:off x="6840938" y="2394174"/>
+            <a:off x="5722351" y="2394329"/>
             <a:ext cx="900000" cy="541200"/>
           </a:xfrm>
           <a:prstGeom prst="rect">
@@ -20125,7 +20034,7 @@
         </p:nvCxnSpPr>
         <p:spPr>
           <a:xfrm rot="10800000" flipH="1">
-            <a:off x="6530925" y="2664625"/>
+            <a:off x="5412338" y="2664780"/>
             <a:ext cx="309900" cy="8400"/>
           </a:xfrm>
           <a:prstGeom prst="straightConnector1">
@@ -20380,106 +20289,20 @@
           </a:p>
         </p:txBody>
       </p:sp>
-      <p:sp>
-        <p:nvSpPr>
-          <p:cNvPr id="122" name="Google Shape;122;p13"/>
-          <p:cNvSpPr/>
-          <p:nvPr/>
-        </p:nvSpPr>
-        <p:spPr>
-          <a:xfrm>
-            <a:off x="2844421" y="2484621"/>
-            <a:ext cx="900000" cy="360300"/>
-          </a:xfrm>
-          <a:prstGeom prst="rect">
-            <a:avLst/>
-          </a:prstGeom>
-          <a:noFill/>
-          <a:ln w="12700" cap="flat" cmpd="sng">
-            <a:solidFill>
-              <a:schemeClr val="dk1"/>
-            </a:solidFill>
-            <a:prstDash val="solid"/>
-            <a:miter lim="800000"/>
-            <a:headEnd type="none" w="sm" len="sm"/>
-            <a:tailEnd type="none" w="sm" len="sm"/>
-          </a:ln>
-        </p:spPr>
-        <p:txBody>
-          <a:bodyPr spcFirstLastPara="1" wrap="square" lIns="82550" tIns="41275" rIns="82550" bIns="41275" anchor="ctr" anchorCtr="0">
-            <a:noAutofit/>
-          </a:bodyPr>
-          <a:lstStyle/>
-          <a:p>
-            <a:pPr marL="0" marR="0" lvl="0" indent="0" algn="ctr" rtl="0">
-              <a:spcBef>
-                <a:spcPts val="0"/>
-              </a:spcBef>
-              <a:spcAft>
-                <a:spcPts val="0"/>
-              </a:spcAft>
-              <a:buNone/>
-            </a:pPr>
-            <a:r>
-              <a:rPr lang="ko-KR" sz="900" b="0" i="0" u="none" strike="noStrike" cap="none" dirty="0">
-                <a:solidFill>
-                  <a:srgbClr val="000000"/>
-                </a:solidFill>
-                <a:latin typeface="Dotumche"/>
-                <a:ea typeface="Dotumche"/>
-                <a:cs typeface="Dotumche"/>
-                <a:sym typeface="Dotumche"/>
-              </a:rPr>
-              <a:t>회원구분선택</a:t>
-            </a:r>
-            <a:endParaRPr dirty="0"/>
-          </a:p>
-        </p:txBody>
-      </p:sp>
       <p:cxnSp>
         <p:nvCxnSpPr>
           <p:cNvPr id="123" name="Google Shape;123;p13"/>
           <p:cNvCxnSpPr>
+            <a:cxnSpLocks/>
             <a:stCxn id="121" idx="3"/>
-            <a:endCxn id="122" idx="1"/>
+            <a:endCxn id="125" idx="1"/>
           </p:cNvCxnSpPr>
           <p:nvPr/>
         </p:nvCxnSpPr>
         <p:spPr>
           <a:xfrm>
             <a:off x="2361154" y="2664771"/>
-            <a:ext cx="483300" cy="0"/>
-          </a:xfrm>
-          <a:prstGeom prst="straightConnector1">
-            <a:avLst/>
-          </a:prstGeom>
-          <a:solidFill>
-            <a:schemeClr val="accent1"/>
-          </a:solidFill>
-          <a:ln w="9525" cap="flat" cmpd="sng">
-            <a:solidFill>
-              <a:schemeClr val="dk1"/>
-            </a:solidFill>
-            <a:prstDash val="solid"/>
-            <a:round/>
-            <a:headEnd type="none" w="sm" len="sm"/>
-            <a:tailEnd type="triangle" w="med" len="med"/>
-          </a:ln>
-        </p:spPr>
-      </p:cxnSp>
-      <p:cxnSp>
-        <p:nvCxnSpPr>
-          <p:cNvPr id="124" name="Google Shape;124;p13"/>
-          <p:cNvCxnSpPr>
-            <a:stCxn id="122" idx="3"/>
-            <a:endCxn id="125" idx="1"/>
-          </p:cNvCxnSpPr>
-          <p:nvPr/>
-        </p:nvCxnSpPr>
-        <p:spPr>
-          <a:xfrm>
-            <a:off x="3744421" y="2664771"/>
-            <a:ext cx="483300" cy="8100"/>
+            <a:ext cx="933300" cy="5003"/>
           </a:xfrm>
           <a:prstGeom prst="straightConnector1">
             <a:avLst/>
@@ -20506,8 +20329,8 @@
         </p:nvSpPr>
         <p:spPr>
           <a:xfrm>
-            <a:off x="4227673" y="2492866"/>
-            <a:ext cx="900000" cy="360300"/>
+            <a:off x="3294454" y="2396972"/>
+            <a:ext cx="900000" cy="545604"/>
           </a:xfrm>
           <a:prstGeom prst="rect">
             <a:avLst/>
@@ -20539,7 +20362,7 @@
               <a:buNone/>
             </a:pPr>
             <a:r>
-              <a:rPr lang="ko-KR" sz="900" b="0" i="0" u="none" strike="noStrike" cap="none" dirty="0">
+              <a:rPr lang="ko-KR" altLang="en-US" sz="900" b="0" i="0" u="none" strike="noStrike" cap="none" dirty="0">
                 <a:solidFill>
                   <a:srgbClr val="000000"/>
                 </a:solidFill>
@@ -20548,30 +20371,10 @@
                 <a:cs typeface="Dotumche"/>
                 <a:sym typeface="Dotumche"/>
               </a:rPr>
-              <a:t>회원정보</a:t>
+              <a:t>학번</a:t>
             </a:r>
-            <a:endParaRPr sz="900" b="0" i="0" u="none" strike="noStrike" cap="none" dirty="0">
-              <a:solidFill>
-                <a:srgbClr val="000000"/>
-              </a:solidFill>
-              <a:latin typeface="Dotumche"/>
-              <a:ea typeface="Dotumche"/>
-              <a:cs typeface="Dotumche"/>
-              <a:sym typeface="Dotumche"/>
-            </a:endParaRPr>
-          </a:p>
-          <a:p>
-            <a:pPr marL="0" marR="0" lvl="0" indent="0" algn="ctr" rtl="0">
-              <a:spcBef>
-                <a:spcPts val="0"/>
-              </a:spcBef>
-              <a:spcAft>
-                <a:spcPts val="0"/>
-              </a:spcAft>
-              <a:buNone/>
-            </a:pPr>
             <a:r>
-              <a:rPr lang="ko-KR" sz="900" b="0" i="0" u="none" strike="noStrike" cap="none" dirty="0">
+              <a:rPr lang="en-US" altLang="ko-KR" sz="900" b="0" i="0" u="none" strike="noStrike" cap="none" dirty="0">
                 <a:solidFill>
                   <a:srgbClr val="000000"/>
                 </a:solidFill>
@@ -20580,7 +20383,19 @@
                 <a:cs typeface="Dotumche"/>
                 <a:sym typeface="Dotumche"/>
               </a:rPr>
-              <a:t>입력</a:t>
+              <a:t> &amp; </a:t>
+            </a:r>
+            <a:r>
+              <a:rPr lang="ko-KR" altLang="en-US" sz="900" b="0" i="0" u="none" strike="noStrike" cap="none" dirty="0">
+                <a:solidFill>
+                  <a:srgbClr val="000000"/>
+                </a:solidFill>
+                <a:latin typeface="Dotumche"/>
+                <a:ea typeface="Dotumche"/>
+                <a:cs typeface="Dotumche"/>
+                <a:sym typeface="Dotumche"/>
+              </a:rPr>
+              <a:t>비밀번호 입력</a:t>
             </a:r>
             <a:endParaRPr dirty="0"/>
           </a:p>
@@ -20590,10 +20405,16 @@
         <p:nvGraphicFramePr>
           <p:cNvPr id="126" name="Google Shape;126;p13"/>
           <p:cNvGraphicFramePr/>
-          <p:nvPr/>
+          <p:nvPr>
+            <p:extLst>
+              <p:ext uri="{D42A27DB-BD31-4B8C-83A1-F6EECF244321}">
+                <p14:modId xmlns:p14="http://schemas.microsoft.com/office/powerpoint/2010/main" val="1674607861"/>
+              </p:ext>
+            </p:extLst>
+          </p:nvPr>
         </p:nvGraphicFramePr>
         <p:xfrm>
-          <a:off x="7276630" y="2567207"/>
+          <a:off x="6343411" y="2558962"/>
           <a:ext cx="1086175" cy="212275"/>
         </p:xfrm>
         <a:graphic>
@@ -20719,7 +20540,7 @@
         </p:nvSpPr>
         <p:spPr>
           <a:xfrm>
-            <a:off x="5610926" y="2439200"/>
+            <a:off x="4677707" y="2430955"/>
             <a:ext cx="900000" cy="480900"/>
           </a:xfrm>
           <a:prstGeom prst="diamond">
@@ -20771,6 +20592,7 @@
         <p:nvCxnSpPr>
           <p:cNvPr id="129" name="Google Shape;129;p13"/>
           <p:cNvCxnSpPr>
+            <a:cxnSpLocks/>
             <a:stCxn id="125" idx="3"/>
             <a:endCxn id="128" idx="1"/>
           </p:cNvCxnSpPr>
@@ -20778,8 +20600,8 @@
         </p:nvCxnSpPr>
         <p:spPr>
           <a:xfrm>
-            <a:off x="5127673" y="2673016"/>
-            <a:ext cx="483300" cy="6600"/>
+            <a:off x="4194454" y="2669774"/>
+            <a:ext cx="483253" cy="1631"/>
           </a:xfrm>
           <a:prstGeom prst="straightConnector1">
             <a:avLst/>
@@ -20800,63 +20622,13 @@
       </p:cxnSp>
       <p:sp>
         <p:nvSpPr>
-          <p:cNvPr id="130" name="Google Shape;130;p13"/>
-          <p:cNvSpPr txBox="1"/>
-          <p:nvPr/>
-        </p:nvSpPr>
-        <p:spPr>
-          <a:xfrm>
-            <a:off x="3375325" y="1681700"/>
-            <a:ext cx="3000000" cy="369300"/>
-          </a:xfrm>
-          <a:prstGeom prst="rect">
-            <a:avLst/>
-          </a:prstGeom>
-          <a:noFill/>
-          <a:ln>
-            <a:noFill/>
-          </a:ln>
-        </p:spPr>
-        <p:txBody>
-          <a:bodyPr spcFirstLastPara="1" wrap="square" lIns="91425" tIns="91425" rIns="91425" bIns="91425" anchor="t" anchorCtr="0">
-            <a:spAutoFit/>
-          </a:bodyPr>
-          <a:lstStyle/>
-          <a:p>
-            <a:pPr marL="0" lvl="0" indent="0" algn="l" rtl="0">
-              <a:spcBef>
-                <a:spcPts val="0"/>
-              </a:spcBef>
-              <a:spcAft>
-                <a:spcPts val="0"/>
-              </a:spcAft>
-              <a:buNone/>
-            </a:pPr>
-            <a:r>
-              <a:rPr lang="ko-KR" sz="1200">
-                <a:solidFill>
-                  <a:schemeClr val="dk1"/>
-                </a:solidFill>
-                <a:latin typeface="Malgun Gothic"/>
-                <a:ea typeface="Malgun Gothic"/>
-                <a:cs typeface="Malgun Gothic"/>
-                <a:sym typeface="Malgun Gothic"/>
-              </a:rPr>
-              <a:t> </a:t>
-            </a:r>
-            <a:endParaRPr/>
-          </a:p>
-        </p:txBody>
-      </p:sp>
-      <p:sp>
-        <p:nvSpPr>
           <p:cNvPr id="131" name="Google Shape;131;p13"/>
           <p:cNvSpPr txBox="1"/>
           <p:nvPr/>
         </p:nvSpPr>
         <p:spPr>
           <a:xfrm>
-            <a:off x="6758625" y="2439200"/>
+            <a:off x="5825406" y="2430955"/>
             <a:ext cx="270300" cy="323100"/>
           </a:xfrm>
           <a:prstGeom prst="rect">
@@ -20900,7 +20672,7 @@
         </p:nvCxnSpPr>
         <p:spPr>
           <a:xfrm rot="10800000" flipH="1">
-            <a:off x="6510926" y="2671550"/>
+            <a:off x="5577707" y="2663305"/>
             <a:ext cx="752700" cy="8100"/>
           </a:xfrm>
           <a:prstGeom prst="straightConnector1">
@@ -20929,12 +20701,12 @@
         </p:nvCxnSpPr>
         <p:spPr>
           <a:xfrm rot="5400000" flipH="1">
-            <a:off x="3948326" y="807500"/>
-            <a:ext cx="75300" cy="4149900"/>
+            <a:off x="3485964" y="1270112"/>
+            <a:ext cx="66934" cy="3216553"/>
           </a:xfrm>
           <a:prstGeom prst="bentConnector3">
             <a:avLst>
-              <a:gd name="adj1" fmla="val -905511"/>
+              <a:gd name="adj1" fmla="val -341530"/>
             </a:avLst>
           </a:prstGeom>
           <a:solidFill>
@@ -21431,59 +21203,13 @@
       </p:sp>
       <p:sp>
         <p:nvSpPr>
-          <p:cNvPr id="142" name="Google Shape;142;p14"/>
-          <p:cNvSpPr/>
-          <p:nvPr/>
-        </p:nvSpPr>
-        <p:spPr>
-          <a:xfrm>
-            <a:off x="1461154" y="2484621"/>
-            <a:ext cx="900000" cy="360300"/>
-          </a:xfrm>
-          <a:prstGeom prst="rect">
-            <a:avLst/>
-          </a:prstGeom>
-          <a:solidFill>
-            <a:schemeClr val="accent1"/>
-          </a:solidFill>
-          <a:ln w="12700" cap="flat" cmpd="sng">
-            <a:solidFill>
-              <a:schemeClr val="dk1"/>
-            </a:solidFill>
-            <a:prstDash val="solid"/>
-            <a:miter lim="800000"/>
-            <a:headEnd type="none" w="sm" len="sm"/>
-            <a:tailEnd type="none" w="sm" len="sm"/>
-          </a:ln>
-        </p:spPr>
-        <p:txBody>
-          <a:bodyPr spcFirstLastPara="1" wrap="square" lIns="82550" tIns="41275" rIns="82550" bIns="41275" anchor="ctr" anchorCtr="0">
-            <a:noAutofit/>
-          </a:bodyPr>
-          <a:lstStyle/>
-          <a:p>
-            <a:pPr marL="0" marR="0" lvl="0" indent="0" algn="ctr" rtl="0">
-              <a:spcBef>
-                <a:spcPts val="0"/>
-              </a:spcBef>
-              <a:spcAft>
-                <a:spcPts val="0"/>
-              </a:spcAft>
-              <a:buNone/>
-            </a:pPr>
-            <a:endParaRPr/>
-          </a:p>
-        </p:txBody>
-      </p:sp>
-      <p:sp>
-        <p:nvSpPr>
           <p:cNvPr id="143" name="Google Shape;143;p14"/>
           <p:cNvSpPr/>
           <p:nvPr/>
         </p:nvSpPr>
         <p:spPr>
           <a:xfrm>
-            <a:off x="2844496" y="2484621"/>
+            <a:off x="3039805" y="2484474"/>
             <a:ext cx="900000" cy="360300"/>
           </a:xfrm>
           <a:prstGeom prst="rect">
@@ -21537,15 +21263,16 @@
         <p:nvCxnSpPr>
           <p:cNvPr id="144" name="Google Shape;144;p14"/>
           <p:cNvCxnSpPr>
-            <a:stCxn id="142" idx="3"/>
+            <a:cxnSpLocks/>
+            <a:stCxn id="31" idx="3"/>
             <a:endCxn id="143" idx="1"/>
           </p:cNvCxnSpPr>
           <p:nvPr/>
         </p:nvCxnSpPr>
         <p:spPr>
           <a:xfrm>
-            <a:off x="2361154" y="2664771"/>
-            <a:ext cx="483300" cy="0"/>
+            <a:off x="2578737" y="2660730"/>
+            <a:ext cx="461068" cy="3894"/>
           </a:xfrm>
           <a:prstGeom prst="straightConnector1">
             <a:avLst/>
@@ -21576,7 +21303,7 @@
         </p:nvCxnSpPr>
         <p:spPr>
           <a:xfrm flipV="1">
-            <a:off x="5188225" y="2664766"/>
+            <a:off x="5383534" y="2664619"/>
             <a:ext cx="543698" cy="9"/>
           </a:xfrm>
           <a:prstGeom prst="straightConnector1">
@@ -21604,7 +21331,7 @@
         </p:nvSpPr>
         <p:spPr>
           <a:xfrm>
-            <a:off x="5731923" y="2484616"/>
+            <a:off x="5927232" y="2484469"/>
             <a:ext cx="756880" cy="360300"/>
           </a:xfrm>
           <a:prstGeom prst="rect">
@@ -21666,7 +21393,7 @@
         </p:nvSpPr>
         <p:spPr>
           <a:xfrm>
-            <a:off x="4288225" y="2337775"/>
+            <a:off x="4483534" y="2337628"/>
             <a:ext cx="900000" cy="654000"/>
           </a:xfrm>
           <a:prstGeom prst="diamond">
@@ -21749,7 +21476,7 @@
         </p:nvCxnSpPr>
         <p:spPr>
           <a:xfrm>
-            <a:off x="3744496" y="2664771"/>
+            <a:off x="3939805" y="2664624"/>
             <a:ext cx="543600" cy="0"/>
           </a:xfrm>
           <a:prstGeom prst="straightConnector1">
@@ -21777,7 +21504,7 @@
         </p:nvSpPr>
         <p:spPr>
           <a:xfrm>
-            <a:off x="5248725" y="2337777"/>
+            <a:off x="5444034" y="2337630"/>
             <a:ext cx="270300" cy="323100"/>
           </a:xfrm>
           <a:prstGeom prst="rect">
@@ -21819,7 +21546,7 @@
         </p:nvSpPr>
         <p:spPr>
           <a:xfrm>
-            <a:off x="3921500" y="3229900"/>
+            <a:off x="4116809" y="3229753"/>
             <a:ext cx="270300" cy="323100"/>
           </a:xfrm>
           <a:prstGeom prst="rect">
@@ -21857,6 +21584,7 @@
         <p:nvCxnSpPr>
           <p:cNvPr id="152" name="Google Shape;152;p14"/>
           <p:cNvCxnSpPr>
+            <a:cxnSpLocks/>
             <a:stCxn id="146" idx="2"/>
             <a:endCxn id="143" idx="2"/>
           </p:cNvCxnSpPr>
@@ -21864,7 +21592,7 @@
         </p:nvCxnSpPr>
         <p:spPr>
           <a:xfrm rot="5400000" flipH="1">
-            <a:off x="3942925" y="2196475"/>
+            <a:off x="4138234" y="2196328"/>
             <a:ext cx="147000" cy="1443600"/>
           </a:xfrm>
           <a:prstGeom prst="bentConnector3">
@@ -21894,7 +21622,7 @@
         </p:nvSpPr>
         <p:spPr>
           <a:xfrm>
-            <a:off x="8218871" y="2484621"/>
+            <a:off x="8414180" y="2484474"/>
             <a:ext cx="900000" cy="360300"/>
           </a:xfrm>
           <a:prstGeom prst="rect">
@@ -21956,7 +21684,7 @@
         </p:nvCxnSpPr>
         <p:spPr>
           <a:xfrm>
-            <a:off x="6488803" y="2664766"/>
+            <a:off x="6684112" y="2664619"/>
             <a:ext cx="415034" cy="9"/>
           </a:xfrm>
           <a:prstGeom prst="straightConnector1">
@@ -21984,7 +21712,7 @@
         </p:nvSpPr>
         <p:spPr>
           <a:xfrm>
-            <a:off x="6903837" y="2337775"/>
+            <a:off x="7099146" y="2337628"/>
             <a:ext cx="900000" cy="654000"/>
           </a:xfrm>
           <a:prstGeom prst="diamond">
@@ -22043,7 +21771,7 @@
         </p:nvCxnSpPr>
         <p:spPr>
           <a:xfrm>
-            <a:off x="7803837" y="2664775"/>
+            <a:off x="7999146" y="2664628"/>
             <a:ext cx="414900" cy="0"/>
           </a:xfrm>
           <a:prstGeom prst="straightConnector1">
@@ -22075,7 +21803,7 @@
         </p:nvCxnSpPr>
         <p:spPr>
           <a:xfrm rot="5400000" flipH="1">
-            <a:off x="6658670" y="2296609"/>
+            <a:off x="6853979" y="2296462"/>
             <a:ext cx="146859" cy="1243474"/>
           </a:xfrm>
           <a:prstGeom prst="bentConnector3">
@@ -22105,7 +21833,7 @@
         </p:nvSpPr>
         <p:spPr>
           <a:xfrm>
-            <a:off x="7804575" y="2337777"/>
+            <a:off x="7999884" y="2337630"/>
             <a:ext cx="270300" cy="323100"/>
           </a:xfrm>
           <a:prstGeom prst="rect">
@@ -22147,7 +21875,7 @@
         </p:nvSpPr>
         <p:spPr>
           <a:xfrm>
-            <a:off x="6697825" y="3267450"/>
+            <a:off x="6893134" y="3267303"/>
             <a:ext cx="270300" cy="323100"/>
           </a:xfrm>
           <a:prstGeom prst="rect">
@@ -22189,7 +21917,7 @@
         </p:nvSpPr>
         <p:spPr>
           <a:xfrm>
-            <a:off x="6697825" y="3229902"/>
+            <a:off x="6893134" y="3229755"/>
             <a:ext cx="270300" cy="323100"/>
           </a:xfrm>
           <a:prstGeom prst="rect">
@@ -22234,7 +21962,7 @@
         </p:nvCxnSpPr>
         <p:spPr>
           <a:xfrm>
-            <a:off x="8668871" y="2844921"/>
+            <a:off x="8864180" y="2844774"/>
             <a:ext cx="4800" cy="708000"/>
           </a:xfrm>
           <a:prstGeom prst="straightConnector1">
@@ -22262,7 +21990,7 @@
         </p:nvSpPr>
         <p:spPr>
           <a:xfrm>
-            <a:off x="8223521" y="3552996"/>
+            <a:off x="8418830" y="3552849"/>
             <a:ext cx="900000" cy="360300"/>
           </a:xfrm>
           <a:prstGeom prst="rect">
@@ -22568,6 +22296,303 @@
           </a:p>
         </p:txBody>
       </p:sp>
+      <p:sp>
+        <p:nvSpPr>
+          <p:cNvPr id="26" name="Google Shape;121;p13">
+            <a:extLst>
+              <a:ext uri="{FF2B5EF4-FFF2-40B4-BE49-F238E27FC236}">
+                <a16:creationId xmlns:a16="http://schemas.microsoft.com/office/drawing/2014/main" id="{2FD54A72-C5F5-4BDA-A574-CE91D9FFDEAB}"/>
+              </a:ext>
+            </a:extLst>
+          </p:cNvPr>
+          <p:cNvSpPr/>
+          <p:nvPr/>
+        </p:nvSpPr>
+        <p:spPr>
+          <a:xfrm>
+            <a:off x="1682956" y="1380823"/>
+            <a:ext cx="900000" cy="360300"/>
+          </a:xfrm>
+          <a:prstGeom prst="rect">
+            <a:avLst/>
+          </a:prstGeom>
+          <a:solidFill>
+            <a:schemeClr val="accent1"/>
+          </a:solidFill>
+          <a:ln w="12700" cap="flat" cmpd="sng">
+            <a:solidFill>
+              <a:schemeClr val="dk1"/>
+            </a:solidFill>
+            <a:prstDash val="solid"/>
+            <a:miter lim="800000"/>
+            <a:headEnd type="none" w="sm" len="sm"/>
+            <a:tailEnd type="none" w="sm" len="sm"/>
+          </a:ln>
+        </p:spPr>
+        <p:txBody>
+          <a:bodyPr spcFirstLastPara="1" wrap="square" lIns="82550" tIns="41275" rIns="82550" bIns="41275" anchor="ctr" anchorCtr="0">
+            <a:noAutofit/>
+          </a:bodyPr>
+          <a:lstStyle/>
+          <a:p>
+            <a:pPr marL="0" marR="0" lvl="0" indent="0" algn="ctr" rtl="0">
+              <a:spcBef>
+                <a:spcPts val="0"/>
+              </a:spcBef>
+              <a:spcAft>
+                <a:spcPts val="0"/>
+              </a:spcAft>
+              <a:buNone/>
+            </a:pPr>
+            <a:r>
+              <a:rPr lang="ko-KR" sz="900">
+                <a:latin typeface="Dotumche"/>
+                <a:ea typeface="Dotumche"/>
+                <a:cs typeface="Dotumche"/>
+                <a:sym typeface="Dotumche"/>
+              </a:rPr>
+              <a:t>로그인</a:t>
+            </a:r>
+            <a:endParaRPr/>
+          </a:p>
+        </p:txBody>
+      </p:sp>
+      <p:cxnSp>
+        <p:nvCxnSpPr>
+          <p:cNvPr id="28" name="Google Shape;144;p14">
+            <a:extLst>
+              <a:ext uri="{FF2B5EF4-FFF2-40B4-BE49-F238E27FC236}">
+                <a16:creationId xmlns:a16="http://schemas.microsoft.com/office/drawing/2014/main" id="{B54D99A5-87F5-4749-B9B8-D7D3E170D7CB}"/>
+              </a:ext>
+            </a:extLst>
+          </p:cNvPr>
+          <p:cNvCxnSpPr>
+            <a:cxnSpLocks/>
+            <a:stCxn id="26" idx="2"/>
+            <a:endCxn id="31" idx="0"/>
+          </p:cNvCxnSpPr>
+          <p:nvPr/>
+        </p:nvCxnSpPr>
+        <p:spPr>
+          <a:xfrm flipH="1">
+            <a:off x="2128737" y="1741123"/>
+            <a:ext cx="4219" cy="592607"/>
+          </a:xfrm>
+          <a:prstGeom prst="straightConnector1">
+            <a:avLst/>
+          </a:prstGeom>
+          <a:solidFill>
+            <a:schemeClr val="accent1"/>
+          </a:solidFill>
+          <a:ln w="9525" cap="flat" cmpd="sng">
+            <a:solidFill>
+              <a:schemeClr val="dk1"/>
+            </a:solidFill>
+            <a:prstDash val="solid"/>
+            <a:round/>
+            <a:headEnd type="none" w="sm" len="sm"/>
+            <a:tailEnd type="triangle" w="med" len="med"/>
+          </a:ln>
+        </p:spPr>
+      </p:cxnSp>
+      <p:sp>
+        <p:nvSpPr>
+          <p:cNvPr id="31" name="Google Shape;146;p14">
+            <a:extLst>
+              <a:ext uri="{FF2B5EF4-FFF2-40B4-BE49-F238E27FC236}">
+                <a16:creationId xmlns:a16="http://schemas.microsoft.com/office/drawing/2014/main" id="{32D3DEA2-E9DA-47FE-B38B-43B61B3EEF24}"/>
+              </a:ext>
+            </a:extLst>
+          </p:cNvPr>
+          <p:cNvSpPr/>
+          <p:nvPr/>
+        </p:nvSpPr>
+        <p:spPr>
+          <a:xfrm>
+            <a:off x="1678737" y="2333730"/>
+            <a:ext cx="900000" cy="654000"/>
+          </a:xfrm>
+          <a:prstGeom prst="diamond">
+            <a:avLst/>
+          </a:prstGeom>
+          <a:noFill/>
+          <a:ln w="9525" cap="flat" cmpd="sng">
+            <a:solidFill>
+              <a:srgbClr val="000000"/>
+            </a:solidFill>
+            <a:prstDash val="solid"/>
+            <a:miter lim="800000"/>
+            <a:headEnd type="none" w="sm" len="sm"/>
+            <a:tailEnd type="none" w="sm" len="sm"/>
+          </a:ln>
+        </p:spPr>
+        <p:txBody>
+          <a:bodyPr spcFirstLastPara="1" wrap="square" lIns="91425" tIns="45700" rIns="91425" bIns="45700" anchor="ctr" anchorCtr="0">
+            <a:noAutofit/>
+          </a:bodyPr>
+          <a:lstStyle/>
+          <a:p>
+            <a:pPr marL="0" marR="0" lvl="0" indent="0" algn="just" rtl="0">
+              <a:spcBef>
+                <a:spcPts val="0"/>
+              </a:spcBef>
+              <a:spcAft>
+                <a:spcPts val="0"/>
+              </a:spcAft>
+              <a:buNone/>
+            </a:pPr>
+            <a:r>
+              <a:rPr lang="ko-KR" altLang="en-US" sz="900" dirty="0">
+                <a:latin typeface="Dotumche"/>
+                <a:ea typeface="Dotumche"/>
+                <a:sym typeface="Batang"/>
+              </a:rPr>
+              <a:t>출석체크 선택</a:t>
+            </a:r>
+            <a:endParaRPr lang="en-US" altLang="ko-KR" sz="900" dirty="0">
+              <a:latin typeface="Dotumche"/>
+              <a:ea typeface="Dotumche"/>
+              <a:sym typeface="Batang"/>
+            </a:endParaRPr>
+          </a:p>
+        </p:txBody>
+      </p:sp>
+      <p:sp>
+        <p:nvSpPr>
+          <p:cNvPr id="34" name="Google Shape;150;p14">
+            <a:extLst>
+              <a:ext uri="{FF2B5EF4-FFF2-40B4-BE49-F238E27FC236}">
+                <a16:creationId xmlns:a16="http://schemas.microsoft.com/office/drawing/2014/main" id="{A40BA43B-D7EA-4333-9E03-02D4DE967305}"/>
+              </a:ext>
+            </a:extLst>
+          </p:cNvPr>
+          <p:cNvSpPr txBox="1"/>
+          <p:nvPr/>
+        </p:nvSpPr>
+        <p:spPr>
+          <a:xfrm>
+            <a:off x="2613982" y="2337630"/>
+            <a:ext cx="270300" cy="323100"/>
+          </a:xfrm>
+          <a:prstGeom prst="rect">
+            <a:avLst/>
+          </a:prstGeom>
+          <a:noFill/>
+          <a:ln>
+            <a:noFill/>
+          </a:ln>
+        </p:spPr>
+        <p:txBody>
+          <a:bodyPr spcFirstLastPara="1" wrap="square" lIns="91425" tIns="91425" rIns="91425" bIns="91425" anchor="t" anchorCtr="0">
+            <a:spAutoFit/>
+          </a:bodyPr>
+          <a:lstStyle/>
+          <a:p>
+            <a:pPr marL="0" lvl="0" indent="0" algn="l" rtl="0">
+              <a:spcBef>
+                <a:spcPts val="0"/>
+              </a:spcBef>
+              <a:spcAft>
+                <a:spcPts val="0"/>
+              </a:spcAft>
+              <a:buNone/>
+            </a:pPr>
+            <a:r>
+              <a:rPr lang="ko-KR" sz="900" dirty="0" err="1"/>
+              <a:t>Y</a:t>
+            </a:r>
+            <a:endParaRPr sz="900" dirty="0"/>
+          </a:p>
+        </p:txBody>
+      </p:sp>
+      <p:cxnSp>
+        <p:nvCxnSpPr>
+          <p:cNvPr id="39" name="Google Shape;152;p14">
+            <a:extLst>
+              <a:ext uri="{FF2B5EF4-FFF2-40B4-BE49-F238E27FC236}">
+                <a16:creationId xmlns:a16="http://schemas.microsoft.com/office/drawing/2014/main" id="{18AE0021-8B15-4391-813E-E3856D749A38}"/>
+              </a:ext>
+            </a:extLst>
+          </p:cNvPr>
+          <p:cNvCxnSpPr>
+            <a:cxnSpLocks/>
+            <a:endCxn id="26" idx="1"/>
+          </p:cNvCxnSpPr>
+          <p:nvPr/>
+        </p:nvCxnSpPr>
+        <p:spPr>
+          <a:xfrm rot="16200000" flipV="1">
+            <a:off x="1192469" y="2051460"/>
+            <a:ext cx="1426758" cy="445783"/>
+          </a:xfrm>
+          <a:prstGeom prst="bentConnector4">
+            <a:avLst>
+              <a:gd name="adj1" fmla="val -45914"/>
+              <a:gd name="adj2" fmla="val 151281"/>
+            </a:avLst>
+          </a:prstGeom>
+          <a:solidFill>
+            <a:schemeClr val="accent1"/>
+          </a:solidFill>
+          <a:ln w="9525" cap="flat" cmpd="sng">
+            <a:solidFill>
+              <a:schemeClr val="dk1"/>
+            </a:solidFill>
+            <a:prstDash val="solid"/>
+            <a:round/>
+            <a:headEnd type="none" w="sm" len="sm"/>
+            <a:tailEnd type="triangle" w="med" len="med"/>
+          </a:ln>
+        </p:spPr>
+      </p:cxnSp>
+      <p:sp>
+        <p:nvSpPr>
+          <p:cNvPr id="42" name="Google Shape;151;p14">
+            <a:extLst>
+              <a:ext uri="{FF2B5EF4-FFF2-40B4-BE49-F238E27FC236}">
+                <a16:creationId xmlns:a16="http://schemas.microsoft.com/office/drawing/2014/main" id="{6437ACC0-3C73-43B3-A299-C4411683D1F6}"/>
+              </a:ext>
+            </a:extLst>
+          </p:cNvPr>
+          <p:cNvSpPr txBox="1"/>
+          <p:nvPr/>
+        </p:nvSpPr>
+        <p:spPr>
+          <a:xfrm>
+            <a:off x="1678737" y="3598938"/>
+            <a:ext cx="270300" cy="323100"/>
+          </a:xfrm>
+          <a:prstGeom prst="rect">
+            <a:avLst/>
+          </a:prstGeom>
+          <a:noFill/>
+          <a:ln>
+            <a:noFill/>
+          </a:ln>
+        </p:spPr>
+        <p:txBody>
+          <a:bodyPr spcFirstLastPara="1" wrap="square" lIns="91425" tIns="91425" rIns="91425" bIns="91425" anchor="t" anchorCtr="0">
+            <a:spAutoFit/>
+          </a:bodyPr>
+          <a:lstStyle/>
+          <a:p>
+            <a:pPr marL="0" lvl="0" indent="0" algn="l" rtl="0">
+              <a:spcBef>
+                <a:spcPts val="0"/>
+              </a:spcBef>
+              <a:spcAft>
+                <a:spcPts val="0"/>
+              </a:spcAft>
+              <a:buNone/>
+            </a:pPr>
+            <a:r>
+              <a:rPr lang="ko-KR" sz="900"/>
+              <a:t>N</a:t>
+            </a:r>
+            <a:endParaRPr sz="900"/>
+          </a:p>
+        </p:txBody>
+      </p:sp>
     </p:spTree>
   </p:cSld>
   <p:clrMapOvr>
@@ -22639,10 +22664,10 @@
               <a:buNone/>
             </a:pPr>
             <a:r>
-              <a:rPr lang="ko-KR"/>
+              <a:rPr lang="ko-KR" dirty="0"/>
               <a:t>사용자</a:t>
             </a:r>
-            <a:endParaRPr/>
+            <a:endParaRPr dirty="0"/>
           </a:p>
         </p:txBody>
       </p:sp>
@@ -22688,8 +22713,8 @@
               <a:buNone/>
             </a:pPr>
             <a:r>
-              <a:rPr lang="ko-KR" altLang="en-US" dirty="0"/>
-              <a:t>낙제처리</a:t>
+              <a:rPr lang="ko-KR" dirty="0"/>
+              <a:t>출석관리</a:t>
             </a:r>
             <a:endParaRPr dirty="0"/>
           </a:p>
@@ -22748,66 +22773,19 @@
           </a:p>
         </p:txBody>
       </p:sp>
-      <p:sp>
-        <p:nvSpPr>
-          <p:cNvPr id="142" name="Google Shape;142;p14"/>
-          <p:cNvSpPr/>
-          <p:nvPr/>
-        </p:nvSpPr>
-        <p:spPr>
-          <a:xfrm>
-            <a:off x="1461154" y="2484621"/>
-            <a:ext cx="900000" cy="360300"/>
-          </a:xfrm>
-          <a:prstGeom prst="rect">
-            <a:avLst/>
-          </a:prstGeom>
-          <a:solidFill>
-            <a:schemeClr val="accent1"/>
-          </a:solidFill>
-          <a:ln w="12700" cap="flat" cmpd="sng">
-            <a:solidFill>
-              <a:schemeClr val="dk1"/>
-            </a:solidFill>
-            <a:prstDash val="solid"/>
-            <a:miter lim="800000"/>
-            <a:headEnd type="none" w="sm" len="sm"/>
-            <a:tailEnd type="none" w="sm" len="sm"/>
-          </a:ln>
-        </p:spPr>
-        <p:txBody>
-          <a:bodyPr spcFirstLastPara="1" wrap="square" lIns="82550" tIns="41275" rIns="82550" bIns="41275" anchor="ctr" anchorCtr="0">
-            <a:noAutofit/>
-          </a:bodyPr>
-          <a:lstStyle/>
-          <a:p>
-            <a:pPr marL="0" marR="0" lvl="0" indent="0" algn="ctr" rtl="0">
-              <a:spcBef>
-                <a:spcPts val="0"/>
-              </a:spcBef>
-              <a:spcAft>
-                <a:spcPts val="0"/>
-              </a:spcAft>
-              <a:buNone/>
-            </a:pPr>
-            <a:endParaRPr/>
-          </a:p>
-        </p:txBody>
-      </p:sp>
       <p:cxnSp>
         <p:nvCxnSpPr>
           <p:cNvPr id="144" name="Google Shape;144;p14"/>
           <p:cNvCxnSpPr>
             <a:cxnSpLocks/>
-            <a:stCxn id="142" idx="3"/>
-            <a:endCxn id="147" idx="1"/>
+            <a:stCxn id="31" idx="3"/>
           </p:cNvCxnSpPr>
           <p:nvPr/>
         </p:nvCxnSpPr>
         <p:spPr>
           <a:xfrm>
-            <a:off x="2361154" y="2664771"/>
-            <a:ext cx="609096" cy="0"/>
+            <a:off x="2578737" y="2660730"/>
+            <a:ext cx="340790" cy="0"/>
           </a:xfrm>
           <a:prstGeom prst="straightConnector1">
             <a:avLst/>
@@ -22828,429 +22806,10 @@
       </p:cxnSp>
       <p:sp>
         <p:nvSpPr>
-          <p:cNvPr id="147" name="Google Shape;147;p14"/>
-          <p:cNvSpPr/>
-          <p:nvPr/>
-        </p:nvSpPr>
-        <p:spPr>
-          <a:xfrm>
-            <a:off x="2970250" y="2484621"/>
-            <a:ext cx="900000" cy="360300"/>
-          </a:xfrm>
-          <a:prstGeom prst="rect">
-            <a:avLst/>
-          </a:prstGeom>
-          <a:noFill/>
-          <a:ln w="12700" cap="flat" cmpd="sng">
-            <a:solidFill>
-              <a:schemeClr val="dk1"/>
-            </a:solidFill>
-            <a:prstDash val="solid"/>
-            <a:miter lim="800000"/>
-            <a:headEnd type="none" w="sm" len="sm"/>
-            <a:tailEnd type="none" w="sm" len="sm"/>
-          </a:ln>
-        </p:spPr>
-        <p:txBody>
-          <a:bodyPr spcFirstLastPara="1" wrap="square" lIns="82550" tIns="41275" rIns="82550" bIns="41275" anchor="ctr" anchorCtr="0">
-            <a:noAutofit/>
-          </a:bodyPr>
-          <a:lstStyle/>
-          <a:p>
-            <a:pPr marL="0" marR="0" lvl="0" indent="0" algn="ctr" rtl="0">
-              <a:spcBef>
-                <a:spcPts val="0"/>
-              </a:spcBef>
-              <a:spcAft>
-                <a:spcPts val="0"/>
-              </a:spcAft>
-              <a:buNone/>
-            </a:pPr>
-            <a:r>
-              <a:rPr lang="ko-KR" altLang="en-US" sz="900" dirty="0">
-                <a:latin typeface="Dotumche"/>
-                <a:ea typeface="Dotumche"/>
-              </a:rPr>
-              <a:t>과목별 출석 현황 확인</a:t>
-            </a:r>
-            <a:endParaRPr lang="en-US" altLang="ko-KR" sz="900" dirty="0">
-              <a:latin typeface="Dotumche"/>
-              <a:ea typeface="Dotumche"/>
-            </a:endParaRPr>
-          </a:p>
-        </p:txBody>
-      </p:sp>
-      <p:cxnSp>
-        <p:nvCxnSpPr>
-          <p:cNvPr id="154" name="Google Shape;154;p14"/>
-          <p:cNvCxnSpPr>
-            <a:stCxn id="147" idx="3"/>
-            <a:endCxn id="155" idx="1"/>
-          </p:cNvCxnSpPr>
-          <p:nvPr/>
-        </p:nvCxnSpPr>
-        <p:spPr>
-          <a:xfrm>
-            <a:off x="3870250" y="2664771"/>
-            <a:ext cx="355396" cy="9"/>
-          </a:xfrm>
-          <a:prstGeom prst="straightConnector1">
-            <a:avLst/>
-          </a:prstGeom>
-          <a:solidFill>
-            <a:schemeClr val="accent1"/>
-          </a:solidFill>
-          <a:ln w="9525" cap="flat" cmpd="sng">
-            <a:solidFill>
-              <a:schemeClr val="dk1"/>
-            </a:solidFill>
-            <a:prstDash val="solid"/>
-            <a:round/>
-            <a:headEnd type="none" w="sm" len="sm"/>
-            <a:tailEnd type="triangle" w="med" len="med"/>
-          </a:ln>
-        </p:spPr>
-      </p:cxnSp>
-      <p:sp>
-        <p:nvSpPr>
-          <p:cNvPr id="155" name="Google Shape;155;p14"/>
-          <p:cNvSpPr/>
-          <p:nvPr/>
-        </p:nvSpPr>
-        <p:spPr>
-          <a:xfrm>
-            <a:off x="4225646" y="2337780"/>
-            <a:ext cx="900000" cy="654000"/>
-          </a:xfrm>
-          <a:prstGeom prst="diamond">
-            <a:avLst/>
-          </a:prstGeom>
-          <a:noFill/>
-          <a:ln w="9525" cap="flat" cmpd="sng">
-            <a:solidFill>
-              <a:srgbClr val="000000"/>
-            </a:solidFill>
-            <a:prstDash val="solid"/>
-            <a:miter lim="800000"/>
-            <a:headEnd type="none" w="sm" len="sm"/>
-            <a:tailEnd type="none" w="sm" len="sm"/>
-          </a:ln>
-        </p:spPr>
-        <p:txBody>
-          <a:bodyPr spcFirstLastPara="1" wrap="square" lIns="91425" tIns="45700" rIns="91425" bIns="45700" anchor="ctr" anchorCtr="0">
-            <a:noAutofit/>
-          </a:bodyPr>
-          <a:lstStyle/>
-          <a:p>
-            <a:pPr marL="0" marR="0" lvl="0" indent="0" algn="just" rtl="0">
-              <a:spcBef>
-                <a:spcPts val="0"/>
-              </a:spcBef>
-              <a:spcAft>
-                <a:spcPts val="0"/>
-              </a:spcAft>
-              <a:buNone/>
-            </a:pPr>
-            <a:r>
-              <a:rPr lang="ko-KR" altLang="en-US" sz="900" dirty="0">
-                <a:latin typeface="Dotumche"/>
-                <a:ea typeface="Dotumche"/>
-                <a:sym typeface="Batang"/>
-              </a:rPr>
-              <a:t>결석 </a:t>
-            </a:r>
-            <a:r>
-              <a:rPr lang="en-US" altLang="ko-KR" sz="900" dirty="0">
-                <a:latin typeface="Dotumche"/>
-                <a:ea typeface="Dotumche"/>
-                <a:sym typeface="Batang"/>
-              </a:rPr>
-              <a:t>4</a:t>
-            </a:r>
-            <a:r>
-              <a:rPr lang="ko-KR" altLang="en-US" sz="900" dirty="0">
-                <a:latin typeface="Dotumche"/>
-                <a:ea typeface="Dotumche"/>
-                <a:sym typeface="Batang"/>
-              </a:rPr>
-              <a:t>회 이상</a:t>
-            </a:r>
-            <a:endParaRPr sz="900" dirty="0">
-              <a:latin typeface="Dotumche"/>
-              <a:ea typeface="Dotumche"/>
-              <a:sym typeface="Batang"/>
-            </a:endParaRPr>
-          </a:p>
-        </p:txBody>
-      </p:sp>
-      <p:cxnSp>
-        <p:nvCxnSpPr>
-          <p:cNvPr id="156" name="Google Shape;156;p14"/>
-          <p:cNvCxnSpPr>
-            <a:cxnSpLocks/>
-            <a:stCxn id="155" idx="3"/>
-            <a:endCxn id="147" idx="0"/>
-          </p:cNvCxnSpPr>
-          <p:nvPr/>
-        </p:nvCxnSpPr>
-        <p:spPr>
-          <a:xfrm flipH="1" flipV="1">
-            <a:off x="3420250" y="2484621"/>
-            <a:ext cx="1705396" cy="180159"/>
-          </a:xfrm>
-          <a:prstGeom prst="bentConnector4">
-            <a:avLst>
-              <a:gd name="adj1" fmla="val -13405"/>
-              <a:gd name="adj2" fmla="val 308394"/>
-            </a:avLst>
-          </a:prstGeom>
-          <a:solidFill>
-            <a:schemeClr val="accent1"/>
-          </a:solidFill>
-          <a:ln w="9525" cap="flat" cmpd="sng">
-            <a:solidFill>
-              <a:schemeClr val="dk1"/>
-            </a:solidFill>
-            <a:prstDash val="solid"/>
-            <a:round/>
-            <a:headEnd type="none" w="sm" len="sm"/>
-            <a:tailEnd type="triangle" w="med" len="med"/>
-          </a:ln>
-        </p:spPr>
-      </p:cxnSp>
-      <p:sp>
-        <p:nvSpPr>
-          <p:cNvPr id="158" name="Google Shape;158;p14"/>
-          <p:cNvSpPr txBox="1"/>
-          <p:nvPr/>
-        </p:nvSpPr>
-        <p:spPr>
-          <a:xfrm>
-            <a:off x="5042902" y="2337782"/>
-            <a:ext cx="270300" cy="323100"/>
-          </a:xfrm>
-          <a:prstGeom prst="rect">
-            <a:avLst/>
-          </a:prstGeom>
-          <a:noFill/>
-          <a:ln>
-            <a:noFill/>
-          </a:ln>
-        </p:spPr>
-        <p:txBody>
-          <a:bodyPr spcFirstLastPara="1" wrap="square" lIns="91425" tIns="91425" rIns="91425" bIns="91425" anchor="t" anchorCtr="0">
-            <a:spAutoFit/>
-          </a:bodyPr>
-          <a:lstStyle/>
-          <a:p>
-            <a:pPr marL="0" lvl="0" indent="0" algn="l" rtl="0">
-              <a:spcBef>
-                <a:spcPts val="0"/>
-              </a:spcBef>
-              <a:spcAft>
-                <a:spcPts val="0"/>
-              </a:spcAft>
-              <a:buNone/>
-            </a:pPr>
-            <a:r>
-              <a:rPr lang="ko-KR" sz="900" dirty="0" err="1"/>
-              <a:t>N</a:t>
-            </a:r>
-            <a:endParaRPr sz="900" dirty="0"/>
-          </a:p>
-        </p:txBody>
-      </p:sp>
-      <p:sp>
-        <p:nvSpPr>
-          <p:cNvPr id="159" name="Google Shape;159;p14"/>
-          <p:cNvSpPr txBox="1"/>
-          <p:nvPr/>
-        </p:nvSpPr>
-        <p:spPr>
-          <a:xfrm>
-            <a:off x="3936152" y="3267455"/>
-            <a:ext cx="270300" cy="323100"/>
-          </a:xfrm>
-          <a:prstGeom prst="rect">
-            <a:avLst/>
-          </a:prstGeom>
-          <a:noFill/>
-          <a:ln>
-            <a:noFill/>
-          </a:ln>
-        </p:spPr>
-        <p:txBody>
-          <a:bodyPr spcFirstLastPara="1" wrap="square" lIns="91425" tIns="91425" rIns="91425" bIns="91425" anchor="t" anchorCtr="0">
-            <a:spAutoFit/>
-          </a:bodyPr>
-          <a:lstStyle/>
-          <a:p>
-            <a:pPr marL="0" lvl="0" indent="0" algn="l" rtl="0">
-              <a:spcBef>
-                <a:spcPts val="0"/>
-              </a:spcBef>
-              <a:spcAft>
-                <a:spcPts val="0"/>
-              </a:spcAft>
-              <a:buNone/>
-            </a:pPr>
-            <a:r>
-              <a:rPr lang="ko-KR" sz="900"/>
-              <a:t> </a:t>
-            </a:r>
-            <a:endParaRPr sz="900"/>
-          </a:p>
-        </p:txBody>
-      </p:sp>
-      <p:sp>
-        <p:nvSpPr>
-          <p:cNvPr id="160" name="Google Shape;160;p14"/>
-          <p:cNvSpPr txBox="1"/>
-          <p:nvPr/>
-        </p:nvSpPr>
-        <p:spPr>
-          <a:xfrm>
-            <a:off x="4699136" y="3229901"/>
-            <a:ext cx="270300" cy="323100"/>
-          </a:xfrm>
-          <a:prstGeom prst="rect">
-            <a:avLst/>
-          </a:prstGeom>
-          <a:noFill/>
-          <a:ln>
-            <a:noFill/>
-          </a:ln>
-        </p:spPr>
-        <p:txBody>
-          <a:bodyPr spcFirstLastPara="1" wrap="square" lIns="91425" tIns="91425" rIns="91425" bIns="91425" anchor="t" anchorCtr="0">
-            <a:spAutoFit/>
-          </a:bodyPr>
-          <a:lstStyle/>
-          <a:p>
-            <a:pPr marL="0" lvl="0" indent="0" algn="l" rtl="0">
-              <a:spcBef>
-                <a:spcPts val="0"/>
-              </a:spcBef>
-              <a:spcAft>
-                <a:spcPts val="0"/>
-              </a:spcAft>
-              <a:buNone/>
-            </a:pPr>
-            <a:r>
-              <a:rPr lang="ko-KR" sz="900" dirty="0" err="1"/>
-              <a:t>Y</a:t>
-            </a:r>
-            <a:endParaRPr sz="900" dirty="0"/>
-          </a:p>
-        </p:txBody>
-      </p:sp>
-      <p:cxnSp>
-        <p:nvCxnSpPr>
-          <p:cNvPr id="27" name="Google Shape;161;p14">
-            <a:extLst>
-              <a:ext uri="{FF2B5EF4-FFF2-40B4-BE49-F238E27FC236}">
-                <a16:creationId xmlns:a16="http://schemas.microsoft.com/office/drawing/2014/main" id="{F54F17EE-C080-49B1-B0DF-948F62349976}"/>
-              </a:ext>
-            </a:extLst>
-          </p:cNvPr>
-          <p:cNvCxnSpPr>
-            <a:cxnSpLocks/>
-            <a:stCxn id="155" idx="2"/>
-            <a:endCxn id="35" idx="0"/>
-          </p:cNvCxnSpPr>
-          <p:nvPr/>
-        </p:nvCxnSpPr>
-        <p:spPr>
-          <a:xfrm>
-            <a:off x="4675646" y="2991780"/>
-            <a:ext cx="0" cy="809432"/>
-          </a:xfrm>
-          <a:prstGeom prst="straightConnector1">
-            <a:avLst/>
-          </a:prstGeom>
-          <a:solidFill>
-            <a:schemeClr val="accent1"/>
-          </a:solidFill>
-          <a:ln w="9525" cap="flat" cmpd="sng">
-            <a:solidFill>
-              <a:schemeClr val="dk1"/>
-            </a:solidFill>
-            <a:prstDash val="solid"/>
-            <a:round/>
-            <a:headEnd type="none" w="sm" len="sm"/>
-            <a:tailEnd type="triangle" w="med" len="med"/>
-          </a:ln>
-        </p:spPr>
-      </p:cxnSp>
-      <p:sp>
-        <p:nvSpPr>
-          <p:cNvPr id="35" name="Google Shape;77;p11">
-            <a:extLst>
-              <a:ext uri="{FF2B5EF4-FFF2-40B4-BE49-F238E27FC236}">
-                <a16:creationId xmlns:a16="http://schemas.microsoft.com/office/drawing/2014/main" id="{2EABC556-9832-4B2D-A1EB-BE7464ED66A2}"/>
-              </a:ext>
-            </a:extLst>
-          </p:cNvPr>
-          <p:cNvSpPr/>
-          <p:nvPr/>
-        </p:nvSpPr>
-        <p:spPr>
-          <a:xfrm>
-            <a:off x="4262102" y="3801212"/>
-            <a:ext cx="827088" cy="360362"/>
-          </a:xfrm>
-          <a:prstGeom prst="rect">
-            <a:avLst/>
-          </a:prstGeom>
-          <a:solidFill>
-            <a:schemeClr val="accent1"/>
-          </a:solidFill>
-          <a:ln w="12700" cap="flat" cmpd="sng">
-            <a:solidFill>
-              <a:schemeClr val="dk1"/>
-            </a:solidFill>
-            <a:prstDash val="solid"/>
-            <a:miter lim="800000"/>
-            <a:headEnd type="none" w="sm" len="sm"/>
-            <a:tailEnd type="none" w="sm" len="sm"/>
-          </a:ln>
-        </p:spPr>
-        <p:txBody>
-          <a:bodyPr spcFirstLastPara="1" wrap="square" lIns="82550" tIns="41275" rIns="82550" bIns="41275" anchor="ctr" anchorCtr="0">
-            <a:noAutofit/>
-          </a:bodyPr>
-          <a:lstStyle/>
-          <a:p>
-            <a:pPr marL="0" marR="0" lvl="0" indent="0" algn="ctr" rtl="0">
-              <a:spcBef>
-                <a:spcPts val="0"/>
-              </a:spcBef>
-              <a:spcAft>
-                <a:spcPts val="0"/>
-              </a:spcAft>
-              <a:buNone/>
-            </a:pPr>
-            <a:r>
-              <a:rPr lang="ko-KR" altLang="en-US" sz="900" dirty="0">
-                <a:latin typeface="Dotumche"/>
-                <a:ea typeface="Dotumche"/>
-                <a:sym typeface="Tahoma"/>
-              </a:rPr>
-              <a:t>낙제</a:t>
-            </a:r>
-            <a:endParaRPr sz="900" dirty="0">
-              <a:latin typeface="Dotumche"/>
-              <a:ea typeface="Dotumche"/>
-            </a:endParaRPr>
-          </a:p>
-        </p:txBody>
-      </p:sp>
-      <p:sp>
-        <p:nvSpPr>
           <p:cNvPr id="2" name="Google Shape;105;p12">
             <a:extLst>
               <a:ext uri="{FF2B5EF4-FFF2-40B4-BE49-F238E27FC236}">
-                <a16:creationId xmlns:a16="http://schemas.microsoft.com/office/drawing/2014/main" id="{56CB637B-DA97-4874-9CD5-055D6F13BD41}"/>
+                <a16:creationId xmlns:a16="http://schemas.microsoft.com/office/drawing/2014/main" id="{BB9304BC-4C91-431D-AD37-715FD5EFD408}"/>
               </a:ext>
             </a:extLst>
           </p:cNvPr>
@@ -23501,10 +23060,768 @@
           </a:p>
         </p:txBody>
       </p:sp>
+      <p:sp>
+        <p:nvSpPr>
+          <p:cNvPr id="26" name="Google Shape;121;p13">
+            <a:extLst>
+              <a:ext uri="{FF2B5EF4-FFF2-40B4-BE49-F238E27FC236}">
+                <a16:creationId xmlns:a16="http://schemas.microsoft.com/office/drawing/2014/main" id="{2FD54A72-C5F5-4BDA-A574-CE91D9FFDEAB}"/>
+              </a:ext>
+            </a:extLst>
+          </p:cNvPr>
+          <p:cNvSpPr/>
+          <p:nvPr/>
+        </p:nvSpPr>
+        <p:spPr>
+          <a:xfrm>
+            <a:off x="1682956" y="1380823"/>
+            <a:ext cx="900000" cy="360300"/>
+          </a:xfrm>
+          <a:prstGeom prst="rect">
+            <a:avLst/>
+          </a:prstGeom>
+          <a:solidFill>
+            <a:schemeClr val="accent1"/>
+          </a:solidFill>
+          <a:ln w="12700" cap="flat" cmpd="sng">
+            <a:solidFill>
+              <a:schemeClr val="dk1"/>
+            </a:solidFill>
+            <a:prstDash val="solid"/>
+            <a:miter lim="800000"/>
+            <a:headEnd type="none" w="sm" len="sm"/>
+            <a:tailEnd type="none" w="sm" len="sm"/>
+          </a:ln>
+        </p:spPr>
+        <p:txBody>
+          <a:bodyPr spcFirstLastPara="1" wrap="square" lIns="82550" tIns="41275" rIns="82550" bIns="41275" anchor="ctr" anchorCtr="0">
+            <a:noAutofit/>
+          </a:bodyPr>
+          <a:lstStyle/>
+          <a:p>
+            <a:pPr marL="0" marR="0" lvl="0" indent="0" algn="ctr" rtl="0">
+              <a:spcBef>
+                <a:spcPts val="0"/>
+              </a:spcBef>
+              <a:spcAft>
+                <a:spcPts val="0"/>
+              </a:spcAft>
+              <a:buNone/>
+            </a:pPr>
+            <a:r>
+              <a:rPr lang="ko-KR" sz="900">
+                <a:latin typeface="Dotumche"/>
+                <a:ea typeface="Dotumche"/>
+                <a:cs typeface="Dotumche"/>
+                <a:sym typeface="Dotumche"/>
+              </a:rPr>
+              <a:t>로그인</a:t>
+            </a:r>
+            <a:endParaRPr/>
+          </a:p>
+        </p:txBody>
+      </p:sp>
+      <p:cxnSp>
+        <p:nvCxnSpPr>
+          <p:cNvPr id="28" name="Google Shape;144;p14">
+            <a:extLst>
+              <a:ext uri="{FF2B5EF4-FFF2-40B4-BE49-F238E27FC236}">
+                <a16:creationId xmlns:a16="http://schemas.microsoft.com/office/drawing/2014/main" id="{B54D99A5-87F5-4749-B9B8-D7D3E170D7CB}"/>
+              </a:ext>
+            </a:extLst>
+          </p:cNvPr>
+          <p:cNvCxnSpPr>
+            <a:cxnSpLocks/>
+            <a:stCxn id="26" idx="2"/>
+            <a:endCxn id="31" idx="0"/>
+          </p:cNvCxnSpPr>
+          <p:nvPr/>
+        </p:nvCxnSpPr>
+        <p:spPr>
+          <a:xfrm flipH="1">
+            <a:off x="2128737" y="1741123"/>
+            <a:ext cx="4219" cy="592607"/>
+          </a:xfrm>
+          <a:prstGeom prst="straightConnector1">
+            <a:avLst/>
+          </a:prstGeom>
+          <a:solidFill>
+            <a:schemeClr val="accent1"/>
+          </a:solidFill>
+          <a:ln w="9525" cap="flat" cmpd="sng">
+            <a:solidFill>
+              <a:schemeClr val="dk1"/>
+            </a:solidFill>
+            <a:prstDash val="solid"/>
+            <a:round/>
+            <a:headEnd type="none" w="sm" len="sm"/>
+            <a:tailEnd type="triangle" w="med" len="med"/>
+          </a:ln>
+        </p:spPr>
+      </p:cxnSp>
+      <p:sp>
+        <p:nvSpPr>
+          <p:cNvPr id="31" name="Google Shape;146;p14">
+            <a:extLst>
+              <a:ext uri="{FF2B5EF4-FFF2-40B4-BE49-F238E27FC236}">
+                <a16:creationId xmlns:a16="http://schemas.microsoft.com/office/drawing/2014/main" id="{32D3DEA2-E9DA-47FE-B38B-43B61B3EEF24}"/>
+              </a:ext>
+            </a:extLst>
+          </p:cNvPr>
+          <p:cNvSpPr/>
+          <p:nvPr/>
+        </p:nvSpPr>
+        <p:spPr>
+          <a:xfrm>
+            <a:off x="1678737" y="2333730"/>
+            <a:ext cx="900000" cy="654000"/>
+          </a:xfrm>
+          <a:prstGeom prst="diamond">
+            <a:avLst/>
+          </a:prstGeom>
+          <a:noFill/>
+          <a:ln w="9525" cap="flat" cmpd="sng">
+            <a:solidFill>
+              <a:srgbClr val="000000"/>
+            </a:solidFill>
+            <a:prstDash val="solid"/>
+            <a:miter lim="800000"/>
+            <a:headEnd type="none" w="sm" len="sm"/>
+            <a:tailEnd type="none" w="sm" len="sm"/>
+          </a:ln>
+        </p:spPr>
+        <p:txBody>
+          <a:bodyPr spcFirstLastPara="1" wrap="square" lIns="91425" tIns="45700" rIns="91425" bIns="45700" anchor="ctr" anchorCtr="0">
+            <a:noAutofit/>
+          </a:bodyPr>
+          <a:lstStyle/>
+          <a:p>
+            <a:pPr marL="0" marR="0" lvl="0" indent="0" algn="just" rtl="0">
+              <a:spcBef>
+                <a:spcPts val="0"/>
+              </a:spcBef>
+              <a:spcAft>
+                <a:spcPts val="0"/>
+              </a:spcAft>
+              <a:buNone/>
+            </a:pPr>
+            <a:r>
+              <a:rPr lang="ko-KR" altLang="en-US" sz="900" dirty="0">
+                <a:latin typeface="Dotumche"/>
+                <a:ea typeface="Dotumche"/>
+                <a:sym typeface="Batang"/>
+              </a:rPr>
+              <a:t>출석확인 선택</a:t>
+            </a:r>
+            <a:endParaRPr lang="en-US" altLang="ko-KR" sz="900" dirty="0">
+              <a:latin typeface="Dotumche"/>
+              <a:ea typeface="Dotumche"/>
+              <a:sym typeface="Batang"/>
+            </a:endParaRPr>
+          </a:p>
+        </p:txBody>
+      </p:sp>
+      <p:sp>
+        <p:nvSpPr>
+          <p:cNvPr id="34" name="Google Shape;150;p14">
+            <a:extLst>
+              <a:ext uri="{FF2B5EF4-FFF2-40B4-BE49-F238E27FC236}">
+                <a16:creationId xmlns:a16="http://schemas.microsoft.com/office/drawing/2014/main" id="{A40BA43B-D7EA-4333-9E03-02D4DE967305}"/>
+              </a:ext>
+            </a:extLst>
+          </p:cNvPr>
+          <p:cNvSpPr txBox="1"/>
+          <p:nvPr/>
+        </p:nvSpPr>
+        <p:spPr>
+          <a:xfrm>
+            <a:off x="2613982" y="2337630"/>
+            <a:ext cx="270300" cy="323100"/>
+          </a:xfrm>
+          <a:prstGeom prst="rect">
+            <a:avLst/>
+          </a:prstGeom>
+          <a:noFill/>
+          <a:ln>
+            <a:noFill/>
+          </a:ln>
+        </p:spPr>
+        <p:txBody>
+          <a:bodyPr spcFirstLastPara="1" wrap="square" lIns="91425" tIns="91425" rIns="91425" bIns="91425" anchor="t" anchorCtr="0">
+            <a:spAutoFit/>
+          </a:bodyPr>
+          <a:lstStyle/>
+          <a:p>
+            <a:pPr marL="0" lvl="0" indent="0" algn="l" rtl="0">
+              <a:spcBef>
+                <a:spcPts val="0"/>
+              </a:spcBef>
+              <a:spcAft>
+                <a:spcPts val="0"/>
+              </a:spcAft>
+              <a:buNone/>
+            </a:pPr>
+            <a:r>
+              <a:rPr lang="ko-KR" sz="900" dirty="0" err="1"/>
+              <a:t>Y</a:t>
+            </a:r>
+            <a:endParaRPr sz="900" dirty="0"/>
+          </a:p>
+        </p:txBody>
+      </p:sp>
+      <p:cxnSp>
+        <p:nvCxnSpPr>
+          <p:cNvPr id="39" name="Google Shape;152;p14">
+            <a:extLst>
+              <a:ext uri="{FF2B5EF4-FFF2-40B4-BE49-F238E27FC236}">
+                <a16:creationId xmlns:a16="http://schemas.microsoft.com/office/drawing/2014/main" id="{18AE0021-8B15-4391-813E-E3856D749A38}"/>
+              </a:ext>
+            </a:extLst>
+          </p:cNvPr>
+          <p:cNvCxnSpPr>
+            <a:cxnSpLocks/>
+            <a:endCxn id="26" idx="1"/>
+          </p:cNvCxnSpPr>
+          <p:nvPr/>
+        </p:nvCxnSpPr>
+        <p:spPr>
+          <a:xfrm rot="16200000" flipV="1">
+            <a:off x="1192469" y="2051460"/>
+            <a:ext cx="1426758" cy="445783"/>
+          </a:xfrm>
+          <a:prstGeom prst="bentConnector4">
+            <a:avLst>
+              <a:gd name="adj1" fmla="val -45914"/>
+              <a:gd name="adj2" fmla="val 151281"/>
+            </a:avLst>
+          </a:prstGeom>
+          <a:solidFill>
+            <a:schemeClr val="accent1"/>
+          </a:solidFill>
+          <a:ln w="9525" cap="flat" cmpd="sng">
+            <a:solidFill>
+              <a:schemeClr val="dk1"/>
+            </a:solidFill>
+            <a:prstDash val="solid"/>
+            <a:round/>
+            <a:headEnd type="none" w="sm" len="sm"/>
+            <a:tailEnd type="triangle" w="med" len="med"/>
+          </a:ln>
+        </p:spPr>
+      </p:cxnSp>
+      <p:sp>
+        <p:nvSpPr>
+          <p:cNvPr id="42" name="Google Shape;151;p14">
+            <a:extLst>
+              <a:ext uri="{FF2B5EF4-FFF2-40B4-BE49-F238E27FC236}">
+                <a16:creationId xmlns:a16="http://schemas.microsoft.com/office/drawing/2014/main" id="{6437ACC0-3C73-43B3-A299-C4411683D1F6}"/>
+              </a:ext>
+            </a:extLst>
+          </p:cNvPr>
+          <p:cNvSpPr txBox="1"/>
+          <p:nvPr/>
+        </p:nvSpPr>
+        <p:spPr>
+          <a:xfrm>
+            <a:off x="1678737" y="3598938"/>
+            <a:ext cx="270300" cy="323100"/>
+          </a:xfrm>
+          <a:prstGeom prst="rect">
+            <a:avLst/>
+          </a:prstGeom>
+          <a:noFill/>
+          <a:ln>
+            <a:noFill/>
+          </a:ln>
+        </p:spPr>
+        <p:txBody>
+          <a:bodyPr spcFirstLastPara="1" wrap="square" lIns="91425" tIns="91425" rIns="91425" bIns="91425" anchor="t" anchorCtr="0">
+            <a:spAutoFit/>
+          </a:bodyPr>
+          <a:lstStyle/>
+          <a:p>
+            <a:pPr marL="0" lvl="0" indent="0" algn="l" rtl="0">
+              <a:spcBef>
+                <a:spcPts val="0"/>
+              </a:spcBef>
+              <a:spcAft>
+                <a:spcPts val="0"/>
+              </a:spcAft>
+              <a:buNone/>
+            </a:pPr>
+            <a:r>
+              <a:rPr lang="ko-KR" sz="900"/>
+              <a:t>N</a:t>
+            </a:r>
+            <a:endParaRPr sz="900"/>
+          </a:p>
+        </p:txBody>
+      </p:sp>
+      <p:sp>
+        <p:nvSpPr>
+          <p:cNvPr id="36" name="Google Shape;147;p14">
+            <a:extLst>
+              <a:ext uri="{FF2B5EF4-FFF2-40B4-BE49-F238E27FC236}">
+                <a16:creationId xmlns:a16="http://schemas.microsoft.com/office/drawing/2014/main" id="{2AAD5B72-ACC6-40AE-9782-84AEA4EC9D75}"/>
+              </a:ext>
+            </a:extLst>
+          </p:cNvPr>
+          <p:cNvSpPr/>
+          <p:nvPr/>
+        </p:nvSpPr>
+        <p:spPr>
+          <a:xfrm>
+            <a:off x="2911604" y="2479075"/>
+            <a:ext cx="900000" cy="360300"/>
+          </a:xfrm>
+          <a:prstGeom prst="rect">
+            <a:avLst/>
+          </a:prstGeom>
+          <a:noFill/>
+          <a:ln w="12700" cap="flat" cmpd="sng">
+            <a:solidFill>
+              <a:schemeClr val="dk1"/>
+            </a:solidFill>
+            <a:prstDash val="solid"/>
+            <a:miter lim="800000"/>
+            <a:headEnd type="none" w="sm" len="sm"/>
+            <a:tailEnd type="none" w="sm" len="sm"/>
+          </a:ln>
+        </p:spPr>
+        <p:txBody>
+          <a:bodyPr spcFirstLastPara="1" wrap="square" lIns="82550" tIns="41275" rIns="82550" bIns="41275" anchor="ctr" anchorCtr="0">
+            <a:noAutofit/>
+          </a:bodyPr>
+          <a:lstStyle/>
+          <a:p>
+            <a:pPr marL="0" marR="0" lvl="0" indent="0" algn="ctr" rtl="0">
+              <a:spcBef>
+                <a:spcPts val="0"/>
+              </a:spcBef>
+              <a:spcAft>
+                <a:spcPts val="0"/>
+              </a:spcAft>
+              <a:buNone/>
+            </a:pPr>
+            <a:r>
+              <a:rPr lang="ko-KR" altLang="en-US" sz="900" dirty="0">
+                <a:latin typeface="Dotumche"/>
+                <a:ea typeface="Dotumche"/>
+              </a:rPr>
+              <a:t>과목별 출석 현황 확인</a:t>
+            </a:r>
+            <a:endParaRPr lang="en-US" altLang="ko-KR" sz="900" dirty="0">
+              <a:latin typeface="Dotumche"/>
+              <a:ea typeface="Dotumche"/>
+            </a:endParaRPr>
+          </a:p>
+        </p:txBody>
+      </p:sp>
+      <p:cxnSp>
+        <p:nvCxnSpPr>
+          <p:cNvPr id="37" name="Google Shape;154;p14">
+            <a:extLst>
+              <a:ext uri="{FF2B5EF4-FFF2-40B4-BE49-F238E27FC236}">
+                <a16:creationId xmlns:a16="http://schemas.microsoft.com/office/drawing/2014/main" id="{1A708665-D34C-4C59-8E9C-1ED94102D43B}"/>
+              </a:ext>
+            </a:extLst>
+          </p:cNvPr>
+          <p:cNvCxnSpPr>
+            <a:stCxn id="36" idx="3"/>
+            <a:endCxn id="38" idx="1"/>
+          </p:cNvCxnSpPr>
+          <p:nvPr/>
+        </p:nvCxnSpPr>
+        <p:spPr>
+          <a:xfrm>
+            <a:off x="3811604" y="2659225"/>
+            <a:ext cx="355396" cy="9"/>
+          </a:xfrm>
+          <a:prstGeom prst="straightConnector1">
+            <a:avLst/>
+          </a:prstGeom>
+          <a:solidFill>
+            <a:schemeClr val="accent1"/>
+          </a:solidFill>
+          <a:ln w="9525" cap="flat" cmpd="sng">
+            <a:solidFill>
+              <a:schemeClr val="dk1"/>
+            </a:solidFill>
+            <a:prstDash val="solid"/>
+            <a:round/>
+            <a:headEnd type="none" w="sm" len="sm"/>
+            <a:tailEnd type="triangle" w="med" len="med"/>
+          </a:ln>
+        </p:spPr>
+      </p:cxnSp>
+      <p:sp>
+        <p:nvSpPr>
+          <p:cNvPr id="38" name="Google Shape;155;p14">
+            <a:extLst>
+              <a:ext uri="{FF2B5EF4-FFF2-40B4-BE49-F238E27FC236}">
+                <a16:creationId xmlns:a16="http://schemas.microsoft.com/office/drawing/2014/main" id="{276C8D88-B2A7-4538-B454-7388D020EAAA}"/>
+              </a:ext>
+            </a:extLst>
+          </p:cNvPr>
+          <p:cNvSpPr/>
+          <p:nvPr/>
+        </p:nvSpPr>
+        <p:spPr>
+          <a:xfrm>
+            <a:off x="4167000" y="2332234"/>
+            <a:ext cx="900000" cy="654000"/>
+          </a:xfrm>
+          <a:prstGeom prst="diamond">
+            <a:avLst/>
+          </a:prstGeom>
+          <a:noFill/>
+          <a:ln w="9525" cap="flat" cmpd="sng">
+            <a:solidFill>
+              <a:srgbClr val="000000"/>
+            </a:solidFill>
+            <a:prstDash val="solid"/>
+            <a:miter lim="800000"/>
+            <a:headEnd type="none" w="sm" len="sm"/>
+            <a:tailEnd type="none" w="sm" len="sm"/>
+          </a:ln>
+        </p:spPr>
+        <p:txBody>
+          <a:bodyPr spcFirstLastPara="1" wrap="square" lIns="91425" tIns="45700" rIns="91425" bIns="45700" anchor="ctr" anchorCtr="0">
+            <a:noAutofit/>
+          </a:bodyPr>
+          <a:lstStyle/>
+          <a:p>
+            <a:pPr marL="0" marR="0" lvl="0" indent="0" algn="just" rtl="0">
+              <a:spcBef>
+                <a:spcPts val="0"/>
+              </a:spcBef>
+              <a:spcAft>
+                <a:spcPts val="0"/>
+              </a:spcAft>
+              <a:buNone/>
+            </a:pPr>
+            <a:r>
+              <a:rPr lang="ko-KR" altLang="en-US" sz="900" dirty="0">
+                <a:latin typeface="Dotumche"/>
+                <a:ea typeface="Dotumche"/>
+                <a:sym typeface="Batang"/>
+              </a:rPr>
+              <a:t>결석 </a:t>
+            </a:r>
+            <a:r>
+              <a:rPr lang="en-US" altLang="ko-KR" sz="900" dirty="0">
+                <a:latin typeface="Dotumche"/>
+                <a:ea typeface="Dotumche"/>
+                <a:sym typeface="Batang"/>
+              </a:rPr>
+              <a:t>4</a:t>
+            </a:r>
+            <a:r>
+              <a:rPr lang="ko-KR" altLang="en-US" sz="900" dirty="0">
+                <a:latin typeface="Dotumche"/>
+                <a:ea typeface="Dotumche"/>
+                <a:sym typeface="Batang"/>
+              </a:rPr>
+              <a:t>회 이상</a:t>
+            </a:r>
+            <a:endParaRPr sz="900" dirty="0">
+              <a:latin typeface="Dotumche"/>
+              <a:ea typeface="Dotumche"/>
+              <a:sym typeface="Batang"/>
+            </a:endParaRPr>
+          </a:p>
+        </p:txBody>
+      </p:sp>
+      <p:cxnSp>
+        <p:nvCxnSpPr>
+          <p:cNvPr id="40" name="Google Shape;156;p14">
+            <a:extLst>
+              <a:ext uri="{FF2B5EF4-FFF2-40B4-BE49-F238E27FC236}">
+                <a16:creationId xmlns:a16="http://schemas.microsoft.com/office/drawing/2014/main" id="{7A08FB91-EF8B-4243-8828-280694E50CB9}"/>
+              </a:ext>
+            </a:extLst>
+          </p:cNvPr>
+          <p:cNvCxnSpPr>
+            <a:cxnSpLocks/>
+            <a:stCxn id="38" idx="3"/>
+            <a:endCxn id="36" idx="0"/>
+          </p:cNvCxnSpPr>
+          <p:nvPr/>
+        </p:nvCxnSpPr>
+        <p:spPr>
+          <a:xfrm flipH="1" flipV="1">
+            <a:off x="3361604" y="2479075"/>
+            <a:ext cx="1705396" cy="180159"/>
+          </a:xfrm>
+          <a:prstGeom prst="bentConnector4">
+            <a:avLst>
+              <a:gd name="adj1" fmla="val -13405"/>
+              <a:gd name="adj2" fmla="val 308394"/>
+            </a:avLst>
+          </a:prstGeom>
+          <a:solidFill>
+            <a:schemeClr val="accent1"/>
+          </a:solidFill>
+          <a:ln w="9525" cap="flat" cmpd="sng">
+            <a:solidFill>
+              <a:schemeClr val="dk1"/>
+            </a:solidFill>
+            <a:prstDash val="solid"/>
+            <a:round/>
+            <a:headEnd type="none" w="sm" len="sm"/>
+            <a:tailEnd type="triangle" w="med" len="med"/>
+          </a:ln>
+        </p:spPr>
+      </p:cxnSp>
+      <p:sp>
+        <p:nvSpPr>
+          <p:cNvPr id="41" name="Google Shape;158;p14">
+            <a:extLst>
+              <a:ext uri="{FF2B5EF4-FFF2-40B4-BE49-F238E27FC236}">
+                <a16:creationId xmlns:a16="http://schemas.microsoft.com/office/drawing/2014/main" id="{C795A96F-378B-44F6-AC25-B7548D5760DD}"/>
+              </a:ext>
+            </a:extLst>
+          </p:cNvPr>
+          <p:cNvSpPr txBox="1"/>
+          <p:nvPr/>
+        </p:nvSpPr>
+        <p:spPr>
+          <a:xfrm>
+            <a:off x="4984256" y="2332236"/>
+            <a:ext cx="270300" cy="323100"/>
+          </a:xfrm>
+          <a:prstGeom prst="rect">
+            <a:avLst/>
+          </a:prstGeom>
+          <a:noFill/>
+          <a:ln>
+            <a:noFill/>
+          </a:ln>
+        </p:spPr>
+        <p:txBody>
+          <a:bodyPr spcFirstLastPara="1" wrap="square" lIns="91425" tIns="91425" rIns="91425" bIns="91425" anchor="t" anchorCtr="0">
+            <a:spAutoFit/>
+          </a:bodyPr>
+          <a:lstStyle/>
+          <a:p>
+            <a:pPr marL="0" lvl="0" indent="0" algn="l" rtl="0">
+              <a:spcBef>
+                <a:spcPts val="0"/>
+              </a:spcBef>
+              <a:spcAft>
+                <a:spcPts val="0"/>
+              </a:spcAft>
+              <a:buNone/>
+            </a:pPr>
+            <a:r>
+              <a:rPr lang="ko-KR" sz="900" dirty="0" err="1"/>
+              <a:t>N</a:t>
+            </a:r>
+            <a:endParaRPr sz="900" dirty="0"/>
+          </a:p>
+        </p:txBody>
+      </p:sp>
+      <p:sp>
+        <p:nvSpPr>
+          <p:cNvPr id="43" name="Google Shape;159;p14">
+            <a:extLst>
+              <a:ext uri="{FF2B5EF4-FFF2-40B4-BE49-F238E27FC236}">
+                <a16:creationId xmlns:a16="http://schemas.microsoft.com/office/drawing/2014/main" id="{92F22587-155F-4BEC-9CAF-DAA5EF15B84D}"/>
+              </a:ext>
+            </a:extLst>
+          </p:cNvPr>
+          <p:cNvSpPr txBox="1"/>
+          <p:nvPr/>
+        </p:nvSpPr>
+        <p:spPr>
+          <a:xfrm>
+            <a:off x="3877506" y="3261909"/>
+            <a:ext cx="270300" cy="323100"/>
+          </a:xfrm>
+          <a:prstGeom prst="rect">
+            <a:avLst/>
+          </a:prstGeom>
+          <a:noFill/>
+          <a:ln>
+            <a:noFill/>
+          </a:ln>
+        </p:spPr>
+        <p:txBody>
+          <a:bodyPr spcFirstLastPara="1" wrap="square" lIns="91425" tIns="91425" rIns="91425" bIns="91425" anchor="t" anchorCtr="0">
+            <a:spAutoFit/>
+          </a:bodyPr>
+          <a:lstStyle/>
+          <a:p>
+            <a:pPr marL="0" lvl="0" indent="0" algn="l" rtl="0">
+              <a:spcBef>
+                <a:spcPts val="0"/>
+              </a:spcBef>
+              <a:spcAft>
+                <a:spcPts val="0"/>
+              </a:spcAft>
+              <a:buNone/>
+            </a:pPr>
+            <a:r>
+              <a:rPr lang="ko-KR" sz="900"/>
+              <a:t> </a:t>
+            </a:r>
+            <a:endParaRPr sz="900"/>
+          </a:p>
+        </p:txBody>
+      </p:sp>
+      <p:sp>
+        <p:nvSpPr>
+          <p:cNvPr id="44" name="Google Shape;160;p14">
+            <a:extLst>
+              <a:ext uri="{FF2B5EF4-FFF2-40B4-BE49-F238E27FC236}">
+                <a16:creationId xmlns:a16="http://schemas.microsoft.com/office/drawing/2014/main" id="{250D8F70-1B1D-4850-B7AF-C21C9F3A8A42}"/>
+              </a:ext>
+            </a:extLst>
+          </p:cNvPr>
+          <p:cNvSpPr txBox="1"/>
+          <p:nvPr/>
+        </p:nvSpPr>
+        <p:spPr>
+          <a:xfrm>
+            <a:off x="4640490" y="3224355"/>
+            <a:ext cx="270300" cy="323100"/>
+          </a:xfrm>
+          <a:prstGeom prst="rect">
+            <a:avLst/>
+          </a:prstGeom>
+          <a:noFill/>
+          <a:ln>
+            <a:noFill/>
+          </a:ln>
+        </p:spPr>
+        <p:txBody>
+          <a:bodyPr spcFirstLastPara="1" wrap="square" lIns="91425" tIns="91425" rIns="91425" bIns="91425" anchor="t" anchorCtr="0">
+            <a:spAutoFit/>
+          </a:bodyPr>
+          <a:lstStyle/>
+          <a:p>
+            <a:pPr marL="0" lvl="0" indent="0" algn="l" rtl="0">
+              <a:spcBef>
+                <a:spcPts val="0"/>
+              </a:spcBef>
+              <a:spcAft>
+                <a:spcPts val="0"/>
+              </a:spcAft>
+              <a:buNone/>
+            </a:pPr>
+            <a:r>
+              <a:rPr lang="ko-KR" sz="900" dirty="0" err="1"/>
+              <a:t>Y</a:t>
+            </a:r>
+            <a:endParaRPr sz="900" dirty="0"/>
+          </a:p>
+        </p:txBody>
+      </p:sp>
+      <p:cxnSp>
+        <p:nvCxnSpPr>
+          <p:cNvPr id="45" name="Google Shape;161;p14">
+            <a:extLst>
+              <a:ext uri="{FF2B5EF4-FFF2-40B4-BE49-F238E27FC236}">
+                <a16:creationId xmlns:a16="http://schemas.microsoft.com/office/drawing/2014/main" id="{D2725B6D-A4C8-447A-BF78-93F0D77B9708}"/>
+              </a:ext>
+            </a:extLst>
+          </p:cNvPr>
+          <p:cNvCxnSpPr>
+            <a:cxnSpLocks/>
+            <a:stCxn id="38" idx="2"/>
+            <a:endCxn id="46" idx="0"/>
+          </p:cNvCxnSpPr>
+          <p:nvPr/>
+        </p:nvCxnSpPr>
+        <p:spPr>
+          <a:xfrm>
+            <a:off x="4617000" y="2986234"/>
+            <a:ext cx="0" cy="809432"/>
+          </a:xfrm>
+          <a:prstGeom prst="straightConnector1">
+            <a:avLst/>
+          </a:prstGeom>
+          <a:solidFill>
+            <a:schemeClr val="accent1"/>
+          </a:solidFill>
+          <a:ln w="9525" cap="flat" cmpd="sng">
+            <a:solidFill>
+              <a:schemeClr val="dk1"/>
+            </a:solidFill>
+            <a:prstDash val="solid"/>
+            <a:round/>
+            <a:headEnd type="none" w="sm" len="sm"/>
+            <a:tailEnd type="triangle" w="med" len="med"/>
+          </a:ln>
+        </p:spPr>
+      </p:cxnSp>
+      <p:sp>
+        <p:nvSpPr>
+          <p:cNvPr id="46" name="Google Shape;77;p11">
+            <a:extLst>
+              <a:ext uri="{FF2B5EF4-FFF2-40B4-BE49-F238E27FC236}">
+                <a16:creationId xmlns:a16="http://schemas.microsoft.com/office/drawing/2014/main" id="{4C29B035-6514-440E-BD9C-34DE5D6ED8B9}"/>
+              </a:ext>
+            </a:extLst>
+          </p:cNvPr>
+          <p:cNvSpPr/>
+          <p:nvPr/>
+        </p:nvSpPr>
+        <p:spPr>
+          <a:xfrm>
+            <a:off x="4203456" y="3795666"/>
+            <a:ext cx="827088" cy="360362"/>
+          </a:xfrm>
+          <a:prstGeom prst="rect">
+            <a:avLst/>
+          </a:prstGeom>
+          <a:solidFill>
+            <a:schemeClr val="accent1"/>
+          </a:solidFill>
+          <a:ln w="12700" cap="flat" cmpd="sng">
+            <a:solidFill>
+              <a:schemeClr val="dk1"/>
+            </a:solidFill>
+            <a:prstDash val="solid"/>
+            <a:miter lim="800000"/>
+            <a:headEnd type="none" w="sm" len="sm"/>
+            <a:tailEnd type="none" w="sm" len="sm"/>
+          </a:ln>
+        </p:spPr>
+        <p:txBody>
+          <a:bodyPr spcFirstLastPara="1" wrap="square" lIns="82550" tIns="41275" rIns="82550" bIns="41275" anchor="ctr" anchorCtr="0">
+            <a:noAutofit/>
+          </a:bodyPr>
+          <a:lstStyle/>
+          <a:p>
+            <a:pPr marL="0" marR="0" lvl="0" indent="0" algn="ctr" rtl="0">
+              <a:spcBef>
+                <a:spcPts val="0"/>
+              </a:spcBef>
+              <a:spcAft>
+                <a:spcPts val="0"/>
+              </a:spcAft>
+              <a:buNone/>
+            </a:pPr>
+            <a:r>
+              <a:rPr lang="ko-KR" altLang="en-US" sz="900" dirty="0">
+                <a:latin typeface="Dotumche"/>
+                <a:ea typeface="Dotumche"/>
+                <a:sym typeface="Tahoma"/>
+              </a:rPr>
+              <a:t>낙제</a:t>
+            </a:r>
+            <a:endParaRPr sz="900" dirty="0">
+              <a:latin typeface="Dotumche"/>
+              <a:ea typeface="Dotumche"/>
+            </a:endParaRPr>
+          </a:p>
+        </p:txBody>
+      </p:sp>
     </p:spTree>
     <p:extLst>
       <p:ext uri="{BB962C8B-B14F-4D97-AF65-F5344CB8AC3E}">
-        <p14:creationId xmlns:p14="http://schemas.microsoft.com/office/powerpoint/2010/main" val="3565639595"/>
+        <p14:creationId xmlns:p14="http://schemas.microsoft.com/office/powerpoint/2010/main" val="2084181249"/>
       </p:ext>
     </p:extLst>
   </p:cSld>
